--- a/timed_eff.pptx
+++ b/timed_eff.pptx
@@ -5,16 +5,26 @@
     <p:sldMasterId id="2147483648" r:id="rId1"/>
   </p:sldMasterIdLst>
   <p:notesMasterIdLst>
-    <p:notesMasterId r:id="rId9"/>
+    <p:notesMasterId r:id="rId19"/>
   </p:notesMasterIdLst>
   <p:sldIdLst>
     <p:sldId id="257" r:id="rId2"/>
-    <p:sldId id="259" r:id="rId3"/>
-    <p:sldId id="271" r:id="rId4"/>
-    <p:sldId id="272" r:id="rId5"/>
-    <p:sldId id="261" r:id="rId6"/>
-    <p:sldId id="270" r:id="rId7"/>
-    <p:sldId id="260" r:id="rId8"/>
+    <p:sldId id="279" r:id="rId3"/>
+    <p:sldId id="272" r:id="rId4"/>
+    <p:sldId id="274" r:id="rId5"/>
+    <p:sldId id="275" r:id="rId6"/>
+    <p:sldId id="276" r:id="rId7"/>
+    <p:sldId id="273" r:id="rId8"/>
+    <p:sldId id="281" r:id="rId9"/>
+    <p:sldId id="278" r:id="rId10"/>
+    <p:sldId id="261" r:id="rId11"/>
+    <p:sldId id="270" r:id="rId12"/>
+    <p:sldId id="282" r:id="rId13"/>
+    <p:sldId id="283" r:id="rId14"/>
+    <p:sldId id="284" r:id="rId15"/>
+    <p:sldId id="311" r:id="rId16"/>
+    <p:sldId id="285" r:id="rId17"/>
+    <p:sldId id="271" r:id="rId18"/>
   </p:sldIdLst>
   <p:sldSz cx="12192000" cy="6858000"/>
   <p:notesSz cx="6858000" cy="9144000"/>
@@ -113,6 +123,11 @@
       </a:defRPr>
     </a:lvl9pPr>
   </p:defaultTextStyle>
+  <p:extLst>
+    <p:ext uri="{EFAFB233-063F-42B5-8137-9DF3F51BA10A}">
+      <p15:sldGuideLst xmlns:p15="http://schemas.microsoft.com/office/powerpoint/2012/main"/>
+    </p:ext>
+  </p:extLst>
 </p:presentation>
 </file>
 
@@ -198,7 +213,7 @@
           <a:p>
             <a:fld id="{6E28B45E-87D2-7B46-9780-075694F0405D}" type="datetimeFigureOut">
               <a:rPr lang="en-US" smtClean="0"/>
-              <a:t>7/19/21</a:t>
+              <a:t>7/22/21</a:t>
             </a:fld>
             <a:endParaRPr lang="en-US"/>
           </a:p>
@@ -656,7 +671,7 @@
     </p:spTree>
     <p:extLst>
       <p:ext uri="{BB962C8B-B14F-4D97-AF65-F5344CB8AC3E}">
-        <p14:creationId xmlns:p14="http://schemas.microsoft.com/office/powerpoint/2010/main" val="598791824"/>
+        <p14:creationId xmlns:p14="http://schemas.microsoft.com/office/powerpoint/2010/main" val="2698950341"/>
       </p:ext>
     </p:extLst>
   </p:cSld>
@@ -711,15 +726,40 @@
           <a:lstStyle/>
           <a:p>
             <a:r>
-              <a:rPr lang="en-SG" dirty="0"/>
-              <a:t>with comparatively simple interaction with their environment. </a:t>
-            </a:r>
-          </a:p>
-          <a:p>
-            <a:r>
-              <a:rPr lang="en-SG" dirty="0"/>
-              <a:t>with uncontrollable timing.</a:t>
-            </a:r>
+              <a:rPr lang="en-SG" sz="1200" kern="1200" dirty="0">
+                <a:solidFill>
+                  <a:schemeClr val="tx1"/>
+                </a:solidFill>
+                <a:effectLst/>
+                <a:latin typeface="+mn-lt"/>
+                <a:ea typeface="+mn-ea"/>
+                <a:cs typeface="+mn-cs"/>
+              </a:rPr>
+              <a:t>Intuitively, if traditional timed automata [Larsen et al. 1997] define an exact transition </a:t>
+            </a:r>
+            <a:endParaRPr lang="en-SG" dirty="0">
+              <a:effectLst/>
+            </a:endParaRPr>
+          </a:p>
+          <a:p>
+            <a:r>
+              <a:rPr lang="en-SG" sz="1200" kern="1200" dirty="0">
+                <a:solidFill>
+                  <a:schemeClr val="tx1"/>
+                </a:solidFill>
+                <a:effectLst/>
+                <a:latin typeface="+mn-lt"/>
+                <a:ea typeface="+mn-ea"/>
+                <a:cs typeface="+mn-cs"/>
+              </a:rPr>
+              <a:t>68  system, our timed effects define a set (possibly infinite) of exact transition systems. </a:t>
+            </a:r>
+            <a:endParaRPr lang="en-SG" dirty="0">
+              <a:effectLst/>
+            </a:endParaRPr>
+          </a:p>
+          <a:p>
+            <a:endParaRPr lang="en-US" dirty="0"/>
           </a:p>
         </p:txBody>
       </p:sp>
@@ -738,9 +778,9 @@
           <a:bodyPr/>
           <a:lstStyle/>
           <a:p>
-            <a:fld id="{DA1080EC-0B3A-BD4B-9666-16E141B9BB0E}" type="slidenum">
+            <a:fld id="{D56394CC-1524-894F-A829-C101D9E61E4F}" type="slidenum">
               <a:rPr lang="en-US" smtClean="0"/>
-              <a:t>5</a:t>
+              <a:t>9</a:t>
             </a:fld>
             <a:endParaRPr lang="en-US"/>
           </a:p>
@@ -749,7 +789,7 @@
     </p:spTree>
     <p:extLst>
       <p:ext uri="{BB962C8B-B14F-4D97-AF65-F5344CB8AC3E}">
-        <p14:creationId xmlns:p14="http://schemas.microsoft.com/office/powerpoint/2010/main" val="1261607431"/>
+        <p14:creationId xmlns:p14="http://schemas.microsoft.com/office/powerpoint/2010/main" val="3851369999"/>
       </p:ext>
     </p:extLst>
   </p:cSld>
@@ -833,7 +873,100 @@
           <a:p>
             <a:fld id="{DA1080EC-0B3A-BD4B-9666-16E141B9BB0E}" type="slidenum">
               <a:rPr lang="en-US" smtClean="0"/>
-              <a:t>6</a:t>
+              <a:t>10</a:t>
+            </a:fld>
+            <a:endParaRPr lang="en-US"/>
+          </a:p>
+        </p:txBody>
+      </p:sp>
+    </p:spTree>
+    <p:extLst>
+      <p:ext uri="{BB962C8B-B14F-4D97-AF65-F5344CB8AC3E}">
+        <p14:creationId xmlns:p14="http://schemas.microsoft.com/office/powerpoint/2010/main" val="1261607431"/>
+      </p:ext>
+    </p:extLst>
+  </p:cSld>
+  <p:clrMapOvr>
+    <a:masterClrMapping/>
+  </p:clrMapOvr>
+</p:notes>
+</file>
+
+<file path=ppt/notesSlides/notesSlide5.xml><?xml version="1.0" encoding="utf-8"?>
+<p:notes xmlns:a="http://schemas.openxmlformats.org/drawingml/2006/main" xmlns:r="http://schemas.openxmlformats.org/officeDocument/2006/relationships" xmlns:p="http://schemas.openxmlformats.org/presentationml/2006/main">
+  <p:cSld>
+    <p:spTree>
+      <p:nvGrpSpPr>
+        <p:cNvPr id="1" name=""/>
+        <p:cNvGrpSpPr/>
+        <p:nvPr/>
+      </p:nvGrpSpPr>
+      <p:grpSpPr>
+        <a:xfrm>
+          <a:off x="0" y="0"/>
+          <a:ext cx="0" cy="0"/>
+          <a:chOff x="0" y="0"/>
+          <a:chExt cx="0" cy="0"/>
+        </a:xfrm>
+      </p:grpSpPr>
+      <p:sp>
+        <p:nvSpPr>
+          <p:cNvPr id="2" name="Slide Image Placeholder 1"/>
+          <p:cNvSpPr>
+            <a:spLocks noGrp="1" noRot="1" noChangeAspect="1"/>
+          </p:cNvSpPr>
+          <p:nvPr>
+            <p:ph type="sldImg"/>
+          </p:nvPr>
+        </p:nvSpPr>
+        <p:spPr/>
+      </p:sp>
+      <p:sp>
+        <p:nvSpPr>
+          <p:cNvPr id="3" name="Notes Placeholder 2"/>
+          <p:cNvSpPr>
+            <a:spLocks noGrp="1"/>
+          </p:cNvSpPr>
+          <p:nvPr>
+            <p:ph type="body" idx="1"/>
+          </p:nvPr>
+        </p:nvSpPr>
+        <p:spPr/>
+        <p:txBody>
+          <a:bodyPr/>
+          <a:lstStyle/>
+          <a:p>
+            <a:r>
+              <a:rPr lang="en-SG" dirty="0"/>
+              <a:t>with comparatively simple interaction with their environment. </a:t>
+            </a:r>
+          </a:p>
+          <a:p>
+            <a:r>
+              <a:rPr lang="en-SG" dirty="0"/>
+              <a:t>with uncontrollable timing.</a:t>
+            </a:r>
+          </a:p>
+        </p:txBody>
+      </p:sp>
+      <p:sp>
+        <p:nvSpPr>
+          <p:cNvPr id="4" name="Slide Number Placeholder 3"/>
+          <p:cNvSpPr>
+            <a:spLocks noGrp="1"/>
+          </p:cNvSpPr>
+          <p:nvPr>
+            <p:ph type="sldNum" sz="quarter" idx="5"/>
+          </p:nvPr>
+        </p:nvSpPr>
+        <p:spPr/>
+        <p:txBody>
+          <a:bodyPr/>
+          <a:lstStyle/>
+          <a:p>
+            <a:fld id="{DA1080EC-0B3A-BD4B-9666-16E141B9BB0E}" type="slidenum">
+              <a:rPr lang="en-US" smtClean="0"/>
+              <a:t>11</a:t>
             </a:fld>
             <a:endParaRPr lang="en-US"/>
           </a:p>
@@ -843,6 +976,144 @@
     <p:extLst>
       <p:ext uri="{BB962C8B-B14F-4D97-AF65-F5344CB8AC3E}">
         <p14:creationId xmlns:p14="http://schemas.microsoft.com/office/powerpoint/2010/main" val="107417106"/>
+      </p:ext>
+    </p:extLst>
+  </p:cSld>
+  <p:clrMapOvr>
+    <a:masterClrMapping/>
+  </p:clrMapOvr>
+</p:notes>
+</file>
+
+<file path=ppt/notesSlides/notesSlide6.xml><?xml version="1.0" encoding="utf-8"?>
+<p:notes xmlns:a="http://schemas.openxmlformats.org/drawingml/2006/main" xmlns:r="http://schemas.openxmlformats.org/officeDocument/2006/relationships" xmlns:p="http://schemas.openxmlformats.org/presentationml/2006/main">
+  <p:cSld>
+    <p:spTree>
+      <p:nvGrpSpPr>
+        <p:cNvPr id="1" name=""/>
+        <p:cNvGrpSpPr/>
+        <p:nvPr/>
+      </p:nvGrpSpPr>
+      <p:grpSpPr>
+        <a:xfrm>
+          <a:off x="0" y="0"/>
+          <a:ext cx="0" cy="0"/>
+          <a:chOff x="0" y="0"/>
+          <a:chExt cx="0" cy="0"/>
+        </a:xfrm>
+      </p:grpSpPr>
+      <p:sp>
+        <p:nvSpPr>
+          <p:cNvPr id="2" name="Slide Image Placeholder 1"/>
+          <p:cNvSpPr>
+            <a:spLocks noGrp="1" noRot="1" noChangeAspect="1"/>
+          </p:cNvSpPr>
+          <p:nvPr>
+            <p:ph type="sldImg"/>
+          </p:nvPr>
+        </p:nvSpPr>
+        <p:spPr/>
+      </p:sp>
+      <p:sp>
+        <p:nvSpPr>
+          <p:cNvPr id="3" name="Notes Placeholder 2"/>
+          <p:cNvSpPr>
+            <a:spLocks noGrp="1"/>
+          </p:cNvSpPr>
+          <p:nvPr>
+            <p:ph type="body" idx="1"/>
+          </p:nvPr>
+        </p:nvSpPr>
+        <p:spPr/>
+        <p:txBody>
+          <a:bodyPr/>
+          <a:lstStyle/>
+          <a:p>
+            <a:r>
+              <a:rPr lang="en-SG" sz="1200" kern="1200" dirty="0">
+                <a:solidFill>
+                  <a:schemeClr val="tx1"/>
+                </a:solidFill>
+                <a:effectLst/>
+                <a:latin typeface="+mn-lt"/>
+                <a:ea typeface="+mn-ea"/>
+                <a:cs typeface="+mn-cs"/>
+              </a:rPr>
+              <a:t>CEC: It is an open-source compiler designed for research in both hardware and software generation from the Esterel synchronous language to C, Verilog or BLIF circuit description. It currently supports a subset of Esterel V5 [5], and provides pure Esterel programs for testing. </a:t>
+            </a:r>
+            <a:endParaRPr lang="en-SG" dirty="0"/>
+          </a:p>
+          <a:p>
+            <a:r>
+              <a:rPr lang="en-SG" sz="1200" kern="1200" dirty="0">
+                <a:solidFill>
+                  <a:schemeClr val="tx1"/>
+                </a:solidFill>
+                <a:effectLst/>
+                <a:latin typeface="+mn-lt"/>
+                <a:ea typeface="+mn-ea"/>
+                <a:cs typeface="+mn-cs"/>
+              </a:rPr>
+              <a:t>– Hiphop.js: It is a DSL for JavaScript, to facilitate the design of complex web applications by smoothly integrating Esterel and JavaScript. To enrich our test suite, we take a subset of </a:t>
+            </a:r>
+            <a:r>
+              <a:rPr lang="en-SG" sz="1200" kern="1200" dirty="0" err="1">
+                <a:solidFill>
+                  <a:schemeClr val="tx1"/>
+                </a:solidFill>
+                <a:effectLst/>
+                <a:latin typeface="+mn-lt"/>
+                <a:ea typeface="+mn-ea"/>
+                <a:cs typeface="+mn-cs"/>
+              </a:rPr>
+              <a:t>Hiphop.js</a:t>
+            </a:r>
+            <a:r>
+              <a:rPr lang="en-SG" sz="1200" kern="1200" dirty="0">
+                <a:solidFill>
+                  <a:schemeClr val="tx1"/>
+                </a:solidFill>
+                <a:effectLst/>
+                <a:latin typeface="+mn-lt"/>
+                <a:ea typeface="+mn-ea"/>
+                <a:cs typeface="+mn-cs"/>
+              </a:rPr>
+              <a:t> programs (as our verifier does not accept JavaScript code), and translate them into our target language. </a:t>
+            </a:r>
+            <a:endParaRPr lang="en-SG" dirty="0"/>
+          </a:p>
+          <a:p>
+            <a:endParaRPr lang="en-US" dirty="0"/>
+          </a:p>
+        </p:txBody>
+      </p:sp>
+      <p:sp>
+        <p:nvSpPr>
+          <p:cNvPr id="4" name="Slide Number Placeholder 3"/>
+          <p:cNvSpPr>
+            <a:spLocks noGrp="1"/>
+          </p:cNvSpPr>
+          <p:nvPr>
+            <p:ph type="sldNum" sz="quarter" idx="5"/>
+          </p:nvPr>
+        </p:nvSpPr>
+        <p:spPr/>
+        <p:txBody>
+          <a:bodyPr/>
+          <a:lstStyle/>
+          <a:p>
+            <a:fld id="{1A783806-FA70-C74A-BE0D-AB8D54D9636B}" type="slidenum">
+              <a:rPr lang="en-US" smtClean="0"/>
+              <a:t>15</a:t>
+            </a:fld>
+            <a:endParaRPr lang="en-US"/>
+          </a:p>
+        </p:txBody>
+      </p:sp>
+    </p:spTree>
+    <p:extLst>
+      <p:ext uri="{BB962C8B-B14F-4D97-AF65-F5344CB8AC3E}">
+        <p14:creationId xmlns:p14="http://schemas.microsoft.com/office/powerpoint/2010/main" val="1993414555"/>
       </p:ext>
     </p:extLst>
   </p:cSld>
@@ -1001,7 +1272,7 @@
           <a:p>
             <a:fld id="{176983A1-7394-8848-BE68-1BD91FCF30CE}" type="datetimeFigureOut">
               <a:rPr lang="en-US" smtClean="0"/>
-              <a:t>7/19/21</a:t>
+              <a:t>7/22/21</a:t>
             </a:fld>
             <a:endParaRPr lang="en-US"/>
           </a:p>
@@ -1201,7 +1472,7 @@
           <a:p>
             <a:fld id="{176983A1-7394-8848-BE68-1BD91FCF30CE}" type="datetimeFigureOut">
               <a:rPr lang="en-US" smtClean="0"/>
-              <a:t>7/19/21</a:t>
+              <a:t>7/22/21</a:t>
             </a:fld>
             <a:endParaRPr lang="en-US"/>
           </a:p>
@@ -1411,7 +1682,7 @@
           <a:p>
             <a:fld id="{176983A1-7394-8848-BE68-1BD91FCF30CE}" type="datetimeFigureOut">
               <a:rPr lang="en-US" smtClean="0"/>
-              <a:t>7/19/21</a:t>
+              <a:t>7/22/21</a:t>
             </a:fld>
             <a:endParaRPr lang="en-US"/>
           </a:p>
@@ -1611,7 +1882,7 @@
           <a:p>
             <a:fld id="{176983A1-7394-8848-BE68-1BD91FCF30CE}" type="datetimeFigureOut">
               <a:rPr lang="en-US" smtClean="0"/>
-              <a:t>7/19/21</a:t>
+              <a:t>7/22/21</a:t>
             </a:fld>
             <a:endParaRPr lang="en-US"/>
           </a:p>
@@ -1887,7 +2158,7 @@
           <a:p>
             <a:fld id="{176983A1-7394-8848-BE68-1BD91FCF30CE}" type="datetimeFigureOut">
               <a:rPr lang="en-US" smtClean="0"/>
-              <a:t>7/19/21</a:t>
+              <a:t>7/22/21</a:t>
             </a:fld>
             <a:endParaRPr lang="en-US"/>
           </a:p>
@@ -2155,7 +2426,7 @@
           <a:p>
             <a:fld id="{176983A1-7394-8848-BE68-1BD91FCF30CE}" type="datetimeFigureOut">
               <a:rPr lang="en-US" smtClean="0"/>
-              <a:t>7/19/21</a:t>
+              <a:t>7/22/21</a:t>
             </a:fld>
             <a:endParaRPr lang="en-US"/>
           </a:p>
@@ -2570,7 +2841,7 @@
           <a:p>
             <a:fld id="{176983A1-7394-8848-BE68-1BD91FCF30CE}" type="datetimeFigureOut">
               <a:rPr lang="en-US" smtClean="0"/>
-              <a:t>7/19/21</a:t>
+              <a:t>7/22/21</a:t>
             </a:fld>
             <a:endParaRPr lang="en-US"/>
           </a:p>
@@ -2712,7 +2983,7 @@
           <a:p>
             <a:fld id="{176983A1-7394-8848-BE68-1BD91FCF30CE}" type="datetimeFigureOut">
               <a:rPr lang="en-US" smtClean="0"/>
-              <a:t>7/19/21</a:t>
+              <a:t>7/22/21</a:t>
             </a:fld>
             <a:endParaRPr lang="en-US"/>
           </a:p>
@@ -2825,7 +3096,7 @@
           <a:p>
             <a:fld id="{176983A1-7394-8848-BE68-1BD91FCF30CE}" type="datetimeFigureOut">
               <a:rPr lang="en-US" smtClean="0"/>
-              <a:t>7/19/21</a:t>
+              <a:t>7/22/21</a:t>
             </a:fld>
             <a:endParaRPr lang="en-US"/>
           </a:p>
@@ -3138,7 +3409,7 @@
           <a:p>
             <a:fld id="{176983A1-7394-8848-BE68-1BD91FCF30CE}" type="datetimeFigureOut">
               <a:rPr lang="en-US" smtClean="0"/>
-              <a:t>7/19/21</a:t>
+              <a:t>7/22/21</a:t>
             </a:fld>
             <a:endParaRPr lang="en-US"/>
           </a:p>
@@ -3427,7 +3698,7 @@
           <a:p>
             <a:fld id="{176983A1-7394-8848-BE68-1BD91FCF30CE}" type="datetimeFigureOut">
               <a:rPr lang="en-US" smtClean="0"/>
-              <a:t>7/19/21</a:t>
+              <a:t>7/22/21</a:t>
             </a:fld>
             <a:endParaRPr lang="en-US"/>
           </a:p>
@@ -3670,7 +3941,7 @@
           <a:p>
             <a:fld id="{176983A1-7394-8848-BE68-1BD91FCF30CE}" type="datetimeFigureOut">
               <a:rPr lang="en-US" smtClean="0"/>
-              <a:t>7/19/21</a:t>
+              <a:t>7/22/21</a:t>
             </a:fld>
             <a:endParaRPr lang="en-US"/>
           </a:p>
@@ -4105,7 +4376,7 @@
         </p:nvSpPr>
         <p:spPr>
           <a:xfrm>
-            <a:off x="1524000" y="3864801"/>
+            <a:off x="1524000" y="3964817"/>
             <a:ext cx="9144000" cy="1655762"/>
           </a:xfrm>
         </p:spPr>
@@ -4208,7 +4479,7 @@
         </p:nvSpPr>
         <p:spPr>
           <a:xfrm>
-            <a:off x="1234965" y="1056928"/>
+            <a:off x="1234965" y="1156944"/>
             <a:ext cx="9722069" cy="2387600"/>
           </a:xfrm>
         </p:spPr>
@@ -4252,8 +4523,8 @@
         </p:blipFill>
         <p:spPr>
           <a:xfrm>
-            <a:off x="8927028" y="5635421"/>
-            <a:ext cx="1212357" cy="1042024"/>
+            <a:off x="9063869" y="323138"/>
+            <a:ext cx="1439917" cy="1237612"/>
           </a:xfrm>
           <a:prstGeom prst="rect">
             <a:avLst/>
@@ -4262,10 +4533,10 @@
       </p:pic>
       <p:pic>
         <p:nvPicPr>
-          <p:cNvPr id="7" name="Graphic 6" descr="Right pointing backhand index">
-            <a:extLst>
-              <a:ext uri="{FF2B5EF4-FFF2-40B4-BE49-F238E27FC236}">
-                <a16:creationId xmlns:a16="http://schemas.microsoft.com/office/drawing/2014/main" id="{98A9B01C-7DEF-3746-98DA-FC164633726E}"/>
+          <p:cNvPr id="8" name="Picture 7">
+            <a:extLst>
+              <a:ext uri="{FF2B5EF4-FFF2-40B4-BE49-F238E27FC236}">
+                <a16:creationId xmlns:a16="http://schemas.microsoft.com/office/drawing/2014/main" id="{D82B8A43-AA31-E54C-8A24-7933041C7847}"/>
               </a:ext>
             </a:extLst>
           </p:cNvPr>
@@ -4275,10 +4546,1539 @@
           <p:nvPr/>
         </p:nvPicPr>
         <p:blipFill>
-          <a:blip r:embed="rId5">
+          <a:blip r:embed="rId5"/>
+          <a:srcRect/>
+          <a:stretch/>
+        </p:blipFill>
+        <p:spPr>
+          <a:xfrm>
+            <a:off x="10503787" y="184457"/>
+            <a:ext cx="1524000" cy="1524000"/>
+          </a:xfrm>
+          <a:prstGeom prst="rect">
+            <a:avLst/>
+          </a:prstGeom>
+        </p:spPr>
+      </p:pic>
+    </p:spTree>
+    <p:extLst>
+      <p:ext uri="{BB962C8B-B14F-4D97-AF65-F5344CB8AC3E}">
+        <p14:creationId xmlns:p14="http://schemas.microsoft.com/office/powerpoint/2010/main" val="1674874275"/>
+      </p:ext>
+    </p:extLst>
+  </p:cSld>
+  <p:clrMapOvr>
+    <a:masterClrMapping/>
+  </p:clrMapOvr>
+</p:sld>
+</file>
+
+<file path=ppt/slides/slide10.xml><?xml version="1.0" encoding="utf-8"?>
+<p:sld xmlns:a="http://schemas.openxmlformats.org/drawingml/2006/main" xmlns:r="http://schemas.openxmlformats.org/officeDocument/2006/relationships" xmlns:p="http://schemas.openxmlformats.org/presentationml/2006/main">
+  <p:cSld>
+    <p:spTree>
+      <p:nvGrpSpPr>
+        <p:cNvPr id="1" name=""/>
+        <p:cNvGrpSpPr/>
+        <p:nvPr/>
+      </p:nvGrpSpPr>
+      <p:grpSpPr>
+        <a:xfrm>
+          <a:off x="0" y="0"/>
+          <a:ext cx="0" cy="0"/>
+          <a:chOff x="0" y="0"/>
+          <a:chExt cx="0" cy="0"/>
+        </a:xfrm>
+      </p:grpSpPr>
+      <p:sp>
+        <p:nvSpPr>
+          <p:cNvPr id="2" name="Title 1">
+            <a:extLst>
+              <a:ext uri="{FF2B5EF4-FFF2-40B4-BE49-F238E27FC236}">
+                <a16:creationId xmlns:a16="http://schemas.microsoft.com/office/drawing/2014/main" id="{EFB70762-8925-7649-A7C6-C5AC1E1FCE28}"/>
+              </a:ext>
+            </a:extLst>
+          </p:cNvPr>
+          <p:cNvSpPr>
+            <a:spLocks noGrp="1"/>
+          </p:cNvSpPr>
+          <p:nvPr>
+            <p:ph type="title"/>
+          </p:nvPr>
+        </p:nvSpPr>
+        <p:spPr/>
+        <p:txBody>
+          <a:bodyPr/>
+          <a:lstStyle/>
+          <a:p>
+            <a:r>
+              <a:rPr lang="en-US" b="1" dirty="0"/>
+              <a:t>2. Reactive </a:t>
+            </a:r>
+            <a:r>
+              <a:rPr lang="en-US" altLang="zh-CN" b="1" dirty="0"/>
+              <a:t>Language Hiphop.js</a:t>
+            </a:r>
+            <a:endParaRPr lang="en-US" b="1" dirty="0"/>
+          </a:p>
+        </p:txBody>
+      </p:sp>
+      <p:sp>
+        <p:nvSpPr>
+          <p:cNvPr id="3" name="Content Placeholder 2">
+            <a:extLst>
+              <a:ext uri="{FF2B5EF4-FFF2-40B4-BE49-F238E27FC236}">
+                <a16:creationId xmlns:a16="http://schemas.microsoft.com/office/drawing/2014/main" id="{01D76134-8226-A44D-93DD-C8B1CCF01A8A}"/>
+              </a:ext>
+            </a:extLst>
+          </p:cNvPr>
+          <p:cNvSpPr>
+            <a:spLocks noGrp="1"/>
+          </p:cNvSpPr>
+          <p:nvPr>
+            <p:ph idx="1"/>
+          </p:nvPr>
+        </p:nvSpPr>
+        <p:spPr>
+          <a:xfrm>
+            <a:off x="838200" y="1720525"/>
+            <a:ext cx="10515600" cy="4351338"/>
+          </a:xfrm>
+        </p:spPr>
+        <p:txBody>
+          <a:bodyPr>
+            <a:normAutofit fontScale="92500"/>
+          </a:bodyPr>
+          <a:lstStyle/>
+          <a:p>
+            <a:pPr marL="571500" indent="-571500">
+              <a:lnSpc>
+                <a:spcPct val="150000"/>
+              </a:lnSpc>
+              <a:buFont typeface="+mj-lt"/>
+              <a:buAutoNum type="romanLcPeriod"/>
+            </a:pPr>
+            <a:r>
+              <a:rPr lang="en-SG" b="1" dirty="0">
+                <a:solidFill>
+                  <a:srgbClr val="C00000"/>
+                </a:solidFill>
+              </a:rPr>
+              <a:t>Transformational programs </a:t>
+            </a:r>
+            <a:r>
+              <a:rPr lang="en-SG" dirty="0"/>
+              <a:t>compute output values from input values. This is the domain of classical </a:t>
+            </a:r>
+            <a:r>
+              <a:rPr lang="en-SG" u="sng" dirty="0"/>
+              <a:t>sequential</a:t>
+            </a:r>
+            <a:r>
+              <a:rPr lang="en-SG" dirty="0"/>
+              <a:t> programming languages. </a:t>
+            </a:r>
+          </a:p>
+          <a:p>
+            <a:pPr marL="571500" indent="-571500">
+              <a:lnSpc>
+                <a:spcPct val="150000"/>
+              </a:lnSpc>
+              <a:buFont typeface="+mj-lt"/>
+              <a:buAutoNum type="romanLcPeriod"/>
+            </a:pPr>
+            <a:r>
+              <a:rPr lang="en-SG" b="1" dirty="0">
+                <a:solidFill>
+                  <a:srgbClr val="C00000"/>
+                </a:solidFill>
+              </a:rPr>
+              <a:t>Asynchronous concurrent programs </a:t>
+            </a:r>
+            <a:r>
+              <a:rPr lang="en-SG" dirty="0"/>
+              <a:t>perform interactions between their components using typically </a:t>
+            </a:r>
+            <a:r>
+              <a:rPr lang="en-SG" u="sng" dirty="0"/>
+              <a:t>network-based</a:t>
+            </a:r>
+            <a:r>
+              <a:rPr lang="en-SG" dirty="0"/>
+              <a:t> communication. </a:t>
+            </a:r>
+          </a:p>
+          <a:p>
+            <a:pPr marL="571500" indent="-571500">
+              <a:lnSpc>
+                <a:spcPct val="150000"/>
+              </a:lnSpc>
+              <a:buFont typeface="+mj-lt"/>
+              <a:buAutoNum type="romanLcPeriod"/>
+            </a:pPr>
+            <a:r>
+              <a:rPr lang="en-SG" b="1" dirty="0">
+                <a:solidFill>
+                  <a:srgbClr val="C00000"/>
+                </a:solidFill>
+              </a:rPr>
+              <a:t>Synchronous reactive programs </a:t>
+            </a:r>
+            <a:r>
+              <a:rPr lang="en-SG" dirty="0"/>
+              <a:t>react to external events in a conceptually instantaneous and </a:t>
+            </a:r>
+            <a:r>
+              <a:rPr lang="en-SG" u="sng" dirty="0"/>
+              <a:t>deterministic</a:t>
+            </a:r>
+            <a:r>
+              <a:rPr lang="en-SG" dirty="0"/>
+              <a:t> way. </a:t>
+            </a:r>
+          </a:p>
+          <a:p>
+            <a:pPr marL="571500" indent="-571500">
+              <a:lnSpc>
+                <a:spcPct val="150000"/>
+              </a:lnSpc>
+              <a:buFont typeface="+mj-lt"/>
+              <a:buAutoNum type="romanLcPeriod"/>
+            </a:pPr>
+            <a:endParaRPr lang="en-US" dirty="0"/>
+          </a:p>
+        </p:txBody>
+      </p:sp>
+      <p:pic>
+        <p:nvPicPr>
+          <p:cNvPr id="4" name="Picture 3">
+            <a:extLst>
+              <a:ext uri="{FF2B5EF4-FFF2-40B4-BE49-F238E27FC236}">
+                <a16:creationId xmlns:a16="http://schemas.microsoft.com/office/drawing/2014/main" id="{248FE0FE-27D0-D644-8082-70E6EFFD692F}"/>
+              </a:ext>
+            </a:extLst>
+          </p:cNvPr>
+          <p:cNvPicPr>
+            <a:picLocks noChangeAspect="1"/>
+          </p:cNvPicPr>
+          <p:nvPr/>
+        </p:nvPicPr>
+        <p:blipFill>
+          <a:blip r:embed="rId3"/>
+          <a:srcRect/>
+          <a:stretch/>
+        </p:blipFill>
+        <p:spPr>
+          <a:xfrm>
+            <a:off x="10503787" y="184457"/>
+            <a:ext cx="1524000" cy="1524000"/>
+          </a:xfrm>
+          <a:prstGeom prst="rect">
+            <a:avLst/>
+          </a:prstGeom>
+        </p:spPr>
+      </p:pic>
+    </p:spTree>
+    <p:extLst>
+      <p:ext uri="{BB962C8B-B14F-4D97-AF65-F5344CB8AC3E}">
+        <p14:creationId xmlns:p14="http://schemas.microsoft.com/office/powerpoint/2010/main" val="260567246"/>
+      </p:ext>
+    </p:extLst>
+  </p:cSld>
+  <p:clrMapOvr>
+    <a:masterClrMapping/>
+  </p:clrMapOvr>
+</p:sld>
+</file>
+
+<file path=ppt/slides/slide11.xml><?xml version="1.0" encoding="utf-8"?>
+<p:sld xmlns:a="http://schemas.openxmlformats.org/drawingml/2006/main" xmlns:r="http://schemas.openxmlformats.org/officeDocument/2006/relationships" xmlns:p="http://schemas.openxmlformats.org/presentationml/2006/main">
+  <p:cSld>
+    <p:spTree>
+      <p:nvGrpSpPr>
+        <p:cNvPr id="1" name=""/>
+        <p:cNvGrpSpPr/>
+        <p:nvPr/>
+      </p:nvGrpSpPr>
+      <p:grpSpPr>
+        <a:xfrm>
+          <a:off x="0" y="0"/>
+          <a:ext cx="0" cy="0"/>
+          <a:chOff x="0" y="0"/>
+          <a:chExt cx="0" cy="0"/>
+        </a:xfrm>
+      </p:grpSpPr>
+      <p:sp>
+        <p:nvSpPr>
+          <p:cNvPr id="3" name="Content Placeholder 2">
+            <a:extLst>
+              <a:ext uri="{FF2B5EF4-FFF2-40B4-BE49-F238E27FC236}">
+                <a16:creationId xmlns:a16="http://schemas.microsoft.com/office/drawing/2014/main" id="{01D76134-8226-A44D-93DD-C8B1CCF01A8A}"/>
+              </a:ext>
+            </a:extLst>
+          </p:cNvPr>
+          <p:cNvSpPr>
+            <a:spLocks noGrp="1"/>
+          </p:cNvSpPr>
+          <p:nvPr>
+            <p:ph idx="1"/>
+          </p:nvPr>
+        </p:nvSpPr>
+        <p:spPr>
+          <a:xfrm>
+            <a:off x="838200" y="1720525"/>
+            <a:ext cx="10515600" cy="4351338"/>
+          </a:xfrm>
+        </p:spPr>
+        <p:txBody>
+          <a:bodyPr>
+            <a:normAutofit fontScale="92500"/>
+          </a:bodyPr>
+          <a:lstStyle/>
+          <a:p>
+            <a:pPr marL="571500" indent="-571500">
+              <a:lnSpc>
+                <a:spcPct val="150000"/>
+              </a:lnSpc>
+              <a:buFont typeface="+mj-lt"/>
+              <a:buAutoNum type="romanLcPeriod"/>
+            </a:pPr>
+            <a:r>
+              <a:rPr lang="en-SG" b="1" dirty="0">
+                <a:solidFill>
+                  <a:srgbClr val="C00000"/>
+                </a:solidFill>
+              </a:rPr>
+              <a:t>Transformational programs </a:t>
+            </a:r>
+            <a:r>
+              <a:rPr lang="en-SG" dirty="0"/>
+              <a:t>compute output values from input values. This is the domain of classical </a:t>
+            </a:r>
+            <a:r>
+              <a:rPr lang="en-SG" u="sng" dirty="0"/>
+              <a:t>sequential</a:t>
+            </a:r>
+            <a:r>
+              <a:rPr lang="en-SG" dirty="0"/>
+              <a:t> programming languages. </a:t>
+            </a:r>
+          </a:p>
+          <a:p>
+            <a:pPr marL="571500" indent="-571500">
+              <a:lnSpc>
+                <a:spcPct val="150000"/>
+              </a:lnSpc>
+              <a:buFont typeface="+mj-lt"/>
+              <a:buAutoNum type="romanLcPeriod"/>
+            </a:pPr>
+            <a:r>
+              <a:rPr lang="en-SG" b="1" dirty="0">
+                <a:solidFill>
+                  <a:srgbClr val="C00000"/>
+                </a:solidFill>
+              </a:rPr>
+              <a:t>Asynchronous concurrent programs </a:t>
+            </a:r>
+            <a:r>
+              <a:rPr lang="en-SG" dirty="0"/>
+              <a:t>perform interactions between their components using typically </a:t>
+            </a:r>
+            <a:r>
+              <a:rPr lang="en-SG" u="sng" dirty="0"/>
+              <a:t>network-based</a:t>
+            </a:r>
+            <a:r>
+              <a:rPr lang="en-SG" dirty="0"/>
+              <a:t> communication.    </a:t>
+            </a:r>
+            <a:r>
+              <a:rPr lang="en-SG" b="1" dirty="0">
+                <a:solidFill>
+                  <a:schemeClr val="accent6">
+                    <a:lumMod val="50000"/>
+                  </a:schemeClr>
+                </a:solidFill>
+              </a:rPr>
+              <a:t>(JS)</a:t>
+            </a:r>
+          </a:p>
+          <a:p>
+            <a:pPr marL="571500" indent="-571500">
+              <a:lnSpc>
+                <a:spcPct val="150000"/>
+              </a:lnSpc>
+              <a:buFont typeface="+mj-lt"/>
+              <a:buAutoNum type="romanLcPeriod"/>
+            </a:pPr>
+            <a:r>
+              <a:rPr lang="en-SG" b="1" dirty="0">
+                <a:solidFill>
+                  <a:srgbClr val="C00000"/>
+                </a:solidFill>
+              </a:rPr>
+              <a:t>Synchronous reactive programs </a:t>
+            </a:r>
+            <a:r>
+              <a:rPr lang="en-SG" dirty="0"/>
+              <a:t>react to external events in a conceptually instantaneous and </a:t>
+            </a:r>
+            <a:r>
+              <a:rPr lang="en-SG" u="sng" dirty="0"/>
+              <a:t>deterministic</a:t>
+            </a:r>
+            <a:r>
+              <a:rPr lang="en-SG" dirty="0"/>
+              <a:t> way.                    </a:t>
+            </a:r>
+            <a:r>
+              <a:rPr lang="en-SG" b="1" dirty="0">
+                <a:solidFill>
+                  <a:schemeClr val="accent6">
+                    <a:lumMod val="50000"/>
+                  </a:schemeClr>
+                </a:solidFill>
+              </a:rPr>
+              <a:t>(Esterel)</a:t>
+            </a:r>
+          </a:p>
+          <a:p>
+            <a:pPr marL="571500" indent="-571500">
+              <a:lnSpc>
+                <a:spcPct val="150000"/>
+              </a:lnSpc>
+              <a:buFont typeface="+mj-lt"/>
+              <a:buAutoNum type="romanLcPeriod"/>
+            </a:pPr>
+            <a:endParaRPr lang="en-US" dirty="0"/>
+          </a:p>
+        </p:txBody>
+      </p:sp>
+      <p:sp>
+        <p:nvSpPr>
+          <p:cNvPr id="4" name="Rounded Rectangle 3">
+            <a:extLst>
+              <a:ext uri="{FF2B5EF4-FFF2-40B4-BE49-F238E27FC236}">
+                <a16:creationId xmlns:a16="http://schemas.microsoft.com/office/drawing/2014/main" id="{2A0AA9C3-4054-F942-A6CD-B39308341C6F}"/>
+              </a:ext>
+            </a:extLst>
+          </p:cNvPr>
+          <p:cNvSpPr/>
+          <p:nvPr/>
+        </p:nvSpPr>
+        <p:spPr>
+          <a:xfrm>
+            <a:off x="587022" y="3010633"/>
+            <a:ext cx="11006667" cy="2709334"/>
+          </a:xfrm>
+          <a:prstGeom prst="roundRect">
+            <a:avLst/>
+          </a:prstGeom>
+          <a:noFill/>
+          <a:ln w="28575">
+            <a:solidFill>
+              <a:schemeClr val="accent6">
+                <a:lumMod val="50000"/>
+              </a:schemeClr>
+            </a:solidFill>
+          </a:ln>
+        </p:spPr>
+        <p:style>
+          <a:lnRef idx="2">
+            <a:schemeClr val="accent1">
+              <a:shade val="50000"/>
+            </a:schemeClr>
+          </a:lnRef>
+          <a:fillRef idx="1">
+            <a:schemeClr val="accent1"/>
+          </a:fillRef>
+          <a:effectRef idx="0">
+            <a:schemeClr val="accent1"/>
+          </a:effectRef>
+          <a:fontRef idx="minor">
+            <a:schemeClr val="lt1"/>
+          </a:fontRef>
+        </p:style>
+        <p:txBody>
+          <a:bodyPr rtlCol="0" anchor="ctr"/>
+          <a:lstStyle/>
+          <a:p>
+            <a:pPr algn="ctr"/>
+            <a:endParaRPr lang="en-US" dirty="0"/>
+          </a:p>
+        </p:txBody>
+      </p:sp>
+      <p:cxnSp>
+        <p:nvCxnSpPr>
+          <p:cNvPr id="6" name="Straight Arrow Connector 5">
+            <a:extLst>
+              <a:ext uri="{FF2B5EF4-FFF2-40B4-BE49-F238E27FC236}">
+                <a16:creationId xmlns:a16="http://schemas.microsoft.com/office/drawing/2014/main" id="{ACDBC116-1D40-E842-99B5-22B97D081A36}"/>
+              </a:ext>
+            </a:extLst>
+          </p:cNvPr>
+          <p:cNvCxnSpPr>
+            <a:endCxn id="3" idx="2"/>
+          </p:cNvCxnSpPr>
+          <p:nvPr/>
+        </p:nvCxnSpPr>
+        <p:spPr>
+          <a:xfrm>
+            <a:off x="6096000" y="5719967"/>
+            <a:ext cx="0" cy="351896"/>
+          </a:xfrm>
+          <a:prstGeom prst="straightConnector1">
+            <a:avLst/>
+          </a:prstGeom>
+          <a:ln w="28575">
+            <a:solidFill>
+              <a:schemeClr val="accent6">
+                <a:lumMod val="50000"/>
+              </a:schemeClr>
+            </a:solidFill>
+            <a:tailEnd type="triangle"/>
+          </a:ln>
+        </p:spPr>
+        <p:style>
+          <a:lnRef idx="1">
+            <a:schemeClr val="accent1"/>
+          </a:lnRef>
+          <a:fillRef idx="0">
+            <a:schemeClr val="accent1"/>
+          </a:fillRef>
+          <a:effectRef idx="0">
+            <a:schemeClr val="accent1"/>
+          </a:effectRef>
+          <a:fontRef idx="minor">
+            <a:schemeClr val="tx1"/>
+          </a:fontRef>
+        </p:style>
+      </p:cxnSp>
+      <p:sp>
+        <p:nvSpPr>
+          <p:cNvPr id="7" name="TextBox 6">
+            <a:extLst>
+              <a:ext uri="{FF2B5EF4-FFF2-40B4-BE49-F238E27FC236}">
+                <a16:creationId xmlns:a16="http://schemas.microsoft.com/office/drawing/2014/main" id="{6F8CFFA1-D685-584F-9D38-9AF294F4241B}"/>
+              </a:ext>
+            </a:extLst>
+          </p:cNvPr>
+          <p:cNvSpPr txBox="1"/>
+          <p:nvPr/>
+        </p:nvSpPr>
+        <p:spPr>
+          <a:xfrm>
+            <a:off x="5189307" y="6071863"/>
+            <a:ext cx="1802096" cy="584775"/>
+          </a:xfrm>
+          <a:prstGeom prst="rect">
+            <a:avLst/>
+          </a:prstGeom>
+          <a:noFill/>
+        </p:spPr>
+        <p:txBody>
+          <a:bodyPr wrap="none" rtlCol="0">
+            <a:spAutoFit/>
+          </a:bodyPr>
+          <a:lstStyle/>
+          <a:p>
+            <a:r>
+              <a:rPr lang="en-US" sz="3200" b="1" dirty="0">
+                <a:solidFill>
+                  <a:schemeClr val="accent6">
+                    <a:lumMod val="50000"/>
+                  </a:schemeClr>
+                </a:solidFill>
+              </a:rPr>
+              <a:t>Hiphop.js</a:t>
+            </a:r>
+          </a:p>
+        </p:txBody>
+      </p:sp>
+      <p:sp>
+        <p:nvSpPr>
+          <p:cNvPr id="10" name="Title 1">
+            <a:extLst>
+              <a:ext uri="{FF2B5EF4-FFF2-40B4-BE49-F238E27FC236}">
+                <a16:creationId xmlns:a16="http://schemas.microsoft.com/office/drawing/2014/main" id="{4BE25B99-8E9C-EC48-8DED-B82B1E302944}"/>
+              </a:ext>
+            </a:extLst>
+          </p:cNvPr>
+          <p:cNvSpPr>
+            <a:spLocks noGrp="1"/>
+          </p:cNvSpPr>
+          <p:nvPr>
+            <p:ph type="title"/>
+          </p:nvPr>
+        </p:nvSpPr>
+        <p:spPr>
+          <a:xfrm>
+            <a:off x="838200" y="365125"/>
+            <a:ext cx="10515600" cy="1325563"/>
+          </a:xfrm>
+        </p:spPr>
+        <p:txBody>
+          <a:bodyPr/>
+          <a:lstStyle/>
+          <a:p>
+            <a:r>
+              <a:rPr lang="en-US" b="1" dirty="0"/>
+              <a:t>2. Reactive </a:t>
+            </a:r>
+            <a:r>
+              <a:rPr lang="en-US" altLang="zh-CN" b="1" dirty="0"/>
+              <a:t>Language Hiphop.js</a:t>
+            </a:r>
+            <a:endParaRPr lang="en-US" b="1" dirty="0"/>
+          </a:p>
+        </p:txBody>
+      </p:sp>
+      <p:pic>
+        <p:nvPicPr>
+          <p:cNvPr id="11" name="Picture 10">
+            <a:extLst>
+              <a:ext uri="{FF2B5EF4-FFF2-40B4-BE49-F238E27FC236}">
+                <a16:creationId xmlns:a16="http://schemas.microsoft.com/office/drawing/2014/main" id="{23FADC16-2B09-D540-B35D-77C7C35B4F6A}"/>
+              </a:ext>
+            </a:extLst>
+          </p:cNvPr>
+          <p:cNvPicPr>
+            <a:picLocks noChangeAspect="1"/>
+          </p:cNvPicPr>
+          <p:nvPr/>
+        </p:nvPicPr>
+        <p:blipFill>
+          <a:blip r:embed="rId3"/>
+          <a:srcRect/>
+          <a:stretch/>
+        </p:blipFill>
+        <p:spPr>
+          <a:xfrm>
+            <a:off x="10503787" y="184457"/>
+            <a:ext cx="1524000" cy="1524000"/>
+          </a:xfrm>
+          <a:prstGeom prst="rect">
+            <a:avLst/>
+          </a:prstGeom>
+        </p:spPr>
+      </p:pic>
+    </p:spTree>
+    <p:extLst>
+      <p:ext uri="{BB962C8B-B14F-4D97-AF65-F5344CB8AC3E}">
+        <p14:creationId xmlns:p14="http://schemas.microsoft.com/office/powerpoint/2010/main" val="2158888308"/>
+      </p:ext>
+    </p:extLst>
+  </p:cSld>
+  <p:clrMapOvr>
+    <a:masterClrMapping/>
+  </p:clrMapOvr>
+</p:sld>
+</file>
+
+<file path=ppt/slides/slide12.xml><?xml version="1.0" encoding="utf-8"?>
+<p:sld xmlns:a="http://schemas.openxmlformats.org/drawingml/2006/main" xmlns:r="http://schemas.openxmlformats.org/officeDocument/2006/relationships" xmlns:p="http://schemas.openxmlformats.org/presentationml/2006/main">
+  <p:cSld>
+    <p:spTree>
+      <p:nvGrpSpPr>
+        <p:cNvPr id="1" name=""/>
+        <p:cNvGrpSpPr/>
+        <p:nvPr/>
+      </p:nvGrpSpPr>
+      <p:grpSpPr>
+        <a:xfrm>
+          <a:off x="0" y="0"/>
+          <a:ext cx="0" cy="0"/>
+          <a:chOff x="0" y="0"/>
+          <a:chExt cx="0" cy="0"/>
+        </a:xfrm>
+      </p:grpSpPr>
+      <p:sp>
+        <p:nvSpPr>
+          <p:cNvPr id="2" name="Title 1">
+            <a:extLst>
+              <a:ext uri="{FF2B5EF4-FFF2-40B4-BE49-F238E27FC236}">
+                <a16:creationId xmlns:a16="http://schemas.microsoft.com/office/drawing/2014/main" id="{146892F0-F430-3943-8CCE-C21151A0E334}"/>
+              </a:ext>
+            </a:extLst>
+          </p:cNvPr>
+          <p:cNvSpPr>
+            <a:spLocks noGrp="1"/>
+          </p:cNvSpPr>
+          <p:nvPr>
+            <p:ph type="title"/>
+          </p:nvPr>
+        </p:nvSpPr>
+        <p:spPr/>
+        <p:txBody>
+          <a:bodyPr/>
+          <a:lstStyle/>
+          <a:p>
+            <a:r>
+              <a:rPr lang="en-US" b="1" dirty="0"/>
+              <a:t>3. Effects Inference </a:t>
+            </a:r>
+          </a:p>
+        </p:txBody>
+      </p:sp>
+      <p:pic>
+        <p:nvPicPr>
+          <p:cNvPr id="4" name="Picture 3">
+            <a:extLst>
+              <a:ext uri="{FF2B5EF4-FFF2-40B4-BE49-F238E27FC236}">
+                <a16:creationId xmlns:a16="http://schemas.microsoft.com/office/drawing/2014/main" id="{2B60CBC8-15A1-EE4D-88BB-EC237F7F049B}"/>
+              </a:ext>
+            </a:extLst>
+          </p:cNvPr>
+          <p:cNvPicPr>
+            <a:picLocks noChangeAspect="1"/>
+          </p:cNvPicPr>
+          <p:nvPr/>
+        </p:nvPicPr>
+        <p:blipFill>
+          <a:blip r:embed="rId2"/>
+          <a:srcRect/>
+          <a:stretch/>
+        </p:blipFill>
+        <p:spPr>
+          <a:xfrm>
+            <a:off x="10503787" y="184457"/>
+            <a:ext cx="1524000" cy="1524000"/>
+          </a:xfrm>
+          <a:prstGeom prst="rect">
+            <a:avLst/>
+          </a:prstGeom>
+        </p:spPr>
+      </p:pic>
+      <p:pic>
+        <p:nvPicPr>
+          <p:cNvPr id="6" name="Picture 5">
+            <a:extLst>
+              <a:ext uri="{FF2B5EF4-FFF2-40B4-BE49-F238E27FC236}">
+                <a16:creationId xmlns:a16="http://schemas.microsoft.com/office/drawing/2014/main" id="{BB12A137-F060-E542-B89C-3C71BD1FEE41}"/>
+              </a:ext>
+            </a:extLst>
+          </p:cNvPr>
+          <p:cNvPicPr>
+            <a:picLocks noChangeAspect="1"/>
+          </p:cNvPicPr>
+          <p:nvPr/>
+        </p:nvPicPr>
+        <p:blipFill>
+          <a:blip r:embed="rId3"/>
+          <a:stretch>
+            <a:fillRect/>
+          </a:stretch>
+        </p:blipFill>
+        <p:spPr>
+          <a:xfrm>
+            <a:off x="838200" y="1708457"/>
+            <a:ext cx="9359900" cy="4584700"/>
+          </a:xfrm>
+          <a:prstGeom prst="rect">
+            <a:avLst/>
+          </a:prstGeom>
+        </p:spPr>
+      </p:pic>
+    </p:spTree>
+    <p:extLst>
+      <p:ext uri="{BB962C8B-B14F-4D97-AF65-F5344CB8AC3E}">
+        <p14:creationId xmlns:p14="http://schemas.microsoft.com/office/powerpoint/2010/main" val="3407548823"/>
+      </p:ext>
+    </p:extLst>
+  </p:cSld>
+  <p:clrMapOvr>
+    <a:masterClrMapping/>
+  </p:clrMapOvr>
+</p:sld>
+</file>
+
+<file path=ppt/slides/slide13.xml><?xml version="1.0" encoding="utf-8"?>
+<p:sld xmlns:a="http://schemas.openxmlformats.org/drawingml/2006/main" xmlns:r="http://schemas.openxmlformats.org/officeDocument/2006/relationships" xmlns:p="http://schemas.openxmlformats.org/presentationml/2006/main">
+  <p:cSld>
+    <p:spTree>
+      <p:nvGrpSpPr>
+        <p:cNvPr id="1" name=""/>
+        <p:cNvGrpSpPr/>
+        <p:nvPr/>
+      </p:nvGrpSpPr>
+      <p:grpSpPr>
+        <a:xfrm>
+          <a:off x="0" y="0"/>
+          <a:ext cx="0" cy="0"/>
+          <a:chOff x="0" y="0"/>
+          <a:chExt cx="0" cy="0"/>
+        </a:xfrm>
+      </p:grpSpPr>
+      <p:sp>
+        <p:nvSpPr>
+          <p:cNvPr id="2" name="Title 1">
+            <a:extLst>
+              <a:ext uri="{FF2B5EF4-FFF2-40B4-BE49-F238E27FC236}">
+                <a16:creationId xmlns:a16="http://schemas.microsoft.com/office/drawing/2014/main" id="{146892F0-F430-3943-8CCE-C21151A0E334}"/>
+              </a:ext>
+            </a:extLst>
+          </p:cNvPr>
+          <p:cNvSpPr>
+            <a:spLocks noGrp="1"/>
+          </p:cNvSpPr>
+          <p:nvPr>
+            <p:ph type="title"/>
+          </p:nvPr>
+        </p:nvSpPr>
+        <p:spPr/>
+        <p:txBody>
+          <a:bodyPr/>
+          <a:lstStyle/>
+          <a:p>
+            <a:r>
+              <a:rPr lang="en-US" b="1" dirty="0"/>
+              <a:t>3. Effects Inference </a:t>
+            </a:r>
+          </a:p>
+        </p:txBody>
+      </p:sp>
+      <p:pic>
+        <p:nvPicPr>
+          <p:cNvPr id="4" name="Picture 3">
+            <a:extLst>
+              <a:ext uri="{FF2B5EF4-FFF2-40B4-BE49-F238E27FC236}">
+                <a16:creationId xmlns:a16="http://schemas.microsoft.com/office/drawing/2014/main" id="{2B60CBC8-15A1-EE4D-88BB-EC237F7F049B}"/>
+              </a:ext>
+            </a:extLst>
+          </p:cNvPr>
+          <p:cNvPicPr>
+            <a:picLocks noChangeAspect="1"/>
+          </p:cNvPicPr>
+          <p:nvPr/>
+        </p:nvPicPr>
+        <p:blipFill>
+          <a:blip r:embed="rId2"/>
+          <a:srcRect/>
+          <a:stretch/>
+        </p:blipFill>
+        <p:spPr>
+          <a:xfrm>
+            <a:off x="10503787" y="184457"/>
+            <a:ext cx="1524000" cy="1524000"/>
+          </a:xfrm>
+          <a:prstGeom prst="rect">
+            <a:avLst/>
+          </a:prstGeom>
+        </p:spPr>
+      </p:pic>
+      <p:pic>
+        <p:nvPicPr>
+          <p:cNvPr id="5" name="Picture 4">
+            <a:extLst>
+              <a:ext uri="{FF2B5EF4-FFF2-40B4-BE49-F238E27FC236}">
+                <a16:creationId xmlns:a16="http://schemas.microsoft.com/office/drawing/2014/main" id="{D2A2775A-E6EF-924A-A6D7-90558B6E3CE7}"/>
+              </a:ext>
+            </a:extLst>
+          </p:cNvPr>
+          <p:cNvPicPr>
+            <a:picLocks noChangeAspect="1"/>
+          </p:cNvPicPr>
+          <p:nvPr/>
+        </p:nvPicPr>
+        <p:blipFill>
+          <a:blip r:embed="rId3"/>
+          <a:stretch>
+            <a:fillRect/>
+          </a:stretch>
+        </p:blipFill>
+        <p:spPr>
+          <a:xfrm>
+            <a:off x="164213" y="298450"/>
+            <a:ext cx="8763000" cy="6261100"/>
+          </a:xfrm>
+          <a:prstGeom prst="rect">
+            <a:avLst/>
+          </a:prstGeom>
+        </p:spPr>
+      </p:pic>
+      <p:cxnSp>
+        <p:nvCxnSpPr>
+          <p:cNvPr id="6" name="Straight Arrow Connector 5">
+            <a:extLst>
+              <a:ext uri="{FF2B5EF4-FFF2-40B4-BE49-F238E27FC236}">
+                <a16:creationId xmlns:a16="http://schemas.microsoft.com/office/drawing/2014/main" id="{75B1DC13-3A0B-854A-A42F-34F22B4D28DD}"/>
+              </a:ext>
+            </a:extLst>
+          </p:cNvPr>
+          <p:cNvCxnSpPr>
+            <a:cxnSpLocks/>
+            <a:stCxn id="7" idx="1"/>
+          </p:cNvCxnSpPr>
+          <p:nvPr/>
+        </p:nvCxnSpPr>
+        <p:spPr>
+          <a:xfrm flipH="1">
+            <a:off x="2314575" y="1341865"/>
+            <a:ext cx="4125408" cy="356726"/>
+          </a:xfrm>
+          <a:prstGeom prst="straightConnector1">
+            <a:avLst/>
+          </a:prstGeom>
+          <a:ln>
+            <a:solidFill>
+              <a:srgbClr val="C00000"/>
+            </a:solidFill>
+            <a:headEnd w="lg" len="lg"/>
+            <a:tailEnd type="triangle" w="lg" len="lg"/>
+          </a:ln>
+        </p:spPr>
+        <p:style>
+          <a:lnRef idx="1">
+            <a:schemeClr val="accent1"/>
+          </a:lnRef>
+          <a:fillRef idx="0">
+            <a:schemeClr val="accent1"/>
+          </a:fillRef>
+          <a:effectRef idx="0">
+            <a:schemeClr val="accent1"/>
+          </a:effectRef>
+          <a:fontRef idx="minor">
+            <a:schemeClr val="tx1"/>
+          </a:fontRef>
+        </p:style>
+      </p:cxnSp>
+      <p:sp>
+        <p:nvSpPr>
+          <p:cNvPr id="7" name="TextBox 6">
+            <a:extLst>
+              <a:ext uri="{FF2B5EF4-FFF2-40B4-BE49-F238E27FC236}">
+                <a16:creationId xmlns:a16="http://schemas.microsoft.com/office/drawing/2014/main" id="{F1C3DF3C-8574-4B4D-BD5B-68D7C5B6F703}"/>
+              </a:ext>
+            </a:extLst>
+          </p:cNvPr>
+          <p:cNvSpPr txBox="1"/>
+          <p:nvPr/>
+        </p:nvSpPr>
+        <p:spPr>
+          <a:xfrm>
+            <a:off x="6439983" y="926366"/>
+            <a:ext cx="3026791" cy="830997"/>
+          </a:xfrm>
+          <a:prstGeom prst="rect">
+            <a:avLst/>
+          </a:prstGeom>
+          <a:noFill/>
+        </p:spPr>
+        <p:txBody>
+          <a:bodyPr wrap="none" rtlCol="0">
+            <a:spAutoFit/>
+          </a:bodyPr>
+          <a:lstStyle/>
+          <a:p>
+            <a:r>
+              <a:rPr lang="en-US" sz="2400" dirty="0">
+                <a:solidFill>
+                  <a:srgbClr val="C00000"/>
+                </a:solidFill>
+                <a:latin typeface="Chalkboard SE" panose="03050602040202020205" pitchFamily="66" charset="77"/>
+              </a:rPr>
+              <a:t>Add the events </a:t>
+            </a:r>
+          </a:p>
+          <a:p>
+            <a:r>
+              <a:rPr lang="en-US" sz="2400" dirty="0">
+                <a:solidFill>
+                  <a:srgbClr val="C00000"/>
+                </a:solidFill>
+                <a:latin typeface="Chalkboard SE" panose="03050602040202020205" pitchFamily="66" charset="77"/>
+              </a:rPr>
+              <a:t>into the effect state</a:t>
+            </a:r>
+          </a:p>
+        </p:txBody>
+      </p:sp>
+      <p:cxnSp>
+        <p:nvCxnSpPr>
+          <p:cNvPr id="8" name="Straight Arrow Connector 7">
+            <a:extLst>
+              <a:ext uri="{FF2B5EF4-FFF2-40B4-BE49-F238E27FC236}">
+                <a16:creationId xmlns:a16="http://schemas.microsoft.com/office/drawing/2014/main" id="{6A3A73E9-6667-AA44-A629-568F4AEB7678}"/>
+              </a:ext>
+            </a:extLst>
+          </p:cNvPr>
+          <p:cNvCxnSpPr>
+            <a:cxnSpLocks/>
+            <a:stCxn id="9" idx="1"/>
+          </p:cNvCxnSpPr>
+          <p:nvPr/>
+        </p:nvCxnSpPr>
+        <p:spPr>
+          <a:xfrm flipH="1">
+            <a:off x="2743200" y="3167969"/>
+            <a:ext cx="3696783" cy="922384"/>
+          </a:xfrm>
+          <a:prstGeom prst="straightConnector1">
+            <a:avLst/>
+          </a:prstGeom>
+          <a:ln>
+            <a:solidFill>
+              <a:srgbClr val="7030A0"/>
+            </a:solidFill>
+            <a:headEnd w="lg" len="lg"/>
+            <a:tailEnd type="triangle" w="lg" len="lg"/>
+          </a:ln>
+        </p:spPr>
+        <p:style>
+          <a:lnRef idx="1">
+            <a:schemeClr val="accent1"/>
+          </a:lnRef>
+          <a:fillRef idx="0">
+            <a:schemeClr val="accent1"/>
+          </a:fillRef>
+          <a:effectRef idx="0">
+            <a:schemeClr val="accent1"/>
+          </a:effectRef>
+          <a:fontRef idx="minor">
+            <a:schemeClr val="tx1"/>
+          </a:fontRef>
+        </p:style>
+      </p:cxnSp>
+      <p:sp>
+        <p:nvSpPr>
+          <p:cNvPr id="9" name="TextBox 8">
+            <a:extLst>
+              <a:ext uri="{FF2B5EF4-FFF2-40B4-BE49-F238E27FC236}">
+                <a16:creationId xmlns:a16="http://schemas.microsoft.com/office/drawing/2014/main" id="{09E3E4F5-E931-F740-BE0F-52C78044012F}"/>
+              </a:ext>
+            </a:extLst>
+          </p:cNvPr>
+          <p:cNvSpPr txBox="1"/>
+          <p:nvPr/>
+        </p:nvSpPr>
+        <p:spPr>
+          <a:xfrm>
+            <a:off x="6439983" y="2752470"/>
+            <a:ext cx="4874861" cy="830997"/>
+          </a:xfrm>
+          <a:prstGeom prst="rect">
+            <a:avLst/>
+          </a:prstGeom>
+          <a:noFill/>
+        </p:spPr>
+        <p:txBody>
+          <a:bodyPr wrap="none" rtlCol="0">
+            <a:spAutoFit/>
+          </a:bodyPr>
+          <a:lstStyle/>
+          <a:p>
+            <a:r>
+              <a:rPr lang="en-US" sz="2400" dirty="0">
+                <a:solidFill>
+                  <a:srgbClr val="7030A0"/>
+                </a:solidFill>
+                <a:latin typeface="Chalkboard SE" panose="03050602040202020205" pitchFamily="66" charset="77"/>
+              </a:rPr>
+              <a:t>Check if the current effect</a:t>
+            </a:r>
+          </a:p>
+          <a:p>
+            <a:r>
+              <a:rPr lang="en-US" sz="2400" dirty="0">
+                <a:solidFill>
+                  <a:srgbClr val="7030A0"/>
+                </a:solidFill>
+                <a:latin typeface="Chalkboard SE" panose="03050602040202020205" pitchFamily="66" charset="77"/>
+              </a:rPr>
+              <a:t>satisfies the callee’s precondition</a:t>
+            </a:r>
+          </a:p>
+        </p:txBody>
+      </p:sp>
+      <p:cxnSp>
+        <p:nvCxnSpPr>
+          <p:cNvPr id="10" name="Straight Arrow Connector 9">
+            <a:extLst>
+              <a:ext uri="{FF2B5EF4-FFF2-40B4-BE49-F238E27FC236}">
+                <a16:creationId xmlns:a16="http://schemas.microsoft.com/office/drawing/2014/main" id="{77DA9FD1-8C5D-764E-B072-69825BF00FB4}"/>
+              </a:ext>
+            </a:extLst>
+          </p:cNvPr>
+          <p:cNvCxnSpPr>
+            <a:cxnSpLocks/>
+            <a:stCxn id="11" idx="1"/>
+          </p:cNvCxnSpPr>
+          <p:nvPr/>
+        </p:nvCxnSpPr>
+        <p:spPr>
+          <a:xfrm flipH="1">
+            <a:off x="4247923" y="4656010"/>
+            <a:ext cx="2192060" cy="1403180"/>
+          </a:xfrm>
+          <a:prstGeom prst="straightConnector1">
+            <a:avLst/>
+          </a:prstGeom>
+          <a:ln>
+            <a:solidFill>
+              <a:schemeClr val="accent2"/>
+            </a:solidFill>
+            <a:headEnd w="lg" len="lg"/>
+            <a:tailEnd type="triangle" w="lg" len="lg"/>
+          </a:ln>
+        </p:spPr>
+        <p:style>
+          <a:lnRef idx="1">
+            <a:schemeClr val="accent1"/>
+          </a:lnRef>
+          <a:fillRef idx="0">
+            <a:schemeClr val="accent1"/>
+          </a:fillRef>
+          <a:effectRef idx="0">
+            <a:schemeClr val="accent1"/>
+          </a:effectRef>
+          <a:fontRef idx="minor">
+            <a:schemeClr val="tx1"/>
+          </a:fontRef>
+        </p:style>
+      </p:cxnSp>
+      <p:sp>
+        <p:nvSpPr>
+          <p:cNvPr id="11" name="TextBox 10">
+            <a:extLst>
+              <a:ext uri="{FF2B5EF4-FFF2-40B4-BE49-F238E27FC236}">
+                <a16:creationId xmlns:a16="http://schemas.microsoft.com/office/drawing/2014/main" id="{CC799BC4-9A90-AA44-8F40-8DA32CC9D42E}"/>
+              </a:ext>
+            </a:extLst>
+          </p:cNvPr>
+          <p:cNvSpPr txBox="1"/>
+          <p:nvPr/>
+        </p:nvSpPr>
+        <p:spPr>
+          <a:xfrm>
+            <a:off x="6439983" y="4240511"/>
+            <a:ext cx="5633786" cy="830997"/>
+          </a:xfrm>
+          <a:prstGeom prst="rect">
+            <a:avLst/>
+          </a:prstGeom>
+          <a:noFill/>
+        </p:spPr>
+        <p:txBody>
+          <a:bodyPr wrap="none" rtlCol="0">
+            <a:spAutoFit/>
+          </a:bodyPr>
+          <a:lstStyle/>
+          <a:p>
+            <a:r>
+              <a:rPr lang="en-US" sz="2400" dirty="0">
+                <a:solidFill>
+                  <a:schemeClr val="accent2"/>
+                </a:solidFill>
+                <a:latin typeface="Chalkboard SE" panose="03050602040202020205" pitchFamily="66" charset="77"/>
+              </a:rPr>
+              <a:t>Checks if the final effects satisfy the </a:t>
+            </a:r>
+          </a:p>
+          <a:p>
+            <a:r>
+              <a:rPr lang="en-US" sz="2400" dirty="0">
+                <a:solidFill>
+                  <a:schemeClr val="accent2"/>
+                </a:solidFill>
+                <a:latin typeface="Chalkboard SE" panose="03050602040202020205" pitchFamily="66" charset="77"/>
+              </a:rPr>
+              <a:t>Program’s postcondition </a:t>
+            </a:r>
+          </a:p>
+        </p:txBody>
+      </p:sp>
+    </p:spTree>
+    <p:extLst>
+      <p:ext uri="{BB962C8B-B14F-4D97-AF65-F5344CB8AC3E}">
+        <p14:creationId xmlns:p14="http://schemas.microsoft.com/office/powerpoint/2010/main" val="1622325805"/>
+      </p:ext>
+    </p:extLst>
+  </p:cSld>
+  <p:clrMapOvr>
+    <a:masterClrMapping/>
+  </p:clrMapOvr>
+</p:sld>
+</file>
+
+<file path=ppt/slides/slide14.xml><?xml version="1.0" encoding="utf-8"?>
+<p:sld xmlns:a="http://schemas.openxmlformats.org/drawingml/2006/main" xmlns:r="http://schemas.openxmlformats.org/officeDocument/2006/relationships" xmlns:p="http://schemas.openxmlformats.org/presentationml/2006/main">
+  <p:cSld>
+    <p:spTree>
+      <p:nvGrpSpPr>
+        <p:cNvPr id="1" name=""/>
+        <p:cNvGrpSpPr/>
+        <p:nvPr/>
+      </p:nvGrpSpPr>
+      <p:grpSpPr>
+        <a:xfrm>
+          <a:off x="0" y="0"/>
+          <a:ext cx="0" cy="0"/>
+          <a:chOff x="0" y="0"/>
+          <a:chExt cx="0" cy="0"/>
+        </a:xfrm>
+      </p:grpSpPr>
+      <p:sp>
+        <p:nvSpPr>
+          <p:cNvPr id="2" name="Title 1">
+            <a:extLst>
+              <a:ext uri="{FF2B5EF4-FFF2-40B4-BE49-F238E27FC236}">
+                <a16:creationId xmlns:a16="http://schemas.microsoft.com/office/drawing/2014/main" id="{146892F0-F430-3943-8CCE-C21151A0E334}"/>
+              </a:ext>
+            </a:extLst>
+          </p:cNvPr>
+          <p:cNvSpPr>
+            <a:spLocks noGrp="1"/>
+          </p:cNvSpPr>
+          <p:nvPr>
+            <p:ph type="title"/>
+          </p:nvPr>
+        </p:nvSpPr>
+        <p:spPr/>
+        <p:txBody>
+          <a:bodyPr/>
+          <a:lstStyle/>
+          <a:p>
+            <a:r>
+              <a:rPr lang="en-US" b="1" dirty="0"/>
+              <a:t>4. Language Inclusion (TRS)</a:t>
+            </a:r>
+          </a:p>
+        </p:txBody>
+      </p:sp>
+      <p:pic>
+        <p:nvPicPr>
+          <p:cNvPr id="4" name="Picture 3">
+            <a:extLst>
+              <a:ext uri="{FF2B5EF4-FFF2-40B4-BE49-F238E27FC236}">
+                <a16:creationId xmlns:a16="http://schemas.microsoft.com/office/drawing/2014/main" id="{2B60CBC8-15A1-EE4D-88BB-EC237F7F049B}"/>
+              </a:ext>
+            </a:extLst>
+          </p:cNvPr>
+          <p:cNvPicPr>
+            <a:picLocks noChangeAspect="1"/>
+          </p:cNvPicPr>
+          <p:nvPr/>
+        </p:nvPicPr>
+        <p:blipFill>
+          <a:blip r:embed="rId2"/>
+          <a:srcRect/>
+          <a:stretch/>
+        </p:blipFill>
+        <p:spPr>
+          <a:xfrm>
+            <a:off x="10503787" y="184457"/>
+            <a:ext cx="1524000" cy="1524000"/>
+          </a:xfrm>
+          <a:prstGeom prst="rect">
+            <a:avLst/>
+          </a:prstGeom>
+        </p:spPr>
+      </p:pic>
+      <p:pic>
+        <p:nvPicPr>
+          <p:cNvPr id="3" name="Picture 2">
+            <a:extLst>
+              <a:ext uri="{FF2B5EF4-FFF2-40B4-BE49-F238E27FC236}">
+                <a16:creationId xmlns:a16="http://schemas.microsoft.com/office/drawing/2014/main" id="{C3A9ABDE-0283-3948-948F-E466415F102C}"/>
+              </a:ext>
+            </a:extLst>
+          </p:cNvPr>
+          <p:cNvPicPr>
+            <a:picLocks noChangeAspect="1"/>
+          </p:cNvPicPr>
+          <p:nvPr/>
+        </p:nvPicPr>
+        <p:blipFill>
+          <a:blip r:embed="rId3"/>
+          <a:stretch>
+            <a:fillRect/>
+          </a:stretch>
+        </p:blipFill>
+        <p:spPr>
+          <a:xfrm>
+            <a:off x="698500" y="1690688"/>
+            <a:ext cx="10795000" cy="4584700"/>
+          </a:xfrm>
+          <a:prstGeom prst="rect">
+            <a:avLst/>
+          </a:prstGeom>
+        </p:spPr>
+      </p:pic>
+    </p:spTree>
+    <p:extLst>
+      <p:ext uri="{BB962C8B-B14F-4D97-AF65-F5344CB8AC3E}">
+        <p14:creationId xmlns:p14="http://schemas.microsoft.com/office/powerpoint/2010/main" val="3222873631"/>
+      </p:ext>
+    </p:extLst>
+  </p:cSld>
+  <p:clrMapOvr>
+    <a:masterClrMapping/>
+  </p:clrMapOvr>
+</p:sld>
+</file>
+
+<file path=ppt/slides/slide15.xml><?xml version="1.0" encoding="utf-8"?>
+<p:sld xmlns:a="http://schemas.openxmlformats.org/drawingml/2006/main" xmlns:r="http://schemas.openxmlformats.org/officeDocument/2006/relationships" xmlns:p="http://schemas.openxmlformats.org/presentationml/2006/main">
+  <p:cSld>
+    <p:spTree>
+      <p:nvGrpSpPr>
+        <p:cNvPr id="1" name=""/>
+        <p:cNvGrpSpPr/>
+        <p:nvPr/>
+      </p:nvGrpSpPr>
+      <p:grpSpPr>
+        <a:xfrm>
+          <a:off x="0" y="0"/>
+          <a:ext cx="0" cy="0"/>
+          <a:chOff x="0" y="0"/>
+          <a:chExt cx="0" cy="0"/>
+        </a:xfrm>
+      </p:grpSpPr>
+      <p:sp>
+        <p:nvSpPr>
+          <p:cNvPr id="2" name="Title 1">
+            <a:extLst>
+              <a:ext uri="{FF2B5EF4-FFF2-40B4-BE49-F238E27FC236}">
+                <a16:creationId xmlns:a16="http://schemas.microsoft.com/office/drawing/2014/main" id="{058B558B-790B-A844-98D4-B38844AC48B3}"/>
+              </a:ext>
+            </a:extLst>
+          </p:cNvPr>
+          <p:cNvSpPr>
+            <a:spLocks noGrp="1"/>
+          </p:cNvSpPr>
+          <p:nvPr>
+            <p:ph type="title"/>
+          </p:nvPr>
+        </p:nvSpPr>
+        <p:spPr/>
+        <p:txBody>
+          <a:bodyPr/>
+          <a:lstStyle/>
+          <a:p>
+            <a:r>
+              <a:rPr lang="en-SG" b="1" dirty="0"/>
+              <a:t>Implementation and Evaluation </a:t>
+            </a:r>
+            <a:endParaRPr lang="en-US" b="1" dirty="0"/>
+          </a:p>
+        </p:txBody>
+      </p:sp>
+      <p:sp>
+        <p:nvSpPr>
+          <p:cNvPr id="3" name="Content Placeholder 2">
+            <a:extLst>
+              <a:ext uri="{FF2B5EF4-FFF2-40B4-BE49-F238E27FC236}">
+                <a16:creationId xmlns:a16="http://schemas.microsoft.com/office/drawing/2014/main" id="{A397B58A-5C6E-3E47-83AF-7946041BF8B5}"/>
+              </a:ext>
+            </a:extLst>
+          </p:cNvPr>
+          <p:cNvSpPr>
+            <a:spLocks noGrp="1"/>
+          </p:cNvSpPr>
+          <p:nvPr>
+            <p:ph idx="1"/>
+          </p:nvPr>
+        </p:nvSpPr>
+        <p:spPr>
+          <a:xfrm>
+            <a:off x="600075" y="1695451"/>
+            <a:ext cx="10991850" cy="4995862"/>
+          </a:xfrm>
+        </p:spPr>
+        <p:txBody>
+          <a:bodyPr>
+            <a:normAutofit/>
+          </a:bodyPr>
+          <a:lstStyle/>
+          <a:p>
+            <a:pPr>
+              <a:lnSpc>
+                <a:spcPct val="150000"/>
+              </a:lnSpc>
+            </a:pPr>
+            <a:r>
+              <a:rPr lang="en-SG" dirty="0"/>
+              <a:t>An open-sourced prototype system</a:t>
+            </a:r>
+            <a:r>
+              <a:rPr lang="zh-CN" altLang="en-US" dirty="0"/>
+              <a:t> </a:t>
+            </a:r>
+            <a:r>
+              <a:rPr lang="en-SG" dirty="0"/>
+              <a:t>using Ocaml.</a:t>
+            </a:r>
+          </a:p>
+          <a:p>
+            <a:pPr>
+              <a:lnSpc>
+                <a:spcPct val="150000"/>
+              </a:lnSpc>
+            </a:pPr>
+            <a:r>
+              <a:rPr lang="en-US" dirty="0"/>
+              <a:t>Benchmarks, 155</a:t>
+            </a:r>
+            <a:r>
+              <a:rPr lang="en-SG" dirty="0"/>
+              <a:t> programs (10~300 lines) with manually annotated specs:</a:t>
+            </a:r>
+            <a:endParaRPr lang="en-US" dirty="0"/>
+          </a:p>
+          <a:p>
+            <a:pPr marL="914400" lvl="1" indent="-457200">
+              <a:lnSpc>
+                <a:spcPct val="150000"/>
+              </a:lnSpc>
+              <a:buFont typeface="+mj-lt"/>
+              <a:buAutoNum type="arabicPeriod"/>
+            </a:pPr>
+            <a:r>
+              <a:rPr lang="en-SG" dirty="0"/>
+              <a:t>CEC: It is an open-source compiler which provides Esterel programs for testing. </a:t>
+            </a:r>
+          </a:p>
+          <a:p>
+            <a:pPr marL="914400" lvl="1" indent="-457200">
+              <a:lnSpc>
+                <a:spcPct val="150000"/>
+              </a:lnSpc>
+              <a:buFont typeface="+mj-lt"/>
+              <a:buAutoNum type="arabicPeriod"/>
+            </a:pPr>
+            <a:r>
+              <a:rPr lang="en-SG" dirty="0"/>
+              <a:t>Hiphop.js: It is a DSL for JavaScript. </a:t>
+            </a:r>
+          </a:p>
+          <a:p>
+            <a:pPr>
+              <a:lnSpc>
+                <a:spcPct val="150000"/>
+              </a:lnSpc>
+            </a:pPr>
+            <a:r>
+              <a:rPr lang="en-SG" dirty="0"/>
+              <a:t>Proven</a:t>
+            </a:r>
+            <a:r>
+              <a:rPr lang="zh-CN" altLang="en-US" dirty="0"/>
+              <a:t> </a:t>
+            </a:r>
+            <a:r>
+              <a:rPr lang="en-US" altLang="zh-CN" dirty="0"/>
+              <a:t>the back-end solver (inclusion checker) sound and complete. </a:t>
+            </a:r>
+            <a:endParaRPr lang="en-SG" dirty="0"/>
+          </a:p>
+        </p:txBody>
+      </p:sp>
+      <p:pic>
+        <p:nvPicPr>
+          <p:cNvPr id="4" name="Picture 3">
+            <a:extLst>
+              <a:ext uri="{FF2B5EF4-FFF2-40B4-BE49-F238E27FC236}">
+                <a16:creationId xmlns:a16="http://schemas.microsoft.com/office/drawing/2014/main" id="{6AE7CFFC-9D6E-3C41-839C-0D50A3AC3765}"/>
+              </a:ext>
+            </a:extLst>
+          </p:cNvPr>
+          <p:cNvPicPr>
+            <a:picLocks noChangeAspect="1"/>
+          </p:cNvPicPr>
+          <p:nvPr/>
+        </p:nvPicPr>
+        <p:blipFill>
+          <a:blip r:embed="rId3"/>
+          <a:srcRect/>
+          <a:stretch/>
+        </p:blipFill>
+        <p:spPr>
+          <a:xfrm>
+            <a:off x="10503787" y="184457"/>
+            <a:ext cx="1524000" cy="1524000"/>
+          </a:xfrm>
+          <a:prstGeom prst="rect">
+            <a:avLst/>
+          </a:prstGeom>
+        </p:spPr>
+      </p:pic>
+    </p:spTree>
+    <p:extLst>
+      <p:ext uri="{BB962C8B-B14F-4D97-AF65-F5344CB8AC3E}">
+        <p14:creationId xmlns:p14="http://schemas.microsoft.com/office/powerpoint/2010/main" val="3548991359"/>
+      </p:ext>
+    </p:extLst>
+  </p:cSld>
+  <p:clrMapOvr>
+    <a:masterClrMapping/>
+  </p:clrMapOvr>
+</p:sld>
+</file>
+
+<file path=ppt/slides/slide16.xml><?xml version="1.0" encoding="utf-8"?>
+<p:sld xmlns:a="http://schemas.openxmlformats.org/drawingml/2006/main" xmlns:r="http://schemas.openxmlformats.org/officeDocument/2006/relationships" xmlns:p="http://schemas.openxmlformats.org/presentationml/2006/main">
+  <p:cSld>
+    <p:spTree>
+      <p:nvGrpSpPr>
+        <p:cNvPr id="1" name=""/>
+        <p:cNvGrpSpPr/>
+        <p:nvPr/>
+      </p:nvGrpSpPr>
+      <p:grpSpPr>
+        <a:xfrm>
+          <a:off x="0" y="0"/>
+          <a:ext cx="0" cy="0"/>
+          <a:chOff x="0" y="0"/>
+          <a:chExt cx="0" cy="0"/>
+        </a:xfrm>
+      </p:grpSpPr>
+      <p:sp>
+        <p:nvSpPr>
+          <p:cNvPr id="2" name="Title 1">
+            <a:extLst>
+              <a:ext uri="{FF2B5EF4-FFF2-40B4-BE49-F238E27FC236}">
+                <a16:creationId xmlns:a16="http://schemas.microsoft.com/office/drawing/2014/main" id="{C6B24E83-81A2-BF4B-A3C7-A8BB8214FC44}"/>
+              </a:ext>
+            </a:extLst>
+          </p:cNvPr>
+          <p:cNvSpPr>
+            <a:spLocks noGrp="1"/>
+          </p:cNvSpPr>
+          <p:nvPr>
+            <p:ph type="title"/>
+          </p:nvPr>
+        </p:nvSpPr>
+        <p:spPr/>
+        <p:txBody>
+          <a:bodyPr/>
+          <a:lstStyle/>
+          <a:p>
+            <a:r>
+              <a:rPr lang="en-US" b="1" dirty="0"/>
+              <a:t>Our Work &amp; Contributions</a:t>
+            </a:r>
+          </a:p>
+        </p:txBody>
+      </p:sp>
+      <p:pic>
+        <p:nvPicPr>
+          <p:cNvPr id="5" name="Graphic 4" descr="Document with solid fill">
+            <a:extLst>
+              <a:ext uri="{FF2B5EF4-FFF2-40B4-BE49-F238E27FC236}">
+                <a16:creationId xmlns:a16="http://schemas.microsoft.com/office/drawing/2014/main" id="{6C34A8D2-F0AE-3D4F-BD04-4AC1CCD0F20E}"/>
+              </a:ext>
+            </a:extLst>
+          </p:cNvPr>
+          <p:cNvPicPr>
+            <a:picLocks noChangeAspect="1"/>
+          </p:cNvPicPr>
+          <p:nvPr/>
+        </p:nvPicPr>
+        <p:blipFill>
+          <a:blip r:embed="rId2">
             <a:extLst>
               <a:ext uri="{96DAC541-7B7A-43D3-8B79-37D633B846F1}">
-                <asvg:svgBlip xmlns:asvg="http://schemas.microsoft.com/office/drawing/2016/SVG/main" r:embed="rId6"/>
+                <asvg:svgBlip xmlns:asvg="http://schemas.microsoft.com/office/drawing/2016/SVG/main" r:embed="rId3"/>
               </a:ext>
             </a:extLst>
           </a:blip>
@@ -4288,20 +6088,69 @@
         </p:blipFill>
         <p:spPr>
           <a:xfrm>
-            <a:off x="10237147" y="5985165"/>
-            <a:ext cx="573940" cy="573940"/>
+            <a:off x="1852600" y="2000250"/>
+            <a:ext cx="914400" cy="914400"/>
           </a:xfrm>
           <a:prstGeom prst="rect">
             <a:avLst/>
           </a:prstGeom>
         </p:spPr>
       </p:pic>
+      <p:sp>
+        <p:nvSpPr>
+          <p:cNvPr id="6" name="TextBox 5">
+            <a:extLst>
+              <a:ext uri="{FF2B5EF4-FFF2-40B4-BE49-F238E27FC236}">
+                <a16:creationId xmlns:a16="http://schemas.microsoft.com/office/drawing/2014/main" id="{1A63F5E3-9391-F340-8461-95ABFDC75351}"/>
+              </a:ext>
+            </a:extLst>
+          </p:cNvPr>
+          <p:cNvSpPr txBox="1"/>
+          <p:nvPr/>
+        </p:nvSpPr>
+        <p:spPr>
+          <a:xfrm>
+            <a:off x="1398332" y="3034329"/>
+            <a:ext cx="1822935" cy="461665"/>
+          </a:xfrm>
+          <a:prstGeom prst="rect">
+            <a:avLst/>
+          </a:prstGeom>
+          <a:noFill/>
+        </p:spPr>
+        <p:txBody>
+          <a:bodyPr wrap="none" rtlCol="0">
+            <a:spAutoFit/>
+          </a:bodyPr>
+          <a:lstStyle/>
+          <a:p>
+            <a:r>
+              <a:rPr lang="en-US" sz="2400" dirty="0">
+                <a:latin typeface="Bradley Hand" pitchFamily="2" charset="77"/>
+              </a:rPr>
+              <a:t>Hiphop.js, </a:t>
+            </a:r>
+            <a:r>
+              <a:rPr lang="en-US" sz="2400" b="1" dirty="0">
+                <a:latin typeface="Bradley Hand" pitchFamily="2" charset="77"/>
+              </a:rPr>
+              <a:t>P</a:t>
+            </a:r>
+            <a:r>
+              <a:rPr lang="en-US" sz="2400" dirty="0">
+                <a:latin typeface="Bradley Hand" pitchFamily="2" charset="77"/>
+              </a:rPr>
+              <a:t> </a:t>
+            </a:r>
+          </a:p>
+        </p:txBody>
+      </p:sp>
       <p:pic>
         <p:nvPicPr>
-          <p:cNvPr id="8" name="Picture 7">
-            <a:extLst>
-              <a:ext uri="{FF2B5EF4-FFF2-40B4-BE49-F238E27FC236}">
-                <a16:creationId xmlns:a16="http://schemas.microsoft.com/office/drawing/2014/main" id="{D82B8A43-AA31-E54C-8A24-7933041C7847}"/>
+          <p:cNvPr id="10" name="Graphic 9" descr="Circles with arrows outline">
+            <a:extLst>
+              <a:ext uri="{FF2B5EF4-FFF2-40B4-BE49-F238E27FC236}">
+                <a16:creationId xmlns:a16="http://schemas.microsoft.com/office/drawing/2014/main" id="{B67E20A1-5951-9D42-85AA-2DF8720681E4}"/>
               </a:ext>
             </a:extLst>
           </p:cNvPr>
@@ -4311,25 +6160,1540 @@
           <p:nvPr/>
         </p:nvPicPr>
         <p:blipFill>
-          <a:blip r:embed="rId7"/>
+          <a:blip r:embed="rId4">
+            <a:extLst>
+              <a:ext uri="{96DAC541-7B7A-43D3-8B79-37D633B846F1}">
+                <asvg:svgBlip xmlns:asvg="http://schemas.microsoft.com/office/drawing/2016/SVG/main" r:embed="rId5"/>
+              </a:ext>
+            </a:extLst>
+          </a:blip>
           <a:stretch>
             <a:fillRect/>
           </a:stretch>
         </p:blipFill>
         <p:spPr>
           <a:xfrm>
-            <a:off x="10868019" y="5534019"/>
-            <a:ext cx="1323981" cy="1323981"/>
+            <a:off x="1852600" y="4541586"/>
+            <a:ext cx="914400" cy="914400"/>
           </a:xfrm>
           <a:prstGeom prst="rect">
             <a:avLst/>
           </a:prstGeom>
         </p:spPr>
       </p:pic>
+      <p:sp>
+        <p:nvSpPr>
+          <p:cNvPr id="13" name="TextBox 12">
+            <a:extLst>
+              <a:ext uri="{FF2B5EF4-FFF2-40B4-BE49-F238E27FC236}">
+                <a16:creationId xmlns:a16="http://schemas.microsoft.com/office/drawing/2014/main" id="{7F834E0F-4F2C-544E-8502-22CD6311BA8F}"/>
+              </a:ext>
+            </a:extLst>
+          </p:cNvPr>
+          <p:cNvSpPr txBox="1"/>
+          <p:nvPr/>
+        </p:nvSpPr>
+        <p:spPr>
+          <a:xfrm>
+            <a:off x="5308399" y="3004661"/>
+            <a:ext cx="2451312" cy="461665"/>
+          </a:xfrm>
+          <a:prstGeom prst="rect">
+            <a:avLst/>
+          </a:prstGeom>
+          <a:noFill/>
+        </p:spPr>
+        <p:txBody>
+          <a:bodyPr wrap="none" rtlCol="0">
+            <a:spAutoFit/>
+          </a:bodyPr>
+          <a:lstStyle/>
+          <a:p>
+            <a:r>
+              <a:rPr lang="en-US" sz="2400" dirty="0">
+                <a:latin typeface="Bradley Hand" pitchFamily="2" charset="77"/>
+              </a:rPr>
+              <a:t>Timed Effects, S</a:t>
+            </a:r>
+          </a:p>
+        </p:txBody>
+      </p:sp>
+      <p:pic>
+        <p:nvPicPr>
+          <p:cNvPr id="15" name="Graphic 14" descr="Circles with arrows with solid fill">
+            <a:extLst>
+              <a:ext uri="{FF2B5EF4-FFF2-40B4-BE49-F238E27FC236}">
+                <a16:creationId xmlns:a16="http://schemas.microsoft.com/office/drawing/2014/main" id="{308BCAC2-9396-2343-9AA2-A99B3BCC5777}"/>
+              </a:ext>
+            </a:extLst>
+          </p:cNvPr>
+          <p:cNvPicPr>
+            <a:picLocks noChangeAspect="1"/>
+          </p:cNvPicPr>
+          <p:nvPr/>
+        </p:nvPicPr>
+        <p:blipFill>
+          <a:blip r:embed="rId6">
+            <a:extLst>
+              <a:ext uri="{96DAC541-7B7A-43D3-8B79-37D633B846F1}">
+                <asvg:svgBlip xmlns:asvg="http://schemas.microsoft.com/office/drawing/2016/SVG/main" r:embed="rId7"/>
+              </a:ext>
+            </a:extLst>
+          </a:blip>
+          <a:stretch>
+            <a:fillRect/>
+          </a:stretch>
+        </p:blipFill>
+        <p:spPr>
+          <a:xfrm>
+            <a:off x="5981521" y="2000250"/>
+            <a:ext cx="914400" cy="914400"/>
+          </a:xfrm>
+          <a:prstGeom prst="rect">
+            <a:avLst/>
+          </a:prstGeom>
+        </p:spPr>
+      </p:pic>
+      <p:sp>
+        <p:nvSpPr>
+          <p:cNvPr id="16" name="TextBox 15">
+            <a:extLst>
+              <a:ext uri="{FF2B5EF4-FFF2-40B4-BE49-F238E27FC236}">
+                <a16:creationId xmlns:a16="http://schemas.microsoft.com/office/drawing/2014/main" id="{5BA293D7-8327-2540-9EEC-44D6F3C1A581}"/>
+              </a:ext>
+            </a:extLst>
+          </p:cNvPr>
+          <p:cNvSpPr txBox="1"/>
+          <p:nvPr/>
+        </p:nvSpPr>
+        <p:spPr>
+          <a:xfrm>
+            <a:off x="1042371" y="5562129"/>
+            <a:ext cx="2783134" cy="461665"/>
+          </a:xfrm>
+          <a:prstGeom prst="rect">
+            <a:avLst/>
+          </a:prstGeom>
+          <a:noFill/>
+        </p:spPr>
+        <p:txBody>
+          <a:bodyPr wrap="none" rtlCol="0">
+            <a:spAutoFit/>
+          </a:bodyPr>
+          <a:lstStyle/>
+          <a:p>
+            <a:r>
+              <a:rPr lang="en-US" sz="2400" dirty="0">
+                <a:latin typeface="Bradley Hand" pitchFamily="2" charset="77"/>
+              </a:rPr>
+              <a:t>Actual behaviors, B</a:t>
+            </a:r>
+          </a:p>
+        </p:txBody>
+      </p:sp>
+      <p:pic>
+        <p:nvPicPr>
+          <p:cNvPr id="18" name="Graphic 17" descr="Abacus with solid fill">
+            <a:extLst>
+              <a:ext uri="{FF2B5EF4-FFF2-40B4-BE49-F238E27FC236}">
+                <a16:creationId xmlns:a16="http://schemas.microsoft.com/office/drawing/2014/main" id="{DA26556F-87DE-544B-A84B-225C0313F89F}"/>
+              </a:ext>
+            </a:extLst>
+          </p:cNvPr>
+          <p:cNvPicPr>
+            <a:picLocks noChangeAspect="1"/>
+          </p:cNvPicPr>
+          <p:nvPr/>
+        </p:nvPicPr>
+        <p:blipFill>
+          <a:blip r:embed="rId8">
+            <a:extLst>
+              <a:ext uri="{96DAC541-7B7A-43D3-8B79-37D633B846F1}">
+                <asvg:svgBlip xmlns:asvg="http://schemas.microsoft.com/office/drawing/2016/SVG/main" r:embed="rId9"/>
+              </a:ext>
+            </a:extLst>
+          </a:blip>
+          <a:stretch>
+            <a:fillRect/>
+          </a:stretch>
+        </p:blipFill>
+        <p:spPr>
+          <a:xfrm>
+            <a:off x="6076438" y="4541586"/>
+            <a:ext cx="914400" cy="914400"/>
+          </a:xfrm>
+          <a:prstGeom prst="rect">
+            <a:avLst/>
+          </a:prstGeom>
+        </p:spPr>
+      </p:pic>
+      <p:sp>
+        <p:nvSpPr>
+          <p:cNvPr id="19" name="TextBox 18">
+            <a:extLst>
+              <a:ext uri="{FF2B5EF4-FFF2-40B4-BE49-F238E27FC236}">
+                <a16:creationId xmlns:a16="http://schemas.microsoft.com/office/drawing/2014/main" id="{F0095962-AF3B-404C-843A-35F7EE639997}"/>
+              </a:ext>
+            </a:extLst>
+          </p:cNvPr>
+          <p:cNvSpPr txBox="1"/>
+          <p:nvPr/>
+        </p:nvSpPr>
+        <p:spPr>
+          <a:xfrm>
+            <a:off x="4551024" y="5567414"/>
+            <a:ext cx="3775393" cy="461665"/>
+          </a:xfrm>
+          <a:prstGeom prst="rect">
+            <a:avLst/>
+          </a:prstGeom>
+          <a:noFill/>
+        </p:spPr>
+        <p:txBody>
+          <a:bodyPr wrap="none" rtlCol="0">
+            <a:spAutoFit/>
+          </a:bodyPr>
+          <a:lstStyle/>
+          <a:p>
+            <a:r>
+              <a:rPr lang="en-US" altLang="zh-CN" sz="2400" dirty="0">
+                <a:latin typeface="Bradley Hand" pitchFamily="2" charset="77"/>
+              </a:rPr>
+              <a:t>Inclusion</a:t>
+            </a:r>
+            <a:r>
+              <a:rPr lang="zh-CN" altLang="en-US" sz="2400" dirty="0">
+                <a:latin typeface="Bradley Hand" pitchFamily="2" charset="77"/>
+              </a:rPr>
+              <a:t> </a:t>
+            </a:r>
+            <a:r>
+              <a:rPr lang="en-US" altLang="zh-CN" sz="2400" dirty="0">
+                <a:latin typeface="Bradley Hand" pitchFamily="2" charset="77"/>
+              </a:rPr>
+              <a:t>Checker, B ⊆ S </a:t>
+            </a:r>
+            <a:r>
+              <a:rPr lang="zh-CN" altLang="en-US" sz="2400" dirty="0">
+                <a:latin typeface="Bradley Hand" pitchFamily="2" charset="77"/>
+              </a:rPr>
+              <a:t> </a:t>
+            </a:r>
+            <a:endParaRPr lang="en-US" sz="2400" dirty="0">
+              <a:latin typeface="Bradley Hand" pitchFamily="2" charset="77"/>
+            </a:endParaRPr>
+          </a:p>
+        </p:txBody>
+      </p:sp>
+      <p:cxnSp>
+        <p:nvCxnSpPr>
+          <p:cNvPr id="21" name="Straight Arrow Connector 20">
+            <a:extLst>
+              <a:ext uri="{FF2B5EF4-FFF2-40B4-BE49-F238E27FC236}">
+                <a16:creationId xmlns:a16="http://schemas.microsoft.com/office/drawing/2014/main" id="{9A7100A3-79C1-B145-9688-60E4E261F7D8}"/>
+              </a:ext>
+            </a:extLst>
+          </p:cNvPr>
+          <p:cNvCxnSpPr>
+            <a:stCxn id="6" idx="2"/>
+            <a:endCxn id="10" idx="0"/>
+          </p:cNvCxnSpPr>
+          <p:nvPr/>
+        </p:nvCxnSpPr>
+        <p:spPr>
+          <a:xfrm>
+            <a:off x="2309800" y="3495994"/>
+            <a:ext cx="0" cy="1045592"/>
+          </a:xfrm>
+          <a:prstGeom prst="straightConnector1">
+            <a:avLst/>
+          </a:prstGeom>
+          <a:ln w="34925">
+            <a:solidFill>
+              <a:srgbClr val="C00000"/>
+            </a:solidFill>
+            <a:tailEnd type="triangle"/>
+          </a:ln>
+        </p:spPr>
+        <p:style>
+          <a:lnRef idx="1">
+            <a:schemeClr val="accent1"/>
+          </a:lnRef>
+          <a:fillRef idx="0">
+            <a:schemeClr val="accent1"/>
+          </a:fillRef>
+          <a:effectRef idx="0">
+            <a:schemeClr val="accent1"/>
+          </a:effectRef>
+          <a:fontRef idx="minor">
+            <a:schemeClr val="tx1"/>
+          </a:fontRef>
+        </p:style>
+      </p:cxnSp>
+      <p:cxnSp>
+        <p:nvCxnSpPr>
+          <p:cNvPr id="23" name="Straight Arrow Connector 22">
+            <a:extLst>
+              <a:ext uri="{FF2B5EF4-FFF2-40B4-BE49-F238E27FC236}">
+                <a16:creationId xmlns:a16="http://schemas.microsoft.com/office/drawing/2014/main" id="{7704046F-3BC2-E843-A81C-E074818F34C9}"/>
+              </a:ext>
+            </a:extLst>
+          </p:cNvPr>
+          <p:cNvCxnSpPr>
+            <a:cxnSpLocks/>
+            <a:stCxn id="10" idx="3"/>
+            <a:endCxn id="18" idx="1"/>
+          </p:cNvCxnSpPr>
+          <p:nvPr/>
+        </p:nvCxnSpPr>
+        <p:spPr>
+          <a:xfrm>
+            <a:off x="2767000" y="4998786"/>
+            <a:ext cx="3309438" cy="0"/>
+          </a:xfrm>
+          <a:prstGeom prst="straightConnector1">
+            <a:avLst/>
+          </a:prstGeom>
+          <a:ln w="34925">
+            <a:solidFill>
+              <a:srgbClr val="C00000"/>
+            </a:solidFill>
+            <a:prstDash val="sysDot"/>
+            <a:tailEnd type="triangle"/>
+          </a:ln>
+        </p:spPr>
+        <p:style>
+          <a:lnRef idx="1">
+            <a:schemeClr val="accent1"/>
+          </a:lnRef>
+          <a:fillRef idx="0">
+            <a:schemeClr val="accent1"/>
+          </a:fillRef>
+          <a:effectRef idx="0">
+            <a:schemeClr val="accent1"/>
+          </a:effectRef>
+          <a:fontRef idx="minor">
+            <a:schemeClr val="tx1"/>
+          </a:fontRef>
+        </p:style>
+      </p:cxnSp>
+      <p:cxnSp>
+        <p:nvCxnSpPr>
+          <p:cNvPr id="26" name="Straight Arrow Connector 25">
+            <a:extLst>
+              <a:ext uri="{FF2B5EF4-FFF2-40B4-BE49-F238E27FC236}">
+                <a16:creationId xmlns:a16="http://schemas.microsoft.com/office/drawing/2014/main" id="{7EF8EBCC-1829-1841-A6E0-C8634EDE7E2B}"/>
+              </a:ext>
+            </a:extLst>
+          </p:cNvPr>
+          <p:cNvCxnSpPr>
+            <a:cxnSpLocks/>
+            <a:stCxn id="13" idx="2"/>
+            <a:endCxn id="18" idx="0"/>
+          </p:cNvCxnSpPr>
+          <p:nvPr/>
+        </p:nvCxnSpPr>
+        <p:spPr>
+          <a:xfrm flipH="1">
+            <a:off x="6533638" y="3466326"/>
+            <a:ext cx="417" cy="1075260"/>
+          </a:xfrm>
+          <a:prstGeom prst="straightConnector1">
+            <a:avLst/>
+          </a:prstGeom>
+          <a:ln w="34925">
+            <a:solidFill>
+              <a:srgbClr val="C00000"/>
+            </a:solidFill>
+            <a:prstDash val="sysDot"/>
+            <a:tailEnd type="triangle"/>
+          </a:ln>
+        </p:spPr>
+        <p:style>
+          <a:lnRef idx="1">
+            <a:schemeClr val="accent1"/>
+          </a:lnRef>
+          <a:fillRef idx="0">
+            <a:schemeClr val="accent1"/>
+          </a:fillRef>
+          <a:effectRef idx="0">
+            <a:schemeClr val="accent1"/>
+          </a:effectRef>
+          <a:fontRef idx="minor">
+            <a:schemeClr val="tx1"/>
+          </a:fontRef>
+        </p:style>
+      </p:cxnSp>
+      <p:sp>
+        <p:nvSpPr>
+          <p:cNvPr id="33" name="TextBox 32">
+            <a:extLst>
+              <a:ext uri="{FF2B5EF4-FFF2-40B4-BE49-F238E27FC236}">
+                <a16:creationId xmlns:a16="http://schemas.microsoft.com/office/drawing/2014/main" id="{CE7D8421-0214-9E48-9454-2BE62EBA6E6F}"/>
+              </a:ext>
+            </a:extLst>
+          </p:cNvPr>
+          <p:cNvSpPr txBox="1"/>
+          <p:nvPr/>
+        </p:nvSpPr>
+        <p:spPr>
+          <a:xfrm>
+            <a:off x="2359606" y="3869023"/>
+            <a:ext cx="1645002" cy="830997"/>
+          </a:xfrm>
+          <a:prstGeom prst="rect">
+            <a:avLst/>
+          </a:prstGeom>
+          <a:noFill/>
+        </p:spPr>
+        <p:txBody>
+          <a:bodyPr wrap="none" rtlCol="0">
+            <a:spAutoFit/>
+          </a:bodyPr>
+          <a:lstStyle/>
+          <a:p>
+            <a:r>
+              <a:rPr lang="en-SG" sz="2400" b="1" dirty="0">
+                <a:solidFill>
+                  <a:srgbClr val="C00000"/>
+                </a:solidFill>
+                <a:latin typeface="Bradley Hand" pitchFamily="2" charset="77"/>
+              </a:rPr>
+              <a:t>axiomatic </a:t>
+            </a:r>
+          </a:p>
+          <a:p>
+            <a:r>
+              <a:rPr lang="en-SG" sz="2400" b="1" dirty="0">
+                <a:solidFill>
+                  <a:srgbClr val="C00000"/>
+                </a:solidFill>
+                <a:latin typeface="Bradley Hand" pitchFamily="2" charset="77"/>
+              </a:rPr>
+              <a:t>semantics</a:t>
+            </a:r>
+            <a:r>
+              <a:rPr lang="en-US" sz="2400" b="1" dirty="0">
+                <a:solidFill>
+                  <a:srgbClr val="C00000"/>
+                </a:solidFill>
+                <a:latin typeface="Bradley Hand" pitchFamily="2" charset="77"/>
+              </a:rPr>
+              <a:t> </a:t>
+            </a:r>
+          </a:p>
+        </p:txBody>
+      </p:sp>
+      <p:pic>
+        <p:nvPicPr>
+          <p:cNvPr id="35" name="Graphic 34" descr="Angel face outline with solid fill">
+            <a:extLst>
+              <a:ext uri="{FF2B5EF4-FFF2-40B4-BE49-F238E27FC236}">
+                <a16:creationId xmlns:a16="http://schemas.microsoft.com/office/drawing/2014/main" id="{63FF98C2-61A2-9A41-93A1-87E4D091EFC9}"/>
+              </a:ext>
+            </a:extLst>
+          </p:cNvPr>
+          <p:cNvPicPr>
+            <a:picLocks noChangeAspect="1"/>
+          </p:cNvPicPr>
+          <p:nvPr/>
+        </p:nvPicPr>
+        <p:blipFill>
+          <a:blip r:embed="rId10">
+            <a:extLst>
+              <a:ext uri="{96DAC541-7B7A-43D3-8B79-37D633B846F1}">
+                <asvg:svgBlip xmlns:asvg="http://schemas.microsoft.com/office/drawing/2016/SVG/main" r:embed="rId11"/>
+              </a:ext>
+            </a:extLst>
+          </a:blip>
+          <a:stretch>
+            <a:fillRect/>
+          </a:stretch>
+        </p:blipFill>
+        <p:spPr>
+          <a:xfrm>
+            <a:off x="9000613" y="3523476"/>
+            <a:ext cx="914400" cy="914400"/>
+          </a:xfrm>
+          <a:prstGeom prst="rect">
+            <a:avLst/>
+          </a:prstGeom>
+        </p:spPr>
+      </p:pic>
+      <p:pic>
+        <p:nvPicPr>
+          <p:cNvPr id="37" name="Graphic 36" descr="Confused face outline with solid fill">
+            <a:extLst>
+              <a:ext uri="{FF2B5EF4-FFF2-40B4-BE49-F238E27FC236}">
+                <a16:creationId xmlns:a16="http://schemas.microsoft.com/office/drawing/2014/main" id="{540A635E-9765-4949-A888-DB5FABE85B4B}"/>
+              </a:ext>
+            </a:extLst>
+          </p:cNvPr>
+          <p:cNvPicPr>
+            <a:picLocks noChangeAspect="1"/>
+          </p:cNvPicPr>
+          <p:nvPr/>
+        </p:nvPicPr>
+        <p:blipFill>
+          <a:blip r:embed="rId12">
+            <a:extLst>
+              <a:ext uri="{96DAC541-7B7A-43D3-8B79-37D633B846F1}">
+                <asvg:svgBlip xmlns:asvg="http://schemas.microsoft.com/office/drawing/2016/SVG/main" r:embed="rId13"/>
+              </a:ext>
+            </a:extLst>
+          </a:blip>
+          <a:stretch>
+            <a:fillRect/>
+          </a:stretch>
+        </p:blipFill>
+        <p:spPr>
+          <a:xfrm>
+            <a:off x="9000613" y="4541586"/>
+            <a:ext cx="914400" cy="914400"/>
+          </a:xfrm>
+          <a:prstGeom prst="rect">
+            <a:avLst/>
+          </a:prstGeom>
+        </p:spPr>
+      </p:pic>
+      <p:pic>
+        <p:nvPicPr>
+          <p:cNvPr id="39" name="Graphic 38" descr="Loudly crying face outline with solid fill">
+            <a:extLst>
+              <a:ext uri="{FF2B5EF4-FFF2-40B4-BE49-F238E27FC236}">
+                <a16:creationId xmlns:a16="http://schemas.microsoft.com/office/drawing/2014/main" id="{D2CB5BF4-145C-3945-9018-2DEC2B1F5825}"/>
+              </a:ext>
+            </a:extLst>
+          </p:cNvPr>
+          <p:cNvPicPr>
+            <a:picLocks noChangeAspect="1"/>
+          </p:cNvPicPr>
+          <p:nvPr/>
+        </p:nvPicPr>
+        <p:blipFill>
+          <a:blip r:embed="rId14">
+            <a:extLst>
+              <a:ext uri="{96DAC541-7B7A-43D3-8B79-37D633B846F1}">
+                <asvg:svgBlip xmlns:asvg="http://schemas.microsoft.com/office/drawing/2016/SVG/main" r:embed="rId15"/>
+              </a:ext>
+            </a:extLst>
+          </a:blip>
+          <a:stretch>
+            <a:fillRect/>
+          </a:stretch>
+        </p:blipFill>
+        <p:spPr>
+          <a:xfrm>
+            <a:off x="9000613" y="5559696"/>
+            <a:ext cx="914400" cy="914400"/>
+          </a:xfrm>
+          <a:prstGeom prst="rect">
+            <a:avLst/>
+          </a:prstGeom>
+        </p:spPr>
+      </p:pic>
+      <p:cxnSp>
+        <p:nvCxnSpPr>
+          <p:cNvPr id="40" name="Straight Arrow Connector 39">
+            <a:extLst>
+              <a:ext uri="{FF2B5EF4-FFF2-40B4-BE49-F238E27FC236}">
+                <a16:creationId xmlns:a16="http://schemas.microsoft.com/office/drawing/2014/main" id="{D1A52D9F-18FB-E245-81E7-567410F2E71B}"/>
+              </a:ext>
+            </a:extLst>
+          </p:cNvPr>
+          <p:cNvCxnSpPr>
+            <a:cxnSpLocks/>
+            <a:stCxn id="18" idx="3"/>
+            <a:endCxn id="35" idx="1"/>
+          </p:cNvCxnSpPr>
+          <p:nvPr/>
+        </p:nvCxnSpPr>
+        <p:spPr>
+          <a:xfrm flipV="1">
+            <a:off x="6990838" y="3980676"/>
+            <a:ext cx="2009775" cy="1018110"/>
+          </a:xfrm>
+          <a:prstGeom prst="straightConnector1">
+            <a:avLst/>
+          </a:prstGeom>
+          <a:ln w="34925">
+            <a:solidFill>
+              <a:schemeClr val="accent6">
+                <a:lumMod val="75000"/>
+              </a:schemeClr>
+            </a:solidFill>
+            <a:prstDash val="solid"/>
+            <a:tailEnd type="triangle"/>
+          </a:ln>
+        </p:spPr>
+        <p:style>
+          <a:lnRef idx="1">
+            <a:schemeClr val="accent1"/>
+          </a:lnRef>
+          <a:fillRef idx="0">
+            <a:schemeClr val="accent1"/>
+          </a:fillRef>
+          <a:effectRef idx="0">
+            <a:schemeClr val="accent1"/>
+          </a:effectRef>
+          <a:fontRef idx="minor">
+            <a:schemeClr val="tx1"/>
+          </a:fontRef>
+        </p:style>
+      </p:cxnSp>
+      <p:cxnSp>
+        <p:nvCxnSpPr>
+          <p:cNvPr id="43" name="Straight Arrow Connector 42">
+            <a:extLst>
+              <a:ext uri="{FF2B5EF4-FFF2-40B4-BE49-F238E27FC236}">
+                <a16:creationId xmlns:a16="http://schemas.microsoft.com/office/drawing/2014/main" id="{FC9E21E6-C3CB-004F-8CB7-2EF10E0419EA}"/>
+              </a:ext>
+            </a:extLst>
+          </p:cNvPr>
+          <p:cNvCxnSpPr>
+            <a:cxnSpLocks/>
+            <a:stCxn id="18" idx="3"/>
+            <a:endCxn id="37" idx="1"/>
+          </p:cNvCxnSpPr>
+          <p:nvPr/>
+        </p:nvCxnSpPr>
+        <p:spPr>
+          <a:xfrm>
+            <a:off x="6990838" y="4998786"/>
+            <a:ext cx="2009775" cy="0"/>
+          </a:xfrm>
+          <a:prstGeom prst="straightConnector1">
+            <a:avLst/>
+          </a:prstGeom>
+          <a:ln w="34925">
+            <a:solidFill>
+              <a:schemeClr val="accent6">
+                <a:lumMod val="75000"/>
+              </a:schemeClr>
+            </a:solidFill>
+            <a:prstDash val="solid"/>
+            <a:tailEnd type="triangle"/>
+          </a:ln>
+        </p:spPr>
+        <p:style>
+          <a:lnRef idx="1">
+            <a:schemeClr val="accent1"/>
+          </a:lnRef>
+          <a:fillRef idx="0">
+            <a:schemeClr val="accent1"/>
+          </a:fillRef>
+          <a:effectRef idx="0">
+            <a:schemeClr val="accent1"/>
+          </a:effectRef>
+          <a:fontRef idx="minor">
+            <a:schemeClr val="tx1"/>
+          </a:fontRef>
+        </p:style>
+      </p:cxnSp>
+      <p:cxnSp>
+        <p:nvCxnSpPr>
+          <p:cNvPr id="44" name="Straight Arrow Connector 43">
+            <a:extLst>
+              <a:ext uri="{FF2B5EF4-FFF2-40B4-BE49-F238E27FC236}">
+                <a16:creationId xmlns:a16="http://schemas.microsoft.com/office/drawing/2014/main" id="{E69854B0-6082-3B4A-8DF1-0768AFB0E64C}"/>
+              </a:ext>
+            </a:extLst>
+          </p:cNvPr>
+          <p:cNvCxnSpPr>
+            <a:cxnSpLocks/>
+            <a:stCxn id="18" idx="3"/>
+            <a:endCxn id="39" idx="1"/>
+          </p:cNvCxnSpPr>
+          <p:nvPr/>
+        </p:nvCxnSpPr>
+        <p:spPr>
+          <a:xfrm>
+            <a:off x="6990838" y="4998786"/>
+            <a:ext cx="2009775" cy="1018110"/>
+          </a:xfrm>
+          <a:prstGeom prst="straightConnector1">
+            <a:avLst/>
+          </a:prstGeom>
+          <a:ln w="34925">
+            <a:solidFill>
+              <a:schemeClr val="accent6">
+                <a:lumMod val="75000"/>
+              </a:schemeClr>
+            </a:solidFill>
+            <a:prstDash val="solid"/>
+            <a:tailEnd type="triangle"/>
+          </a:ln>
+        </p:spPr>
+        <p:style>
+          <a:lnRef idx="1">
+            <a:schemeClr val="accent1"/>
+          </a:lnRef>
+          <a:fillRef idx="0">
+            <a:schemeClr val="accent1"/>
+          </a:fillRef>
+          <a:effectRef idx="0">
+            <a:schemeClr val="accent1"/>
+          </a:effectRef>
+          <a:fontRef idx="minor">
+            <a:schemeClr val="tx1"/>
+          </a:fontRef>
+        </p:style>
+      </p:cxnSp>
+      <p:sp>
+        <p:nvSpPr>
+          <p:cNvPr id="49" name="TextBox 48">
+            <a:extLst>
+              <a:ext uri="{FF2B5EF4-FFF2-40B4-BE49-F238E27FC236}">
+                <a16:creationId xmlns:a16="http://schemas.microsoft.com/office/drawing/2014/main" id="{74C1711A-8D31-8849-BAF9-A7D63E2F9227}"/>
+              </a:ext>
+            </a:extLst>
+          </p:cNvPr>
+          <p:cNvSpPr txBox="1"/>
+          <p:nvPr/>
+        </p:nvSpPr>
+        <p:spPr>
+          <a:xfrm>
+            <a:off x="9997062" y="3813669"/>
+            <a:ext cx="800219" cy="461665"/>
+          </a:xfrm>
+          <a:prstGeom prst="rect">
+            <a:avLst/>
+          </a:prstGeom>
+          <a:noFill/>
+        </p:spPr>
+        <p:txBody>
+          <a:bodyPr wrap="none" rtlCol="0">
+            <a:spAutoFit/>
+          </a:bodyPr>
+          <a:lstStyle/>
+          <a:p>
+            <a:r>
+              <a:rPr lang="en-US" sz="2400" dirty="0">
+                <a:latin typeface="Bradley Hand" pitchFamily="2" charset="77"/>
+              </a:rPr>
+              <a:t>True</a:t>
+            </a:r>
+          </a:p>
+        </p:txBody>
+      </p:sp>
+      <p:sp>
+        <p:nvSpPr>
+          <p:cNvPr id="50" name="TextBox 49">
+            <a:extLst>
+              <a:ext uri="{FF2B5EF4-FFF2-40B4-BE49-F238E27FC236}">
+                <a16:creationId xmlns:a16="http://schemas.microsoft.com/office/drawing/2014/main" id="{8113DB40-F93B-8D49-AFE1-58709420B448}"/>
+              </a:ext>
+            </a:extLst>
+          </p:cNvPr>
+          <p:cNvSpPr txBox="1"/>
+          <p:nvPr/>
+        </p:nvSpPr>
+        <p:spPr>
+          <a:xfrm>
+            <a:off x="9997062" y="4767953"/>
+            <a:ext cx="1564852" cy="461665"/>
+          </a:xfrm>
+          <a:prstGeom prst="rect">
+            <a:avLst/>
+          </a:prstGeom>
+          <a:noFill/>
+        </p:spPr>
+        <p:txBody>
+          <a:bodyPr wrap="none" rtlCol="0">
+            <a:spAutoFit/>
+          </a:bodyPr>
+          <a:lstStyle/>
+          <a:p>
+            <a:r>
+              <a:rPr lang="en-US" sz="2400" dirty="0">
+                <a:latin typeface="Bradley Hand" pitchFamily="2" charset="77"/>
+              </a:rPr>
+              <a:t>Unknown</a:t>
+            </a:r>
+          </a:p>
+        </p:txBody>
+      </p:sp>
+      <p:sp>
+        <p:nvSpPr>
+          <p:cNvPr id="51" name="TextBox 50">
+            <a:extLst>
+              <a:ext uri="{FF2B5EF4-FFF2-40B4-BE49-F238E27FC236}">
+                <a16:creationId xmlns:a16="http://schemas.microsoft.com/office/drawing/2014/main" id="{A1B17205-E409-454E-90B1-1FEAC5AAAF6C}"/>
+              </a:ext>
+            </a:extLst>
+          </p:cNvPr>
+          <p:cNvSpPr txBox="1"/>
+          <p:nvPr/>
+        </p:nvSpPr>
+        <p:spPr>
+          <a:xfrm>
+            <a:off x="9997062" y="5862559"/>
+            <a:ext cx="872355" cy="461665"/>
+          </a:xfrm>
+          <a:prstGeom prst="rect">
+            <a:avLst/>
+          </a:prstGeom>
+          <a:noFill/>
+        </p:spPr>
+        <p:txBody>
+          <a:bodyPr wrap="none" rtlCol="0">
+            <a:spAutoFit/>
+          </a:bodyPr>
+          <a:lstStyle/>
+          <a:p>
+            <a:r>
+              <a:rPr lang="en-US" sz="2400" dirty="0">
+                <a:latin typeface="Bradley Hand" pitchFamily="2" charset="77"/>
+              </a:rPr>
+              <a:t>False</a:t>
+            </a:r>
+          </a:p>
+        </p:txBody>
+      </p:sp>
+      <p:sp>
+        <p:nvSpPr>
+          <p:cNvPr id="3" name="Rounded Rectangle 2">
+            <a:extLst>
+              <a:ext uri="{FF2B5EF4-FFF2-40B4-BE49-F238E27FC236}">
+                <a16:creationId xmlns:a16="http://schemas.microsoft.com/office/drawing/2014/main" id="{4E8FD440-270B-9843-8ECD-6D7046D59F4C}"/>
+              </a:ext>
+            </a:extLst>
+          </p:cNvPr>
+          <p:cNvSpPr/>
+          <p:nvPr/>
+        </p:nvSpPr>
+        <p:spPr>
+          <a:xfrm>
+            <a:off x="657225" y="1690688"/>
+            <a:ext cx="7621442" cy="2122981"/>
+          </a:xfrm>
+          <a:prstGeom prst="roundRect">
+            <a:avLst/>
+          </a:prstGeom>
+          <a:noFill/>
+          <a:ln w="25400">
+            <a:solidFill>
+              <a:schemeClr val="accent1"/>
+            </a:solidFill>
+          </a:ln>
+        </p:spPr>
+        <p:style>
+          <a:lnRef idx="2">
+            <a:schemeClr val="accent1">
+              <a:shade val="50000"/>
+            </a:schemeClr>
+          </a:lnRef>
+          <a:fillRef idx="1">
+            <a:schemeClr val="accent1"/>
+          </a:fillRef>
+          <a:effectRef idx="0">
+            <a:schemeClr val="accent1"/>
+          </a:effectRef>
+          <a:fontRef idx="minor">
+            <a:schemeClr val="lt1"/>
+          </a:fontRef>
+        </p:style>
+        <p:txBody>
+          <a:bodyPr rtlCol="0" anchor="ctr"/>
+          <a:lstStyle/>
+          <a:p>
+            <a:pPr algn="ctr"/>
+            <a:endParaRPr lang="en-US"/>
+          </a:p>
+        </p:txBody>
+      </p:sp>
+      <p:sp>
+        <p:nvSpPr>
+          <p:cNvPr id="4" name="TextBox 3">
+            <a:extLst>
+              <a:ext uri="{FF2B5EF4-FFF2-40B4-BE49-F238E27FC236}">
+                <a16:creationId xmlns:a16="http://schemas.microsoft.com/office/drawing/2014/main" id="{5F2261B5-B0B5-8845-976D-17420C715DD5}"/>
+              </a:ext>
+            </a:extLst>
+          </p:cNvPr>
+          <p:cNvSpPr txBox="1"/>
+          <p:nvPr/>
+        </p:nvSpPr>
+        <p:spPr>
+          <a:xfrm>
+            <a:off x="3954583" y="1741526"/>
+            <a:ext cx="922047" cy="461665"/>
+          </a:xfrm>
+          <a:prstGeom prst="rect">
+            <a:avLst/>
+          </a:prstGeom>
+          <a:noFill/>
+        </p:spPr>
+        <p:txBody>
+          <a:bodyPr wrap="none" rtlCol="0">
+            <a:spAutoFit/>
+          </a:bodyPr>
+          <a:lstStyle/>
+          <a:p>
+            <a:r>
+              <a:rPr lang="en-US" sz="2400" b="1" u="sng" dirty="0">
+                <a:solidFill>
+                  <a:schemeClr val="accent1"/>
+                </a:solidFill>
+                <a:latin typeface="Bradley Hand" pitchFamily="2" charset="77"/>
+              </a:rPr>
+              <a:t>Input</a:t>
+            </a:r>
+          </a:p>
+        </p:txBody>
+      </p:sp>
+      <p:sp>
+        <p:nvSpPr>
+          <p:cNvPr id="27" name="Rounded Rectangle 26">
+            <a:extLst>
+              <a:ext uri="{FF2B5EF4-FFF2-40B4-BE49-F238E27FC236}">
+                <a16:creationId xmlns:a16="http://schemas.microsoft.com/office/drawing/2014/main" id="{FCA8E1C9-FCC5-3446-AB0D-241DE10D1FC1}"/>
+              </a:ext>
+            </a:extLst>
+          </p:cNvPr>
+          <p:cNvSpPr/>
+          <p:nvPr/>
+        </p:nvSpPr>
+        <p:spPr>
+          <a:xfrm flipH="1" flipV="1">
+            <a:off x="8431064" y="2914649"/>
+            <a:ext cx="3384693" cy="3646177"/>
+          </a:xfrm>
+          <a:prstGeom prst="roundRect">
+            <a:avLst/>
+          </a:prstGeom>
+          <a:noFill/>
+          <a:ln w="25400">
+            <a:solidFill>
+              <a:schemeClr val="accent1"/>
+            </a:solidFill>
+          </a:ln>
+        </p:spPr>
+        <p:style>
+          <a:lnRef idx="2">
+            <a:schemeClr val="accent1">
+              <a:shade val="50000"/>
+            </a:schemeClr>
+          </a:lnRef>
+          <a:fillRef idx="1">
+            <a:schemeClr val="accent1"/>
+          </a:fillRef>
+          <a:effectRef idx="0">
+            <a:schemeClr val="accent1"/>
+          </a:effectRef>
+          <a:fontRef idx="minor">
+            <a:schemeClr val="lt1"/>
+          </a:fontRef>
+        </p:style>
+        <p:txBody>
+          <a:bodyPr rtlCol="0" anchor="ctr"/>
+          <a:lstStyle/>
+          <a:p>
+            <a:pPr algn="ctr"/>
+            <a:endParaRPr lang="en-US"/>
+          </a:p>
+        </p:txBody>
+      </p:sp>
+      <p:sp>
+        <p:nvSpPr>
+          <p:cNvPr id="28" name="TextBox 27">
+            <a:extLst>
+              <a:ext uri="{FF2B5EF4-FFF2-40B4-BE49-F238E27FC236}">
+                <a16:creationId xmlns:a16="http://schemas.microsoft.com/office/drawing/2014/main" id="{400F341F-4C7D-B549-81CE-8A4EF17EF46A}"/>
+              </a:ext>
+            </a:extLst>
+          </p:cNvPr>
+          <p:cNvSpPr txBox="1"/>
+          <p:nvPr/>
+        </p:nvSpPr>
+        <p:spPr>
+          <a:xfrm>
+            <a:off x="9548573" y="2933768"/>
+            <a:ext cx="1149674" cy="461665"/>
+          </a:xfrm>
+          <a:prstGeom prst="rect">
+            <a:avLst/>
+          </a:prstGeom>
+          <a:noFill/>
+        </p:spPr>
+        <p:txBody>
+          <a:bodyPr wrap="none" rtlCol="0">
+            <a:spAutoFit/>
+          </a:bodyPr>
+          <a:lstStyle/>
+          <a:p>
+            <a:r>
+              <a:rPr lang="en-US" sz="2400" b="1" u="sng" dirty="0">
+                <a:solidFill>
+                  <a:schemeClr val="accent1"/>
+                </a:solidFill>
+                <a:latin typeface="Bradley Hand" pitchFamily="2" charset="77"/>
+              </a:rPr>
+              <a:t>Output</a:t>
+            </a:r>
+          </a:p>
+        </p:txBody>
+      </p:sp>
+      <p:pic>
+        <p:nvPicPr>
+          <p:cNvPr id="31" name="Graphic 30" descr="Star with solid fill">
+            <a:extLst>
+              <a:ext uri="{FF2B5EF4-FFF2-40B4-BE49-F238E27FC236}">
+                <a16:creationId xmlns:a16="http://schemas.microsoft.com/office/drawing/2014/main" id="{CCBC67EC-656A-9B42-B82C-183C9BBE0F59}"/>
+              </a:ext>
+            </a:extLst>
+          </p:cNvPr>
+          <p:cNvPicPr>
+            <a:picLocks noChangeAspect="1"/>
+          </p:cNvPicPr>
+          <p:nvPr/>
+        </p:nvPicPr>
+        <p:blipFill>
+          <a:blip r:embed="rId16">
+            <a:extLst>
+              <a:ext uri="{96DAC541-7B7A-43D3-8B79-37D633B846F1}">
+                <asvg:svgBlip xmlns:asvg="http://schemas.microsoft.com/office/drawing/2016/SVG/main" r:embed="rId17"/>
+              </a:ext>
+            </a:extLst>
+          </a:blip>
+          <a:stretch>
+            <a:fillRect/>
+          </a:stretch>
+        </p:blipFill>
+        <p:spPr>
+          <a:xfrm>
+            <a:off x="4751888" y="2875805"/>
+            <a:ext cx="633399" cy="633399"/>
+          </a:xfrm>
+          <a:prstGeom prst="rect">
+            <a:avLst/>
+          </a:prstGeom>
+        </p:spPr>
+      </p:pic>
+      <p:pic>
+        <p:nvPicPr>
+          <p:cNvPr id="34" name="Graphic 33" descr="Star with solid fill">
+            <a:extLst>
+              <a:ext uri="{FF2B5EF4-FFF2-40B4-BE49-F238E27FC236}">
+                <a16:creationId xmlns:a16="http://schemas.microsoft.com/office/drawing/2014/main" id="{FEFF16BD-7C10-2F47-8644-2D77AE5AEB19}"/>
+              </a:ext>
+            </a:extLst>
+          </p:cNvPr>
+          <p:cNvPicPr>
+            <a:picLocks noChangeAspect="1"/>
+          </p:cNvPicPr>
+          <p:nvPr/>
+        </p:nvPicPr>
+        <p:blipFill>
+          <a:blip r:embed="rId16">
+            <a:extLst>
+              <a:ext uri="{96DAC541-7B7A-43D3-8B79-37D633B846F1}">
+                <asvg:svgBlip xmlns:asvg="http://schemas.microsoft.com/office/drawing/2016/SVG/main" r:embed="rId17"/>
+              </a:ext>
+            </a:extLst>
+          </a:blip>
+          <a:stretch>
+            <a:fillRect/>
+          </a:stretch>
+        </p:blipFill>
+        <p:spPr>
+          <a:xfrm>
+            <a:off x="1726207" y="3869023"/>
+            <a:ext cx="633399" cy="633399"/>
+          </a:xfrm>
+          <a:prstGeom prst="rect">
+            <a:avLst/>
+          </a:prstGeom>
+        </p:spPr>
+      </p:pic>
+      <p:pic>
+        <p:nvPicPr>
+          <p:cNvPr id="36" name="Graphic 35" descr="Star with solid fill">
+            <a:extLst>
+              <a:ext uri="{FF2B5EF4-FFF2-40B4-BE49-F238E27FC236}">
+                <a16:creationId xmlns:a16="http://schemas.microsoft.com/office/drawing/2014/main" id="{F168180D-48AD-2244-84D5-D5B1CF213C60}"/>
+              </a:ext>
+            </a:extLst>
+          </p:cNvPr>
+          <p:cNvPicPr>
+            <a:picLocks noChangeAspect="1"/>
+          </p:cNvPicPr>
+          <p:nvPr/>
+        </p:nvPicPr>
+        <p:blipFill>
+          <a:blip r:embed="rId16">
+            <a:extLst>
+              <a:ext uri="{96DAC541-7B7A-43D3-8B79-37D633B846F1}">
+                <asvg:svgBlip xmlns:asvg="http://schemas.microsoft.com/office/drawing/2016/SVG/main" r:embed="rId17"/>
+              </a:ext>
+            </a:extLst>
+          </a:blip>
+          <a:stretch>
+            <a:fillRect/>
+          </a:stretch>
+        </p:blipFill>
+        <p:spPr>
+          <a:xfrm>
+            <a:off x="5536490" y="5117368"/>
+            <a:ext cx="633399" cy="633399"/>
+          </a:xfrm>
+          <a:prstGeom prst="rect">
+            <a:avLst/>
+          </a:prstGeom>
+        </p:spPr>
+      </p:pic>
+      <p:cxnSp>
+        <p:nvCxnSpPr>
+          <p:cNvPr id="12" name="Straight Connector 11">
+            <a:extLst>
+              <a:ext uri="{FF2B5EF4-FFF2-40B4-BE49-F238E27FC236}">
+                <a16:creationId xmlns:a16="http://schemas.microsoft.com/office/drawing/2014/main" id="{1B7D0860-69DC-7945-B03A-8F11EDA868D9}"/>
+              </a:ext>
+            </a:extLst>
+          </p:cNvPr>
+          <p:cNvCxnSpPr/>
+          <p:nvPr/>
+        </p:nvCxnSpPr>
+        <p:spPr>
+          <a:xfrm>
+            <a:off x="8815388" y="4527188"/>
+            <a:ext cx="2746526" cy="892007"/>
+          </a:xfrm>
+          <a:prstGeom prst="line">
+            <a:avLst/>
+          </a:prstGeom>
+          <a:ln w="38100">
+            <a:solidFill>
+              <a:schemeClr val="accent2"/>
+            </a:solidFill>
+          </a:ln>
+        </p:spPr>
+        <p:style>
+          <a:lnRef idx="1">
+            <a:schemeClr val="accent1"/>
+          </a:lnRef>
+          <a:fillRef idx="0">
+            <a:schemeClr val="accent1"/>
+          </a:fillRef>
+          <a:effectRef idx="0">
+            <a:schemeClr val="accent1"/>
+          </a:effectRef>
+          <a:fontRef idx="minor">
+            <a:schemeClr val="tx1"/>
+          </a:fontRef>
+        </p:style>
+      </p:cxnSp>
+      <p:cxnSp>
+        <p:nvCxnSpPr>
+          <p:cNvPr id="38" name="Straight Connector 37">
+            <a:extLst>
+              <a:ext uri="{FF2B5EF4-FFF2-40B4-BE49-F238E27FC236}">
+                <a16:creationId xmlns:a16="http://schemas.microsoft.com/office/drawing/2014/main" id="{A05BD44C-1736-C34F-A28D-9DA245601E63}"/>
+              </a:ext>
+            </a:extLst>
+          </p:cNvPr>
+          <p:cNvCxnSpPr>
+            <a:cxnSpLocks/>
+          </p:cNvCxnSpPr>
+          <p:nvPr/>
+        </p:nvCxnSpPr>
+        <p:spPr>
+          <a:xfrm flipV="1">
+            <a:off x="8908001" y="4527187"/>
+            <a:ext cx="2547896" cy="878172"/>
+          </a:xfrm>
+          <a:prstGeom prst="line">
+            <a:avLst/>
+          </a:prstGeom>
+          <a:ln w="38100">
+            <a:solidFill>
+              <a:schemeClr val="accent2"/>
+            </a:solidFill>
+          </a:ln>
+        </p:spPr>
+        <p:style>
+          <a:lnRef idx="1">
+            <a:schemeClr val="accent1"/>
+          </a:lnRef>
+          <a:fillRef idx="0">
+            <a:schemeClr val="accent1"/>
+          </a:fillRef>
+          <a:effectRef idx="0">
+            <a:schemeClr val="accent1"/>
+          </a:effectRef>
+          <a:fontRef idx="minor">
+            <a:schemeClr val="tx1"/>
+          </a:fontRef>
+        </p:style>
+      </p:cxnSp>
+      <p:pic>
+        <p:nvPicPr>
+          <p:cNvPr id="42" name="Picture 41">
+            <a:extLst>
+              <a:ext uri="{FF2B5EF4-FFF2-40B4-BE49-F238E27FC236}">
+                <a16:creationId xmlns:a16="http://schemas.microsoft.com/office/drawing/2014/main" id="{737881D4-6808-3743-8500-381AD4E5BEA0}"/>
+              </a:ext>
+            </a:extLst>
+          </p:cNvPr>
+          <p:cNvPicPr>
+            <a:picLocks noChangeAspect="1"/>
+          </p:cNvPicPr>
+          <p:nvPr/>
+        </p:nvPicPr>
+        <p:blipFill>
+          <a:blip r:embed="rId18"/>
+          <a:srcRect/>
+          <a:stretch/>
+        </p:blipFill>
+        <p:spPr>
+          <a:xfrm>
+            <a:off x="10503787" y="184457"/>
+            <a:ext cx="1524000" cy="1524000"/>
+          </a:xfrm>
+          <a:prstGeom prst="rect">
+            <a:avLst/>
+          </a:prstGeom>
+        </p:spPr>
+      </p:pic>
+      <p:sp>
+        <p:nvSpPr>
+          <p:cNvPr id="7" name="TextBox 6">
+            <a:extLst>
+              <a:ext uri="{FF2B5EF4-FFF2-40B4-BE49-F238E27FC236}">
+                <a16:creationId xmlns:a16="http://schemas.microsoft.com/office/drawing/2014/main" id="{8B8F62F8-A6AE-B441-9138-96564972BB6A}"/>
+              </a:ext>
+            </a:extLst>
+          </p:cNvPr>
+          <p:cNvSpPr txBox="1"/>
+          <p:nvPr/>
+        </p:nvSpPr>
+        <p:spPr>
+          <a:xfrm>
+            <a:off x="4909506" y="2981623"/>
+            <a:ext cx="428322" cy="461665"/>
+          </a:xfrm>
+          <a:prstGeom prst="rect">
+            <a:avLst/>
+          </a:prstGeom>
+          <a:noFill/>
+        </p:spPr>
+        <p:txBody>
+          <a:bodyPr wrap="none" rtlCol="0">
+            <a:spAutoFit/>
+          </a:bodyPr>
+          <a:lstStyle/>
+          <a:p>
+            <a:r>
+              <a:rPr lang="en-US" sz="2400" dirty="0">
+                <a:latin typeface="Bradley Hand" pitchFamily="2" charset="77"/>
+              </a:rPr>
+              <a:t>1.</a:t>
+            </a:r>
+          </a:p>
+        </p:txBody>
+      </p:sp>
+      <p:sp>
+        <p:nvSpPr>
+          <p:cNvPr id="41" name="TextBox 40">
+            <a:extLst>
+              <a:ext uri="{FF2B5EF4-FFF2-40B4-BE49-F238E27FC236}">
+                <a16:creationId xmlns:a16="http://schemas.microsoft.com/office/drawing/2014/main" id="{6E9751D4-79F8-2F4B-BEBB-FA78175E9679}"/>
+              </a:ext>
+            </a:extLst>
+          </p:cNvPr>
+          <p:cNvSpPr txBox="1"/>
+          <p:nvPr/>
+        </p:nvSpPr>
+        <p:spPr>
+          <a:xfrm>
+            <a:off x="1063422" y="3034329"/>
+            <a:ext cx="457176" cy="461665"/>
+          </a:xfrm>
+          <a:prstGeom prst="rect">
+            <a:avLst/>
+          </a:prstGeom>
+          <a:noFill/>
+        </p:spPr>
+        <p:txBody>
+          <a:bodyPr wrap="none" rtlCol="0">
+            <a:spAutoFit/>
+          </a:bodyPr>
+          <a:lstStyle/>
+          <a:p>
+            <a:r>
+              <a:rPr lang="en-US" sz="2400" b="1" dirty="0">
+                <a:solidFill>
+                  <a:schemeClr val="accent2"/>
+                </a:solidFill>
+                <a:latin typeface="Bradley Hand" pitchFamily="2" charset="77"/>
+              </a:rPr>
+              <a:t>2.</a:t>
+            </a:r>
+          </a:p>
+        </p:txBody>
+      </p:sp>
+      <p:sp>
+        <p:nvSpPr>
+          <p:cNvPr id="45" name="TextBox 44">
+            <a:extLst>
+              <a:ext uri="{FF2B5EF4-FFF2-40B4-BE49-F238E27FC236}">
+                <a16:creationId xmlns:a16="http://schemas.microsoft.com/office/drawing/2014/main" id="{260E8E5A-FD7F-B845-8C7A-FBAB2C6B6E86}"/>
+              </a:ext>
+            </a:extLst>
+          </p:cNvPr>
+          <p:cNvSpPr txBox="1"/>
+          <p:nvPr/>
+        </p:nvSpPr>
+        <p:spPr>
+          <a:xfrm>
+            <a:off x="1870990" y="3974357"/>
+            <a:ext cx="452368" cy="461665"/>
+          </a:xfrm>
+          <a:prstGeom prst="rect">
+            <a:avLst/>
+          </a:prstGeom>
+          <a:noFill/>
+        </p:spPr>
+        <p:txBody>
+          <a:bodyPr wrap="none" rtlCol="0">
+            <a:spAutoFit/>
+          </a:bodyPr>
+          <a:lstStyle/>
+          <a:p>
+            <a:r>
+              <a:rPr lang="en-US" sz="2400" dirty="0">
+                <a:latin typeface="Bradley Hand" pitchFamily="2" charset="77"/>
+              </a:rPr>
+              <a:t>3.</a:t>
+            </a:r>
+          </a:p>
+        </p:txBody>
+      </p:sp>
+      <p:sp>
+        <p:nvSpPr>
+          <p:cNvPr id="46" name="TextBox 45">
+            <a:extLst>
+              <a:ext uri="{FF2B5EF4-FFF2-40B4-BE49-F238E27FC236}">
+                <a16:creationId xmlns:a16="http://schemas.microsoft.com/office/drawing/2014/main" id="{BDB552A2-192B-2C4A-B37F-9837669C6CF1}"/>
+              </a:ext>
+            </a:extLst>
+          </p:cNvPr>
+          <p:cNvSpPr txBox="1"/>
+          <p:nvPr/>
+        </p:nvSpPr>
+        <p:spPr>
+          <a:xfrm>
+            <a:off x="5663704" y="5203234"/>
+            <a:ext cx="460382" cy="461665"/>
+          </a:xfrm>
+          <a:prstGeom prst="rect">
+            <a:avLst/>
+          </a:prstGeom>
+          <a:noFill/>
+        </p:spPr>
+        <p:txBody>
+          <a:bodyPr wrap="none" rtlCol="0">
+            <a:spAutoFit/>
+          </a:bodyPr>
+          <a:lstStyle/>
+          <a:p>
+            <a:r>
+              <a:rPr lang="en-US" sz="2400" dirty="0">
+                <a:latin typeface="Bradley Hand" pitchFamily="2" charset="77"/>
+              </a:rPr>
+              <a:t>4.</a:t>
+            </a:r>
+          </a:p>
+        </p:txBody>
+      </p:sp>
     </p:spTree>
     <p:extLst>
       <p:ext uri="{BB962C8B-B14F-4D97-AF65-F5344CB8AC3E}">
-        <p14:creationId xmlns:p14="http://schemas.microsoft.com/office/powerpoint/2010/main" val="1674874275"/>
+        <p14:creationId xmlns:p14="http://schemas.microsoft.com/office/powerpoint/2010/main" val="2095900822"/>
+      </p:ext>
+    </p:extLst>
+  </p:cSld>
+  <p:clrMapOvr>
+    <a:masterClrMapping/>
+  </p:clrMapOvr>
+</p:sld>
+</file>
+
+<file path=ppt/slides/slide17.xml><?xml version="1.0" encoding="utf-8"?>
+<p:sld xmlns:a="http://schemas.openxmlformats.org/drawingml/2006/main" xmlns:r="http://schemas.openxmlformats.org/officeDocument/2006/relationships" xmlns:p="http://schemas.openxmlformats.org/presentationml/2006/main">
+  <p:cSld>
+    <p:spTree>
+      <p:nvGrpSpPr>
+        <p:cNvPr id="1" name=""/>
+        <p:cNvGrpSpPr/>
+        <p:nvPr/>
+      </p:nvGrpSpPr>
+      <p:grpSpPr>
+        <a:xfrm>
+          <a:off x="0" y="0"/>
+          <a:ext cx="0" cy="0"/>
+          <a:chOff x="0" y="0"/>
+          <a:chExt cx="0" cy="0"/>
+        </a:xfrm>
+      </p:grpSpPr>
+      <p:sp>
+        <p:nvSpPr>
+          <p:cNvPr id="2" name="Title 1">
+            <a:extLst>
+              <a:ext uri="{FF2B5EF4-FFF2-40B4-BE49-F238E27FC236}">
+                <a16:creationId xmlns:a16="http://schemas.microsoft.com/office/drawing/2014/main" id="{374AC7AA-EA1B-1D43-B2DB-CFD6F78DC3D4}"/>
+              </a:ext>
+            </a:extLst>
+          </p:cNvPr>
+          <p:cNvSpPr>
+            <a:spLocks noGrp="1"/>
+          </p:cNvSpPr>
+          <p:nvPr>
+            <p:ph type="title"/>
+          </p:nvPr>
+        </p:nvSpPr>
+        <p:spPr/>
+        <p:txBody>
+          <a:bodyPr/>
+          <a:lstStyle/>
+          <a:p>
+            <a:r>
+              <a:rPr lang="en-US" b="1" dirty="0"/>
+              <a:t>Summary</a:t>
+            </a:r>
+          </a:p>
+        </p:txBody>
+      </p:sp>
+      <p:sp>
+        <p:nvSpPr>
+          <p:cNvPr id="3" name="Content Placeholder 2">
+            <a:extLst>
+              <a:ext uri="{FF2B5EF4-FFF2-40B4-BE49-F238E27FC236}">
+                <a16:creationId xmlns:a16="http://schemas.microsoft.com/office/drawing/2014/main" id="{0A0066FD-3A3D-0C4E-B29C-84096626F026}"/>
+              </a:ext>
+            </a:extLst>
+          </p:cNvPr>
+          <p:cNvSpPr>
+            <a:spLocks noGrp="1"/>
+          </p:cNvSpPr>
+          <p:nvPr>
+            <p:ph idx="1"/>
+          </p:nvPr>
+        </p:nvSpPr>
+        <p:spPr>
+          <a:xfrm>
+            <a:off x="838200" y="1825625"/>
+            <a:ext cx="10515600" cy="3986596"/>
+          </a:xfrm>
+        </p:spPr>
+        <p:txBody>
+          <a:bodyPr/>
+          <a:lstStyle/>
+          <a:p>
+            <a:pPr>
+              <a:lnSpc>
+                <a:spcPct val="150000"/>
+              </a:lnSpc>
+            </a:pPr>
+            <a:r>
+              <a:rPr lang="en-SG" b="1" dirty="0"/>
+              <a:t>Timed Synchronous Effects (TSE): </a:t>
+            </a:r>
+            <a:r>
+              <a:rPr lang="en-SG" dirty="0"/>
+              <a:t>goes beyond timed automata;</a:t>
+            </a:r>
+          </a:p>
+          <a:p>
+            <a:pPr>
+              <a:lnSpc>
+                <a:spcPct val="150000"/>
+              </a:lnSpc>
+            </a:pPr>
+            <a:r>
+              <a:rPr lang="en-SG" b="1" dirty="0"/>
+              <a:t>Automated Forward Verifier: </a:t>
+            </a:r>
+            <a:r>
+              <a:rPr lang="en-SG" dirty="0"/>
+              <a:t>an axiomatic semantics for HipHop.js;</a:t>
+            </a:r>
+          </a:p>
+          <a:p>
+            <a:pPr>
+              <a:lnSpc>
+                <a:spcPct val="150000"/>
+              </a:lnSpc>
+            </a:pPr>
+            <a:r>
+              <a:rPr lang="en-SG" b="1" dirty="0"/>
+              <a:t>An Efficient Term Rewriting System (TRS): </a:t>
+            </a:r>
+            <a:r>
+              <a:rPr lang="en-SG" dirty="0"/>
+              <a:t>the back-end solver for TSE language inclusions, sound and complete; </a:t>
+            </a:r>
+          </a:p>
+          <a:p>
+            <a:pPr>
+              <a:lnSpc>
+                <a:spcPct val="150000"/>
+              </a:lnSpc>
+            </a:pPr>
+            <a:r>
+              <a:rPr lang="en-SG" dirty="0"/>
+              <a:t>Implementation and Evaluation; </a:t>
+            </a:r>
+            <a:endParaRPr lang="en-US" dirty="0"/>
+          </a:p>
+        </p:txBody>
+      </p:sp>
+      <p:sp>
+        <p:nvSpPr>
+          <p:cNvPr id="4" name="TextBox 3">
+            <a:extLst>
+              <a:ext uri="{FF2B5EF4-FFF2-40B4-BE49-F238E27FC236}">
+                <a16:creationId xmlns:a16="http://schemas.microsoft.com/office/drawing/2014/main" id="{D31D22B9-BEDF-CF43-B79F-799FF24635C7}"/>
+              </a:ext>
+            </a:extLst>
+          </p:cNvPr>
+          <p:cNvSpPr txBox="1"/>
+          <p:nvPr/>
+        </p:nvSpPr>
+        <p:spPr>
+          <a:xfrm>
+            <a:off x="5715000" y="784169"/>
+            <a:ext cx="5638800" cy="523220"/>
+          </a:xfrm>
+          <a:prstGeom prst="rect">
+            <a:avLst/>
+          </a:prstGeom>
+          <a:noFill/>
+        </p:spPr>
+        <p:txBody>
+          <a:bodyPr wrap="square" rtlCol="0">
+            <a:spAutoFit/>
+          </a:bodyPr>
+          <a:lstStyle/>
+          <a:p>
+            <a:r>
+              <a:rPr lang="en-US" sz="2800" b="1" dirty="0">
+                <a:solidFill>
+                  <a:schemeClr val="accent6">
+                    <a:lumMod val="50000"/>
+                  </a:schemeClr>
+                </a:solidFill>
+                <a:latin typeface="Chalkboard SE" panose="03050602040202020205" pitchFamily="66" charset="77"/>
+              </a:rPr>
+              <a:t>Thanks a lot for your attention! </a:t>
+            </a:r>
+          </a:p>
+        </p:txBody>
+      </p:sp>
+    </p:spTree>
+    <p:extLst>
+      <p:ext uri="{BB962C8B-B14F-4D97-AF65-F5344CB8AC3E}">
+        <p14:creationId xmlns:p14="http://schemas.microsoft.com/office/powerpoint/2010/main" val="3550235345"/>
       </p:ext>
     </p:extLst>
   </p:cSld>
@@ -4374,7 +7738,7 @@
         </p:nvSpPr>
         <p:spPr>
           <a:xfrm>
-            <a:off x="1524000" y="3864801"/>
+            <a:off x="1524000" y="3964817"/>
             <a:ext cx="9144000" cy="1655762"/>
           </a:xfrm>
         </p:spPr>
@@ -4459,6 +7823,71 @@
           </a:prstGeom>
         </p:spPr>
       </p:pic>
+      <p:sp>
+        <p:nvSpPr>
+          <p:cNvPr id="2" name="Title 1">
+            <a:extLst>
+              <a:ext uri="{FF2B5EF4-FFF2-40B4-BE49-F238E27FC236}">
+                <a16:creationId xmlns:a16="http://schemas.microsoft.com/office/drawing/2014/main" id="{7132931F-A8C8-014E-BA68-BCE3AABC2EDF}"/>
+              </a:ext>
+            </a:extLst>
+          </p:cNvPr>
+          <p:cNvSpPr>
+            <a:spLocks noGrp="1"/>
+          </p:cNvSpPr>
+          <p:nvPr>
+            <p:ph type="ctrTitle"/>
+          </p:nvPr>
+        </p:nvSpPr>
+        <p:spPr>
+          <a:xfrm>
+            <a:off x="1234965" y="1156944"/>
+            <a:ext cx="9722069" cy="2387600"/>
+          </a:xfrm>
+        </p:spPr>
+        <p:txBody>
+          <a:bodyPr>
+            <a:normAutofit fontScale="90000"/>
+          </a:bodyPr>
+          <a:lstStyle/>
+          <a:p>
+            <a:pPr>
+              <a:lnSpc>
+                <a:spcPct val="150000"/>
+              </a:lnSpc>
+            </a:pPr>
+            <a:r>
+              <a:rPr lang="en-SG" sz="4800" b="1" dirty="0"/>
+              <a:t>Automated </a:t>
+            </a:r>
+            <a:r>
+              <a:rPr lang="en-SG" sz="4800" b="1" dirty="0">
+                <a:solidFill>
+                  <a:srgbClr val="C00000"/>
+                </a:solidFill>
+              </a:rPr>
+              <a:t>Timed Temporal Verification </a:t>
+            </a:r>
+            <a:r>
+              <a:rPr lang="en-SG" sz="4800" b="1" dirty="0"/>
+              <a:t>for a </a:t>
+            </a:r>
+            <a:r>
+              <a:rPr lang="en-SG" sz="4800" b="1" dirty="0">
+                <a:solidFill>
+                  <a:srgbClr val="C00000"/>
+                </a:solidFill>
+              </a:rPr>
+              <a:t>Mixed Sync-Async Concurrency </a:t>
+            </a:r>
+            <a:r>
+              <a:rPr lang="en-SG" sz="4800" b="1" dirty="0"/>
+              <a:t>Paradigm</a:t>
+            </a:r>
+            <a:endParaRPr lang="en-US" sz="4800" b="1" dirty="0"/>
+          </a:p>
+        </p:txBody>
+      </p:sp>
       <p:pic>
         <p:nvPicPr>
           <p:cNvPr id="6" name="Picture 5">
@@ -4480,44 +7909,8 @@
         </p:blipFill>
         <p:spPr>
           <a:xfrm>
-            <a:off x="8927028" y="5635421"/>
-            <a:ext cx="1212357" cy="1042024"/>
-          </a:xfrm>
-          <a:prstGeom prst="rect">
-            <a:avLst/>
-          </a:prstGeom>
-        </p:spPr>
-      </p:pic>
-      <p:pic>
-        <p:nvPicPr>
-          <p:cNvPr id="7" name="Graphic 6" descr="Right pointing backhand index">
-            <a:extLst>
-              <a:ext uri="{FF2B5EF4-FFF2-40B4-BE49-F238E27FC236}">
-                <a16:creationId xmlns:a16="http://schemas.microsoft.com/office/drawing/2014/main" id="{98A9B01C-7DEF-3746-98DA-FC164633726E}"/>
-              </a:ext>
-            </a:extLst>
-          </p:cNvPr>
-          <p:cNvPicPr>
-            <a:picLocks noChangeAspect="1"/>
-          </p:cNvPicPr>
-          <p:nvPr/>
-        </p:nvPicPr>
-        <p:blipFill>
-          <a:blip r:embed="rId5">
-            <a:extLst>
-              <a:ext uri="{96DAC541-7B7A-43D3-8B79-37D633B846F1}">
-                <asvg:svgBlip xmlns:asvg="http://schemas.microsoft.com/office/drawing/2016/SVG/main" r:embed="rId6"/>
-              </a:ext>
-            </a:extLst>
-          </a:blip>
-          <a:stretch>
-            <a:fillRect/>
-          </a:stretch>
-        </p:blipFill>
-        <p:spPr>
-          <a:xfrm>
-            <a:off x="10237147" y="5985165"/>
-            <a:ext cx="573940" cy="573940"/>
+            <a:off x="9063869" y="323138"/>
+            <a:ext cx="1439917" cy="1237612"/>
           </a:xfrm>
           <a:prstGeom prst="rect">
             <a:avLst/>
@@ -4539,90 +7932,24 @@
           <p:nvPr/>
         </p:nvPicPr>
         <p:blipFill>
-          <a:blip r:embed="rId7"/>
-          <a:stretch>
-            <a:fillRect/>
-          </a:stretch>
+          <a:blip r:embed="rId5"/>
+          <a:srcRect/>
+          <a:stretch/>
         </p:blipFill>
         <p:spPr>
           <a:xfrm>
-            <a:off x="10868019" y="5534019"/>
-            <a:ext cx="1323981" cy="1323981"/>
+            <a:off x="10503787" y="184457"/>
+            <a:ext cx="1524000" cy="1524000"/>
           </a:xfrm>
           <a:prstGeom prst="rect">
             <a:avLst/>
           </a:prstGeom>
         </p:spPr>
       </p:pic>
-      <p:sp>
-        <p:nvSpPr>
-          <p:cNvPr id="11" name="Title 1">
-            <a:extLst>
-              <a:ext uri="{FF2B5EF4-FFF2-40B4-BE49-F238E27FC236}">
-                <a16:creationId xmlns:a16="http://schemas.microsoft.com/office/drawing/2014/main" id="{ED98DC90-93E1-424C-AE23-49050C237C16}"/>
-              </a:ext>
-            </a:extLst>
-          </p:cNvPr>
-          <p:cNvSpPr>
-            <a:spLocks noGrp="1"/>
-          </p:cNvSpPr>
-          <p:nvPr>
-            <p:ph type="ctrTitle"/>
-          </p:nvPr>
-        </p:nvSpPr>
-        <p:spPr>
-          <a:xfrm>
-            <a:off x="1234965" y="1056928"/>
-            <a:ext cx="9722069" cy="2387600"/>
-          </a:xfrm>
-        </p:spPr>
-        <p:txBody>
-          <a:bodyPr>
-            <a:normAutofit fontScale="90000"/>
-          </a:bodyPr>
-          <a:lstStyle/>
-          <a:p>
-            <a:pPr>
-              <a:lnSpc>
-                <a:spcPct val="150000"/>
-              </a:lnSpc>
-            </a:pPr>
-            <a:r>
-              <a:rPr lang="en-SG" sz="4800" b="1" dirty="0"/>
-              <a:t>Automated </a:t>
-            </a:r>
-            <a:r>
-              <a:rPr lang="en-SG" sz="4800" b="1" dirty="0">
-                <a:solidFill>
-                  <a:srgbClr val="C00000"/>
-                </a:solidFill>
-              </a:rPr>
-              <a:t>Timed Temporal Verification </a:t>
-            </a:r>
-            <a:r>
-              <a:rPr lang="en-SG" sz="4800" b="1" dirty="0"/>
-              <a:t>for a </a:t>
-            </a:r>
-            <a:r>
-              <a:rPr lang="en-SG" sz="4800" b="1" dirty="0">
-                <a:solidFill>
-                  <a:srgbClr val="C00000"/>
-                </a:solidFill>
-              </a:rPr>
-              <a:t>Mixed Sync-Async Concurrency </a:t>
-            </a:r>
-            <a:r>
-              <a:rPr lang="en-SG" sz="4800" b="1" dirty="0"/>
-              <a:t>Paradigm</a:t>
-            </a:r>
-            <a:endParaRPr lang="en-US" sz="4800" b="1" dirty="0"/>
-          </a:p>
-        </p:txBody>
-      </p:sp>
     </p:spTree>
     <p:extLst>
       <p:ext uri="{BB962C8B-B14F-4D97-AF65-F5344CB8AC3E}">
-        <p14:creationId xmlns:p14="http://schemas.microsoft.com/office/powerpoint/2010/main" val="4059134668"/>
+        <p14:creationId xmlns:p14="http://schemas.microsoft.com/office/powerpoint/2010/main" val="3102753359"/>
       </p:ext>
     </p:extLst>
   </p:cSld>
@@ -4654,7 +7981,7 @@
           <p:cNvPr id="2" name="Title 1">
             <a:extLst>
               <a:ext uri="{FF2B5EF4-FFF2-40B4-BE49-F238E27FC236}">
-                <a16:creationId xmlns:a16="http://schemas.microsoft.com/office/drawing/2014/main" id="{374AC7AA-EA1B-1D43-B2DB-CFD6F78DC3D4}"/>
+                <a16:creationId xmlns:a16="http://schemas.microsoft.com/office/drawing/2014/main" id="{C6B24E83-81A2-BF4B-A3C7-A8BB8214FC44}"/>
               </a:ext>
             </a:extLst>
           </p:cNvPr>
@@ -4672,95 +7999,202 @@
           <a:p>
             <a:r>
               <a:rPr lang="en-US" b="1" dirty="0"/>
-              <a:t>Contributions</a:t>
-            </a:r>
-          </a:p>
-        </p:txBody>
-      </p:sp>
-      <p:sp>
-        <p:nvSpPr>
-          <p:cNvPr id="3" name="Content Placeholder 2">
-            <a:extLst>
-              <a:ext uri="{FF2B5EF4-FFF2-40B4-BE49-F238E27FC236}">
-                <a16:creationId xmlns:a16="http://schemas.microsoft.com/office/drawing/2014/main" id="{0A0066FD-3A3D-0C4E-B29C-84096626F026}"/>
-              </a:ext>
-            </a:extLst>
-          </p:cNvPr>
-          <p:cNvSpPr>
-            <a:spLocks noGrp="1"/>
-          </p:cNvSpPr>
-          <p:nvPr>
-            <p:ph idx="1"/>
-          </p:nvPr>
-        </p:nvSpPr>
-        <p:spPr>
-          <a:xfrm>
-            <a:off x="838200" y="1825625"/>
-            <a:ext cx="10515600" cy="3986596"/>
-          </a:xfrm>
-        </p:spPr>
-        <p:txBody>
-          <a:bodyPr/>
-          <a:lstStyle/>
-          <a:p>
-            <a:pPr>
-              <a:lnSpc>
-                <a:spcPct val="150000"/>
-              </a:lnSpc>
-            </a:pPr>
-            <a:r>
-              <a:rPr lang="en-SG" dirty="0"/>
-              <a:t>Timed Synchronous Effects (TSE): goes beyond timed automata;</a:t>
-            </a:r>
-          </a:p>
-          <a:p>
-            <a:pPr>
-              <a:lnSpc>
-                <a:spcPct val="150000"/>
-              </a:lnSpc>
-            </a:pPr>
-            <a:r>
-              <a:rPr lang="en-SG" dirty="0"/>
-              <a:t>Automated Forward Verifier: an axiomatic semantics for </a:t>
-            </a:r>
-            <a:r>
-              <a:rPr lang="en-SG" dirty="0" err="1"/>
-              <a:t>HipHop.js</a:t>
-            </a:r>
-            <a:r>
-              <a:rPr lang="en-SG" dirty="0"/>
-              <a:t>;</a:t>
-            </a:r>
-          </a:p>
-          <a:p>
-            <a:pPr>
-              <a:lnSpc>
-                <a:spcPct val="150000"/>
-              </a:lnSpc>
-            </a:pPr>
-            <a:r>
-              <a:rPr lang="en-SG" dirty="0"/>
-              <a:t>An Efficient term rewriting system (TRS): the back-end solver for TSE language inclusions; </a:t>
-            </a:r>
-          </a:p>
-          <a:p>
-            <a:pPr>
-              <a:lnSpc>
-                <a:spcPct val="150000"/>
-              </a:lnSpc>
-            </a:pPr>
-            <a:r>
-              <a:rPr lang="en-SG" dirty="0"/>
-              <a:t>Implementation and Evaluation; </a:t>
-            </a:r>
-            <a:endParaRPr lang="en-US" dirty="0"/>
-          </a:p>
-        </p:txBody>
-      </p:sp>
+              <a:t>Verification Overview</a:t>
+            </a:r>
+          </a:p>
+        </p:txBody>
+      </p:sp>
+      <p:pic>
+        <p:nvPicPr>
+          <p:cNvPr id="5" name="Graphic 4" descr="Document with solid fill">
+            <a:extLst>
+              <a:ext uri="{FF2B5EF4-FFF2-40B4-BE49-F238E27FC236}">
+                <a16:creationId xmlns:a16="http://schemas.microsoft.com/office/drawing/2014/main" id="{6C34A8D2-F0AE-3D4F-BD04-4AC1CCD0F20E}"/>
+              </a:ext>
+            </a:extLst>
+          </p:cNvPr>
+          <p:cNvPicPr>
+            <a:picLocks noChangeAspect="1"/>
+          </p:cNvPicPr>
+          <p:nvPr/>
+        </p:nvPicPr>
+        <p:blipFill>
+          <a:blip r:embed="rId2">
+            <a:extLst>
+              <a:ext uri="{96DAC541-7B7A-43D3-8B79-37D633B846F1}">
+                <asvg:svgBlip xmlns:asvg="http://schemas.microsoft.com/office/drawing/2016/SVG/main" r:embed="rId3"/>
+              </a:ext>
+            </a:extLst>
+          </a:blip>
+          <a:stretch>
+            <a:fillRect/>
+          </a:stretch>
+        </p:blipFill>
+        <p:spPr>
+          <a:xfrm>
+            <a:off x="1852600" y="2000250"/>
+            <a:ext cx="914400" cy="914400"/>
+          </a:xfrm>
+          <a:prstGeom prst="rect">
+            <a:avLst/>
+          </a:prstGeom>
+        </p:spPr>
+      </p:pic>
+      <p:sp>
+        <p:nvSpPr>
+          <p:cNvPr id="6" name="TextBox 5">
+            <a:extLst>
+              <a:ext uri="{FF2B5EF4-FFF2-40B4-BE49-F238E27FC236}">
+                <a16:creationId xmlns:a16="http://schemas.microsoft.com/office/drawing/2014/main" id="{1A63F5E3-9391-F340-8461-95ABFDC75351}"/>
+              </a:ext>
+            </a:extLst>
+          </p:cNvPr>
+          <p:cNvSpPr txBox="1"/>
+          <p:nvPr/>
+        </p:nvSpPr>
+        <p:spPr>
+          <a:xfrm>
+            <a:off x="1233223" y="3019495"/>
+            <a:ext cx="2153154" cy="461665"/>
+          </a:xfrm>
+          <a:prstGeom prst="rect">
+            <a:avLst/>
+          </a:prstGeom>
+          <a:noFill/>
+        </p:spPr>
+        <p:txBody>
+          <a:bodyPr wrap="none" rtlCol="0">
+            <a:spAutoFit/>
+          </a:bodyPr>
+          <a:lstStyle/>
+          <a:p>
+            <a:r>
+              <a:rPr lang="en-US" sz="2400" dirty="0">
+                <a:latin typeface="Bradley Hand" pitchFamily="2" charset="77"/>
+              </a:rPr>
+              <a:t>Source code, </a:t>
+            </a:r>
+            <a:r>
+              <a:rPr lang="en-US" sz="2400" b="1" dirty="0">
+                <a:latin typeface="Bradley Hand" pitchFamily="2" charset="77"/>
+              </a:rPr>
+              <a:t>P</a:t>
+            </a:r>
+            <a:r>
+              <a:rPr lang="en-US" sz="2400" dirty="0">
+                <a:latin typeface="Bradley Hand" pitchFamily="2" charset="77"/>
+              </a:rPr>
+              <a:t> </a:t>
+            </a:r>
+          </a:p>
+        </p:txBody>
+      </p:sp>
+      <p:sp>
+        <p:nvSpPr>
+          <p:cNvPr id="13" name="TextBox 12">
+            <a:extLst>
+              <a:ext uri="{FF2B5EF4-FFF2-40B4-BE49-F238E27FC236}">
+                <a16:creationId xmlns:a16="http://schemas.microsoft.com/office/drawing/2014/main" id="{7F834E0F-4F2C-544E-8502-22CD6311BA8F}"/>
+              </a:ext>
+            </a:extLst>
+          </p:cNvPr>
+          <p:cNvSpPr txBox="1"/>
+          <p:nvPr/>
+        </p:nvSpPr>
+        <p:spPr>
+          <a:xfrm>
+            <a:off x="5351263" y="3004661"/>
+            <a:ext cx="2364750" cy="461665"/>
+          </a:xfrm>
+          <a:prstGeom prst="rect">
+            <a:avLst/>
+          </a:prstGeom>
+          <a:noFill/>
+        </p:spPr>
+        <p:txBody>
+          <a:bodyPr wrap="none" rtlCol="0">
+            <a:spAutoFit/>
+          </a:bodyPr>
+          <a:lstStyle/>
+          <a:p>
+            <a:r>
+              <a:rPr lang="en-US" sz="2400" dirty="0">
+                <a:latin typeface="Bradley Hand" pitchFamily="2" charset="77"/>
+              </a:rPr>
+              <a:t>Specification, S</a:t>
+            </a:r>
+          </a:p>
+        </p:txBody>
+      </p:sp>
+      <p:pic>
+        <p:nvPicPr>
+          <p:cNvPr id="15" name="Graphic 14" descr="Circles with arrows with solid fill">
+            <a:extLst>
+              <a:ext uri="{FF2B5EF4-FFF2-40B4-BE49-F238E27FC236}">
+                <a16:creationId xmlns:a16="http://schemas.microsoft.com/office/drawing/2014/main" id="{308BCAC2-9396-2343-9AA2-A99B3BCC5777}"/>
+              </a:ext>
+            </a:extLst>
+          </p:cNvPr>
+          <p:cNvPicPr>
+            <a:picLocks noChangeAspect="1"/>
+          </p:cNvPicPr>
+          <p:nvPr/>
+        </p:nvPicPr>
+        <p:blipFill>
+          <a:blip r:embed="rId4">
+            <a:extLst>
+              <a:ext uri="{96DAC541-7B7A-43D3-8B79-37D633B846F1}">
+                <asvg:svgBlip xmlns:asvg="http://schemas.microsoft.com/office/drawing/2016/SVG/main" r:embed="rId5"/>
+              </a:ext>
+            </a:extLst>
+          </a:blip>
+          <a:stretch>
+            <a:fillRect/>
+          </a:stretch>
+        </p:blipFill>
+        <p:spPr>
+          <a:xfrm>
+            <a:off x="5981521" y="2000250"/>
+            <a:ext cx="914400" cy="914400"/>
+          </a:xfrm>
+          <a:prstGeom prst="rect">
+            <a:avLst/>
+          </a:prstGeom>
+        </p:spPr>
+      </p:pic>
+      <p:pic>
+        <p:nvPicPr>
+          <p:cNvPr id="53" name="Picture 52">
+            <a:extLst>
+              <a:ext uri="{FF2B5EF4-FFF2-40B4-BE49-F238E27FC236}">
+                <a16:creationId xmlns:a16="http://schemas.microsoft.com/office/drawing/2014/main" id="{C6C27F69-F6D8-004C-AB72-A725EDE332FD}"/>
+              </a:ext>
+            </a:extLst>
+          </p:cNvPr>
+          <p:cNvPicPr>
+            <a:picLocks noChangeAspect="1"/>
+          </p:cNvPicPr>
+          <p:nvPr/>
+        </p:nvPicPr>
+        <p:blipFill>
+          <a:blip r:embed="rId6"/>
+          <a:srcRect/>
+          <a:stretch/>
+        </p:blipFill>
+        <p:spPr>
+          <a:xfrm>
+            <a:off x="10503787" y="184457"/>
+            <a:ext cx="1524000" cy="1524000"/>
+          </a:xfrm>
+          <a:prstGeom prst="rect">
+            <a:avLst/>
+          </a:prstGeom>
+        </p:spPr>
+      </p:pic>
     </p:spTree>
     <p:extLst>
       <p:ext uri="{BB962C8B-B14F-4D97-AF65-F5344CB8AC3E}">
-        <p14:creationId xmlns:p14="http://schemas.microsoft.com/office/powerpoint/2010/main" val="2652336411"/>
+        <p14:creationId xmlns:p14="http://schemas.microsoft.com/office/powerpoint/2010/main" val="1486232586"/>
       </p:ext>
     </p:extLst>
   </p:cSld>
@@ -4810,40 +8244,360 @@
           <a:p>
             <a:r>
               <a:rPr lang="en-US" b="1" dirty="0"/>
-              <a:t>Overview</a:t>
-            </a:r>
-          </a:p>
-        </p:txBody>
-      </p:sp>
-      <p:sp>
-        <p:nvSpPr>
-          <p:cNvPr id="3" name="Content Placeholder 2">
-            <a:extLst>
-              <a:ext uri="{FF2B5EF4-FFF2-40B4-BE49-F238E27FC236}">
-                <a16:creationId xmlns:a16="http://schemas.microsoft.com/office/drawing/2014/main" id="{F2A40699-E798-134A-B470-563CBCD0D6C7}"/>
-              </a:ext>
-            </a:extLst>
-          </p:cNvPr>
-          <p:cNvSpPr>
-            <a:spLocks noGrp="1"/>
-          </p:cNvSpPr>
-          <p:nvPr>
-            <p:ph idx="1"/>
-          </p:nvPr>
-        </p:nvSpPr>
-        <p:spPr/>
-        <p:txBody>
-          <a:bodyPr/>
-          <a:lstStyle/>
-          <a:p>
-            <a:endParaRPr lang="en-US"/>
-          </a:p>
-        </p:txBody>
-      </p:sp>
+              <a:t>Verification Overview</a:t>
+            </a:r>
+          </a:p>
+        </p:txBody>
+      </p:sp>
+      <p:pic>
+        <p:nvPicPr>
+          <p:cNvPr id="5" name="Graphic 4" descr="Document with solid fill">
+            <a:extLst>
+              <a:ext uri="{FF2B5EF4-FFF2-40B4-BE49-F238E27FC236}">
+                <a16:creationId xmlns:a16="http://schemas.microsoft.com/office/drawing/2014/main" id="{6C34A8D2-F0AE-3D4F-BD04-4AC1CCD0F20E}"/>
+              </a:ext>
+            </a:extLst>
+          </p:cNvPr>
+          <p:cNvPicPr>
+            <a:picLocks noChangeAspect="1"/>
+          </p:cNvPicPr>
+          <p:nvPr/>
+        </p:nvPicPr>
+        <p:blipFill>
+          <a:blip r:embed="rId2">
+            <a:extLst>
+              <a:ext uri="{96DAC541-7B7A-43D3-8B79-37D633B846F1}">
+                <asvg:svgBlip xmlns:asvg="http://schemas.microsoft.com/office/drawing/2016/SVG/main" r:embed="rId3"/>
+              </a:ext>
+            </a:extLst>
+          </a:blip>
+          <a:stretch>
+            <a:fillRect/>
+          </a:stretch>
+        </p:blipFill>
+        <p:spPr>
+          <a:xfrm>
+            <a:off x="1852600" y="2000250"/>
+            <a:ext cx="914400" cy="914400"/>
+          </a:xfrm>
+          <a:prstGeom prst="rect">
+            <a:avLst/>
+          </a:prstGeom>
+        </p:spPr>
+      </p:pic>
+      <p:sp>
+        <p:nvSpPr>
+          <p:cNvPr id="6" name="TextBox 5">
+            <a:extLst>
+              <a:ext uri="{FF2B5EF4-FFF2-40B4-BE49-F238E27FC236}">
+                <a16:creationId xmlns:a16="http://schemas.microsoft.com/office/drawing/2014/main" id="{1A63F5E3-9391-F340-8461-95ABFDC75351}"/>
+              </a:ext>
+            </a:extLst>
+          </p:cNvPr>
+          <p:cNvSpPr txBox="1"/>
+          <p:nvPr/>
+        </p:nvSpPr>
+        <p:spPr>
+          <a:xfrm>
+            <a:off x="1233223" y="3019495"/>
+            <a:ext cx="2153154" cy="461665"/>
+          </a:xfrm>
+          <a:prstGeom prst="rect">
+            <a:avLst/>
+          </a:prstGeom>
+          <a:noFill/>
+        </p:spPr>
+        <p:txBody>
+          <a:bodyPr wrap="none" rtlCol="0">
+            <a:spAutoFit/>
+          </a:bodyPr>
+          <a:lstStyle/>
+          <a:p>
+            <a:r>
+              <a:rPr lang="en-US" sz="2400" dirty="0">
+                <a:latin typeface="Bradley Hand" pitchFamily="2" charset="77"/>
+              </a:rPr>
+              <a:t>Source code, </a:t>
+            </a:r>
+            <a:r>
+              <a:rPr lang="en-US" sz="2400" b="1" dirty="0">
+                <a:latin typeface="Bradley Hand" pitchFamily="2" charset="77"/>
+              </a:rPr>
+              <a:t>P</a:t>
+            </a:r>
+            <a:r>
+              <a:rPr lang="en-US" sz="2400" dirty="0">
+                <a:latin typeface="Bradley Hand" pitchFamily="2" charset="77"/>
+              </a:rPr>
+              <a:t> </a:t>
+            </a:r>
+          </a:p>
+        </p:txBody>
+      </p:sp>
+      <p:pic>
+        <p:nvPicPr>
+          <p:cNvPr id="10" name="Graphic 9" descr="Circles with arrows outline">
+            <a:extLst>
+              <a:ext uri="{FF2B5EF4-FFF2-40B4-BE49-F238E27FC236}">
+                <a16:creationId xmlns:a16="http://schemas.microsoft.com/office/drawing/2014/main" id="{B67E20A1-5951-9D42-85AA-2DF8720681E4}"/>
+              </a:ext>
+            </a:extLst>
+          </p:cNvPr>
+          <p:cNvPicPr>
+            <a:picLocks noChangeAspect="1"/>
+          </p:cNvPicPr>
+          <p:nvPr/>
+        </p:nvPicPr>
+        <p:blipFill>
+          <a:blip r:embed="rId4">
+            <a:extLst>
+              <a:ext uri="{96DAC541-7B7A-43D3-8B79-37D633B846F1}">
+                <asvg:svgBlip xmlns:asvg="http://schemas.microsoft.com/office/drawing/2016/SVG/main" r:embed="rId5"/>
+              </a:ext>
+            </a:extLst>
+          </a:blip>
+          <a:stretch>
+            <a:fillRect/>
+          </a:stretch>
+        </p:blipFill>
+        <p:spPr>
+          <a:xfrm>
+            <a:off x="1852600" y="4541586"/>
+            <a:ext cx="914400" cy="914400"/>
+          </a:xfrm>
+          <a:prstGeom prst="rect">
+            <a:avLst/>
+          </a:prstGeom>
+        </p:spPr>
+      </p:pic>
+      <p:sp>
+        <p:nvSpPr>
+          <p:cNvPr id="13" name="TextBox 12">
+            <a:extLst>
+              <a:ext uri="{FF2B5EF4-FFF2-40B4-BE49-F238E27FC236}">
+                <a16:creationId xmlns:a16="http://schemas.microsoft.com/office/drawing/2014/main" id="{7F834E0F-4F2C-544E-8502-22CD6311BA8F}"/>
+              </a:ext>
+            </a:extLst>
+          </p:cNvPr>
+          <p:cNvSpPr txBox="1"/>
+          <p:nvPr/>
+        </p:nvSpPr>
+        <p:spPr>
+          <a:xfrm>
+            <a:off x="5351263" y="3004661"/>
+            <a:ext cx="2364750" cy="461665"/>
+          </a:xfrm>
+          <a:prstGeom prst="rect">
+            <a:avLst/>
+          </a:prstGeom>
+          <a:noFill/>
+        </p:spPr>
+        <p:txBody>
+          <a:bodyPr wrap="none" rtlCol="0">
+            <a:spAutoFit/>
+          </a:bodyPr>
+          <a:lstStyle/>
+          <a:p>
+            <a:r>
+              <a:rPr lang="en-US" sz="2400" dirty="0">
+                <a:latin typeface="Bradley Hand" pitchFamily="2" charset="77"/>
+              </a:rPr>
+              <a:t>Specification, S</a:t>
+            </a:r>
+          </a:p>
+        </p:txBody>
+      </p:sp>
+      <p:pic>
+        <p:nvPicPr>
+          <p:cNvPr id="15" name="Graphic 14" descr="Circles with arrows with solid fill">
+            <a:extLst>
+              <a:ext uri="{FF2B5EF4-FFF2-40B4-BE49-F238E27FC236}">
+                <a16:creationId xmlns:a16="http://schemas.microsoft.com/office/drawing/2014/main" id="{308BCAC2-9396-2343-9AA2-A99B3BCC5777}"/>
+              </a:ext>
+            </a:extLst>
+          </p:cNvPr>
+          <p:cNvPicPr>
+            <a:picLocks noChangeAspect="1"/>
+          </p:cNvPicPr>
+          <p:nvPr/>
+        </p:nvPicPr>
+        <p:blipFill>
+          <a:blip r:embed="rId6">
+            <a:extLst>
+              <a:ext uri="{96DAC541-7B7A-43D3-8B79-37D633B846F1}">
+                <asvg:svgBlip xmlns:asvg="http://schemas.microsoft.com/office/drawing/2016/SVG/main" r:embed="rId7"/>
+              </a:ext>
+            </a:extLst>
+          </a:blip>
+          <a:stretch>
+            <a:fillRect/>
+          </a:stretch>
+        </p:blipFill>
+        <p:spPr>
+          <a:xfrm>
+            <a:off x="5981521" y="2000250"/>
+            <a:ext cx="914400" cy="914400"/>
+          </a:xfrm>
+          <a:prstGeom prst="rect">
+            <a:avLst/>
+          </a:prstGeom>
+        </p:spPr>
+      </p:pic>
+      <p:sp>
+        <p:nvSpPr>
+          <p:cNvPr id="16" name="TextBox 15">
+            <a:extLst>
+              <a:ext uri="{FF2B5EF4-FFF2-40B4-BE49-F238E27FC236}">
+                <a16:creationId xmlns:a16="http://schemas.microsoft.com/office/drawing/2014/main" id="{5BA293D7-8327-2540-9EEC-44D6F3C1A581}"/>
+              </a:ext>
+            </a:extLst>
+          </p:cNvPr>
+          <p:cNvSpPr txBox="1"/>
+          <p:nvPr/>
+        </p:nvSpPr>
+        <p:spPr>
+          <a:xfrm>
+            <a:off x="1042371" y="5562129"/>
+            <a:ext cx="2783134" cy="461665"/>
+          </a:xfrm>
+          <a:prstGeom prst="rect">
+            <a:avLst/>
+          </a:prstGeom>
+          <a:noFill/>
+        </p:spPr>
+        <p:txBody>
+          <a:bodyPr wrap="none" rtlCol="0">
+            <a:spAutoFit/>
+          </a:bodyPr>
+          <a:lstStyle/>
+          <a:p>
+            <a:r>
+              <a:rPr lang="en-US" sz="2400" dirty="0">
+                <a:latin typeface="Bradley Hand" pitchFamily="2" charset="77"/>
+              </a:rPr>
+              <a:t>Actual behaviors, B</a:t>
+            </a:r>
+          </a:p>
+        </p:txBody>
+      </p:sp>
+      <p:cxnSp>
+        <p:nvCxnSpPr>
+          <p:cNvPr id="21" name="Straight Arrow Connector 20">
+            <a:extLst>
+              <a:ext uri="{FF2B5EF4-FFF2-40B4-BE49-F238E27FC236}">
+                <a16:creationId xmlns:a16="http://schemas.microsoft.com/office/drawing/2014/main" id="{9A7100A3-79C1-B145-9688-60E4E261F7D8}"/>
+              </a:ext>
+            </a:extLst>
+          </p:cNvPr>
+          <p:cNvCxnSpPr>
+            <a:stCxn id="6" idx="2"/>
+            <a:endCxn id="10" idx="0"/>
+          </p:cNvCxnSpPr>
+          <p:nvPr/>
+        </p:nvCxnSpPr>
+        <p:spPr>
+          <a:xfrm>
+            <a:off x="2309800" y="3481160"/>
+            <a:ext cx="0" cy="1060426"/>
+          </a:xfrm>
+          <a:prstGeom prst="straightConnector1">
+            <a:avLst/>
+          </a:prstGeom>
+          <a:ln w="34925">
+            <a:solidFill>
+              <a:srgbClr val="C00000"/>
+            </a:solidFill>
+            <a:tailEnd type="triangle"/>
+          </a:ln>
+        </p:spPr>
+        <p:style>
+          <a:lnRef idx="1">
+            <a:schemeClr val="accent1"/>
+          </a:lnRef>
+          <a:fillRef idx="0">
+            <a:schemeClr val="accent1"/>
+          </a:fillRef>
+          <a:effectRef idx="0">
+            <a:schemeClr val="accent1"/>
+          </a:effectRef>
+          <a:fontRef idx="minor">
+            <a:schemeClr val="tx1"/>
+          </a:fontRef>
+        </p:style>
+      </p:cxnSp>
+      <p:sp>
+        <p:nvSpPr>
+          <p:cNvPr id="33" name="TextBox 32">
+            <a:extLst>
+              <a:ext uri="{FF2B5EF4-FFF2-40B4-BE49-F238E27FC236}">
+                <a16:creationId xmlns:a16="http://schemas.microsoft.com/office/drawing/2014/main" id="{CE7D8421-0214-9E48-9454-2BE62EBA6E6F}"/>
+              </a:ext>
+            </a:extLst>
+          </p:cNvPr>
+          <p:cNvSpPr txBox="1"/>
+          <p:nvPr/>
+        </p:nvSpPr>
+        <p:spPr>
+          <a:xfrm>
+            <a:off x="2386326" y="3813669"/>
+            <a:ext cx="1489510" cy="461665"/>
+          </a:xfrm>
+          <a:prstGeom prst="rect">
+            <a:avLst/>
+          </a:prstGeom>
+          <a:noFill/>
+        </p:spPr>
+        <p:txBody>
+          <a:bodyPr wrap="none" rtlCol="0">
+            <a:spAutoFit/>
+          </a:bodyPr>
+          <a:lstStyle/>
+          <a:p>
+            <a:r>
+              <a:rPr lang="en-US" sz="2400" b="1" dirty="0">
+                <a:solidFill>
+                  <a:srgbClr val="C00000"/>
+                </a:solidFill>
+                <a:latin typeface="Bradley Hand" pitchFamily="2" charset="77"/>
+              </a:rPr>
+              <a:t>Inference </a:t>
+            </a:r>
+          </a:p>
+        </p:txBody>
+      </p:sp>
+      <p:pic>
+        <p:nvPicPr>
+          <p:cNvPr id="25" name="Picture 24">
+            <a:extLst>
+              <a:ext uri="{FF2B5EF4-FFF2-40B4-BE49-F238E27FC236}">
+                <a16:creationId xmlns:a16="http://schemas.microsoft.com/office/drawing/2014/main" id="{93D3FEBE-9458-AC40-B43C-2DEACF0FD48B}"/>
+              </a:ext>
+            </a:extLst>
+          </p:cNvPr>
+          <p:cNvPicPr>
+            <a:picLocks noChangeAspect="1"/>
+          </p:cNvPicPr>
+          <p:nvPr/>
+        </p:nvPicPr>
+        <p:blipFill>
+          <a:blip r:embed="rId8"/>
+          <a:srcRect/>
+          <a:stretch/>
+        </p:blipFill>
+        <p:spPr>
+          <a:xfrm>
+            <a:off x="10503787" y="184457"/>
+            <a:ext cx="1524000" cy="1524000"/>
+          </a:xfrm>
+          <a:prstGeom prst="rect">
+            <a:avLst/>
+          </a:prstGeom>
+        </p:spPr>
+      </p:pic>
     </p:spTree>
     <p:extLst>
       <p:ext uri="{BB962C8B-B14F-4D97-AF65-F5344CB8AC3E}">
-        <p14:creationId xmlns:p14="http://schemas.microsoft.com/office/powerpoint/2010/main" val="1486232586"/>
+        <p14:creationId xmlns:p14="http://schemas.microsoft.com/office/powerpoint/2010/main" val="710760066"/>
       </p:ext>
     </p:extLst>
   </p:cSld>
@@ -4875,7 +8629,7 @@
           <p:cNvPr id="2" name="Title 1">
             <a:extLst>
               <a:ext uri="{FF2B5EF4-FFF2-40B4-BE49-F238E27FC236}">
-                <a16:creationId xmlns:a16="http://schemas.microsoft.com/office/drawing/2014/main" id="{EFB70762-8925-7649-A7C6-C5AC1E1FCE28}"/>
+                <a16:creationId xmlns:a16="http://schemas.microsoft.com/office/drawing/2014/main" id="{C6B24E83-81A2-BF4B-A3C7-A8BB8214FC44}"/>
               </a:ext>
             </a:extLst>
           </p:cNvPr>
@@ -4893,141 +8647,548 @@
           <a:p>
             <a:r>
               <a:rPr lang="en-US" b="1" dirty="0"/>
-              <a:t>Computation models</a:t>
-            </a:r>
-          </a:p>
-        </p:txBody>
-      </p:sp>
-      <p:sp>
-        <p:nvSpPr>
-          <p:cNvPr id="3" name="Content Placeholder 2">
-            <a:extLst>
-              <a:ext uri="{FF2B5EF4-FFF2-40B4-BE49-F238E27FC236}">
-                <a16:creationId xmlns:a16="http://schemas.microsoft.com/office/drawing/2014/main" id="{01D76134-8226-A44D-93DD-C8B1CCF01A8A}"/>
-              </a:ext>
-            </a:extLst>
-          </p:cNvPr>
-          <p:cNvSpPr>
-            <a:spLocks noGrp="1"/>
-          </p:cNvSpPr>
-          <p:nvPr>
-            <p:ph idx="1"/>
-          </p:nvPr>
-        </p:nvSpPr>
-        <p:spPr>
-          <a:xfrm>
-            <a:off x="838200" y="1720525"/>
-            <a:ext cx="10515600" cy="4351338"/>
-          </a:xfrm>
-        </p:spPr>
-        <p:txBody>
-          <a:bodyPr>
-            <a:normAutofit fontScale="92500"/>
+              <a:t>Verification Overview</a:t>
+            </a:r>
+          </a:p>
+        </p:txBody>
+      </p:sp>
+      <p:pic>
+        <p:nvPicPr>
+          <p:cNvPr id="5" name="Graphic 4" descr="Document with solid fill">
+            <a:extLst>
+              <a:ext uri="{FF2B5EF4-FFF2-40B4-BE49-F238E27FC236}">
+                <a16:creationId xmlns:a16="http://schemas.microsoft.com/office/drawing/2014/main" id="{6C34A8D2-F0AE-3D4F-BD04-4AC1CCD0F20E}"/>
+              </a:ext>
+            </a:extLst>
+          </p:cNvPr>
+          <p:cNvPicPr>
+            <a:picLocks noChangeAspect="1"/>
+          </p:cNvPicPr>
+          <p:nvPr/>
+        </p:nvPicPr>
+        <p:blipFill>
+          <a:blip r:embed="rId2">
+            <a:extLst>
+              <a:ext uri="{96DAC541-7B7A-43D3-8B79-37D633B846F1}">
+                <asvg:svgBlip xmlns:asvg="http://schemas.microsoft.com/office/drawing/2016/SVG/main" r:embed="rId3"/>
+              </a:ext>
+            </a:extLst>
+          </a:blip>
+          <a:stretch>
+            <a:fillRect/>
+          </a:stretch>
+        </p:blipFill>
+        <p:spPr>
+          <a:xfrm>
+            <a:off x="1852600" y="2000250"/>
+            <a:ext cx="914400" cy="914400"/>
+          </a:xfrm>
+          <a:prstGeom prst="rect">
+            <a:avLst/>
+          </a:prstGeom>
+        </p:spPr>
+      </p:pic>
+      <p:sp>
+        <p:nvSpPr>
+          <p:cNvPr id="6" name="TextBox 5">
+            <a:extLst>
+              <a:ext uri="{FF2B5EF4-FFF2-40B4-BE49-F238E27FC236}">
+                <a16:creationId xmlns:a16="http://schemas.microsoft.com/office/drawing/2014/main" id="{1A63F5E3-9391-F340-8461-95ABFDC75351}"/>
+              </a:ext>
+            </a:extLst>
+          </p:cNvPr>
+          <p:cNvSpPr txBox="1"/>
+          <p:nvPr/>
+        </p:nvSpPr>
+        <p:spPr>
+          <a:xfrm>
+            <a:off x="1233223" y="3019495"/>
+            <a:ext cx="2153154" cy="461665"/>
+          </a:xfrm>
+          <a:prstGeom prst="rect">
+            <a:avLst/>
+          </a:prstGeom>
+          <a:noFill/>
+        </p:spPr>
+        <p:txBody>
+          <a:bodyPr wrap="none" rtlCol="0">
+            <a:spAutoFit/>
           </a:bodyPr>
           <a:lstStyle/>
           <a:p>
-            <a:pPr marL="571500" indent="-571500">
-              <a:lnSpc>
-                <a:spcPct val="150000"/>
-              </a:lnSpc>
-              <a:buFont typeface="+mj-lt"/>
-              <a:buAutoNum type="romanLcPeriod"/>
-            </a:pPr>
-            <a:r>
-              <a:rPr lang="en-SG" b="1" dirty="0">
+            <a:r>
+              <a:rPr lang="en-US" sz="2400" dirty="0">
+                <a:latin typeface="Bradley Hand" pitchFamily="2" charset="77"/>
+              </a:rPr>
+              <a:t>Source code, </a:t>
+            </a:r>
+            <a:r>
+              <a:rPr lang="en-US" sz="2400" b="1" dirty="0">
+                <a:latin typeface="Bradley Hand" pitchFamily="2" charset="77"/>
+              </a:rPr>
+              <a:t>P</a:t>
+            </a:r>
+            <a:r>
+              <a:rPr lang="en-US" sz="2400" dirty="0">
+                <a:latin typeface="Bradley Hand" pitchFamily="2" charset="77"/>
+              </a:rPr>
+              <a:t> </a:t>
+            </a:r>
+          </a:p>
+        </p:txBody>
+      </p:sp>
+      <p:pic>
+        <p:nvPicPr>
+          <p:cNvPr id="10" name="Graphic 9" descr="Circles with arrows outline">
+            <a:extLst>
+              <a:ext uri="{FF2B5EF4-FFF2-40B4-BE49-F238E27FC236}">
+                <a16:creationId xmlns:a16="http://schemas.microsoft.com/office/drawing/2014/main" id="{B67E20A1-5951-9D42-85AA-2DF8720681E4}"/>
+              </a:ext>
+            </a:extLst>
+          </p:cNvPr>
+          <p:cNvPicPr>
+            <a:picLocks noChangeAspect="1"/>
+          </p:cNvPicPr>
+          <p:nvPr/>
+        </p:nvPicPr>
+        <p:blipFill>
+          <a:blip r:embed="rId4">
+            <a:extLst>
+              <a:ext uri="{96DAC541-7B7A-43D3-8B79-37D633B846F1}">
+                <asvg:svgBlip xmlns:asvg="http://schemas.microsoft.com/office/drawing/2016/SVG/main" r:embed="rId5"/>
+              </a:ext>
+            </a:extLst>
+          </a:blip>
+          <a:stretch>
+            <a:fillRect/>
+          </a:stretch>
+        </p:blipFill>
+        <p:spPr>
+          <a:xfrm>
+            <a:off x="1852600" y="4541586"/>
+            <a:ext cx="914400" cy="914400"/>
+          </a:xfrm>
+          <a:prstGeom prst="rect">
+            <a:avLst/>
+          </a:prstGeom>
+        </p:spPr>
+      </p:pic>
+      <p:sp>
+        <p:nvSpPr>
+          <p:cNvPr id="13" name="TextBox 12">
+            <a:extLst>
+              <a:ext uri="{FF2B5EF4-FFF2-40B4-BE49-F238E27FC236}">
+                <a16:creationId xmlns:a16="http://schemas.microsoft.com/office/drawing/2014/main" id="{7F834E0F-4F2C-544E-8502-22CD6311BA8F}"/>
+              </a:ext>
+            </a:extLst>
+          </p:cNvPr>
+          <p:cNvSpPr txBox="1"/>
+          <p:nvPr/>
+        </p:nvSpPr>
+        <p:spPr>
+          <a:xfrm>
+            <a:off x="5351263" y="3004661"/>
+            <a:ext cx="2364750" cy="461665"/>
+          </a:xfrm>
+          <a:prstGeom prst="rect">
+            <a:avLst/>
+          </a:prstGeom>
+          <a:noFill/>
+        </p:spPr>
+        <p:txBody>
+          <a:bodyPr wrap="none" rtlCol="0">
+            <a:spAutoFit/>
+          </a:bodyPr>
+          <a:lstStyle/>
+          <a:p>
+            <a:r>
+              <a:rPr lang="en-US" sz="2400" dirty="0">
+                <a:latin typeface="Bradley Hand" pitchFamily="2" charset="77"/>
+              </a:rPr>
+              <a:t>Specification, S</a:t>
+            </a:r>
+          </a:p>
+        </p:txBody>
+      </p:sp>
+      <p:pic>
+        <p:nvPicPr>
+          <p:cNvPr id="15" name="Graphic 14" descr="Circles with arrows with solid fill">
+            <a:extLst>
+              <a:ext uri="{FF2B5EF4-FFF2-40B4-BE49-F238E27FC236}">
+                <a16:creationId xmlns:a16="http://schemas.microsoft.com/office/drawing/2014/main" id="{308BCAC2-9396-2343-9AA2-A99B3BCC5777}"/>
+              </a:ext>
+            </a:extLst>
+          </p:cNvPr>
+          <p:cNvPicPr>
+            <a:picLocks noChangeAspect="1"/>
+          </p:cNvPicPr>
+          <p:nvPr/>
+        </p:nvPicPr>
+        <p:blipFill>
+          <a:blip r:embed="rId6">
+            <a:extLst>
+              <a:ext uri="{96DAC541-7B7A-43D3-8B79-37D633B846F1}">
+                <asvg:svgBlip xmlns:asvg="http://schemas.microsoft.com/office/drawing/2016/SVG/main" r:embed="rId7"/>
+              </a:ext>
+            </a:extLst>
+          </a:blip>
+          <a:stretch>
+            <a:fillRect/>
+          </a:stretch>
+        </p:blipFill>
+        <p:spPr>
+          <a:xfrm>
+            <a:off x="5981521" y="2000250"/>
+            <a:ext cx="914400" cy="914400"/>
+          </a:xfrm>
+          <a:prstGeom prst="rect">
+            <a:avLst/>
+          </a:prstGeom>
+        </p:spPr>
+      </p:pic>
+      <p:sp>
+        <p:nvSpPr>
+          <p:cNvPr id="16" name="TextBox 15">
+            <a:extLst>
+              <a:ext uri="{FF2B5EF4-FFF2-40B4-BE49-F238E27FC236}">
+                <a16:creationId xmlns:a16="http://schemas.microsoft.com/office/drawing/2014/main" id="{5BA293D7-8327-2540-9EEC-44D6F3C1A581}"/>
+              </a:ext>
+            </a:extLst>
+          </p:cNvPr>
+          <p:cNvSpPr txBox="1"/>
+          <p:nvPr/>
+        </p:nvSpPr>
+        <p:spPr>
+          <a:xfrm>
+            <a:off x="1042371" y="5562129"/>
+            <a:ext cx="2783134" cy="461665"/>
+          </a:xfrm>
+          <a:prstGeom prst="rect">
+            <a:avLst/>
+          </a:prstGeom>
+          <a:noFill/>
+        </p:spPr>
+        <p:txBody>
+          <a:bodyPr wrap="none" rtlCol="0">
+            <a:spAutoFit/>
+          </a:bodyPr>
+          <a:lstStyle/>
+          <a:p>
+            <a:r>
+              <a:rPr lang="en-US" sz="2400" dirty="0">
+                <a:latin typeface="Bradley Hand" pitchFamily="2" charset="77"/>
+              </a:rPr>
+              <a:t>Actual behaviors, B</a:t>
+            </a:r>
+          </a:p>
+        </p:txBody>
+      </p:sp>
+      <p:pic>
+        <p:nvPicPr>
+          <p:cNvPr id="18" name="Graphic 17" descr="Abacus with solid fill">
+            <a:extLst>
+              <a:ext uri="{FF2B5EF4-FFF2-40B4-BE49-F238E27FC236}">
+                <a16:creationId xmlns:a16="http://schemas.microsoft.com/office/drawing/2014/main" id="{DA26556F-87DE-544B-A84B-225C0313F89F}"/>
+              </a:ext>
+            </a:extLst>
+          </p:cNvPr>
+          <p:cNvPicPr>
+            <a:picLocks noChangeAspect="1"/>
+          </p:cNvPicPr>
+          <p:nvPr/>
+        </p:nvPicPr>
+        <p:blipFill>
+          <a:blip r:embed="rId8">
+            <a:extLst>
+              <a:ext uri="{96DAC541-7B7A-43D3-8B79-37D633B846F1}">
+                <asvg:svgBlip xmlns:asvg="http://schemas.microsoft.com/office/drawing/2016/SVG/main" r:embed="rId9"/>
+              </a:ext>
+            </a:extLst>
+          </a:blip>
+          <a:stretch>
+            <a:fillRect/>
+          </a:stretch>
+        </p:blipFill>
+        <p:spPr>
+          <a:xfrm>
+            <a:off x="6076438" y="4541586"/>
+            <a:ext cx="914400" cy="914400"/>
+          </a:xfrm>
+          <a:prstGeom prst="rect">
+            <a:avLst/>
+          </a:prstGeom>
+        </p:spPr>
+      </p:pic>
+      <p:sp>
+        <p:nvSpPr>
+          <p:cNvPr id="19" name="TextBox 18">
+            <a:extLst>
+              <a:ext uri="{FF2B5EF4-FFF2-40B4-BE49-F238E27FC236}">
+                <a16:creationId xmlns:a16="http://schemas.microsoft.com/office/drawing/2014/main" id="{F0095962-AF3B-404C-843A-35F7EE639997}"/>
+              </a:ext>
+            </a:extLst>
+          </p:cNvPr>
+          <p:cNvSpPr txBox="1"/>
+          <p:nvPr/>
+        </p:nvSpPr>
+        <p:spPr>
+          <a:xfrm>
+            <a:off x="4788609" y="5566420"/>
+            <a:ext cx="3490058" cy="461665"/>
+          </a:xfrm>
+          <a:prstGeom prst="rect">
+            <a:avLst/>
+          </a:prstGeom>
+          <a:noFill/>
+        </p:spPr>
+        <p:txBody>
+          <a:bodyPr wrap="none" rtlCol="0">
+            <a:spAutoFit/>
+          </a:bodyPr>
+          <a:lstStyle/>
+          <a:p>
+            <a:r>
+              <a:rPr lang="en-US" sz="2400" dirty="0">
+                <a:latin typeface="Bradley Hand" pitchFamily="2" charset="77"/>
+              </a:rPr>
+              <a:t>Logic</a:t>
+            </a:r>
+            <a:r>
+              <a:rPr lang="zh-CN" altLang="en-US" sz="2400" dirty="0">
+                <a:latin typeface="Bradley Hand" pitchFamily="2" charset="77"/>
+              </a:rPr>
+              <a:t> </a:t>
+            </a:r>
+            <a:r>
+              <a:rPr lang="en-US" altLang="zh-CN" sz="2400" dirty="0">
+                <a:latin typeface="Bradley Hand" pitchFamily="2" charset="77"/>
+              </a:rPr>
+              <a:t>calculator, B ⊆ S </a:t>
+            </a:r>
+            <a:r>
+              <a:rPr lang="zh-CN" altLang="en-US" sz="2400" dirty="0">
+                <a:latin typeface="Bradley Hand" pitchFamily="2" charset="77"/>
+              </a:rPr>
+              <a:t> </a:t>
+            </a:r>
+            <a:endParaRPr lang="en-US" sz="2400" dirty="0">
+              <a:latin typeface="Bradley Hand" pitchFamily="2" charset="77"/>
+            </a:endParaRPr>
+          </a:p>
+        </p:txBody>
+      </p:sp>
+      <p:cxnSp>
+        <p:nvCxnSpPr>
+          <p:cNvPr id="21" name="Straight Arrow Connector 20">
+            <a:extLst>
+              <a:ext uri="{FF2B5EF4-FFF2-40B4-BE49-F238E27FC236}">
+                <a16:creationId xmlns:a16="http://schemas.microsoft.com/office/drawing/2014/main" id="{9A7100A3-79C1-B145-9688-60E4E261F7D8}"/>
+              </a:ext>
+            </a:extLst>
+          </p:cNvPr>
+          <p:cNvCxnSpPr>
+            <a:stCxn id="6" idx="2"/>
+            <a:endCxn id="10" idx="0"/>
+          </p:cNvCxnSpPr>
+          <p:nvPr/>
+        </p:nvCxnSpPr>
+        <p:spPr>
+          <a:xfrm>
+            <a:off x="2309800" y="3481160"/>
+            <a:ext cx="0" cy="1060426"/>
+          </a:xfrm>
+          <a:prstGeom prst="straightConnector1">
+            <a:avLst/>
+          </a:prstGeom>
+          <a:ln w="34925">
+            <a:solidFill>
+              <a:srgbClr val="C00000"/>
+            </a:solidFill>
+            <a:tailEnd type="triangle"/>
+          </a:ln>
+        </p:spPr>
+        <p:style>
+          <a:lnRef idx="1">
+            <a:schemeClr val="accent1"/>
+          </a:lnRef>
+          <a:fillRef idx="0">
+            <a:schemeClr val="accent1"/>
+          </a:fillRef>
+          <a:effectRef idx="0">
+            <a:schemeClr val="accent1"/>
+          </a:effectRef>
+          <a:fontRef idx="minor">
+            <a:schemeClr val="tx1"/>
+          </a:fontRef>
+        </p:style>
+      </p:cxnSp>
+      <p:cxnSp>
+        <p:nvCxnSpPr>
+          <p:cNvPr id="23" name="Straight Arrow Connector 22">
+            <a:extLst>
+              <a:ext uri="{FF2B5EF4-FFF2-40B4-BE49-F238E27FC236}">
+                <a16:creationId xmlns:a16="http://schemas.microsoft.com/office/drawing/2014/main" id="{7704046F-3BC2-E843-A81C-E074818F34C9}"/>
+              </a:ext>
+            </a:extLst>
+          </p:cNvPr>
+          <p:cNvCxnSpPr>
+            <a:cxnSpLocks/>
+            <a:stCxn id="10" idx="3"/>
+            <a:endCxn id="18" idx="1"/>
+          </p:cNvCxnSpPr>
+          <p:nvPr/>
+        </p:nvCxnSpPr>
+        <p:spPr>
+          <a:xfrm>
+            <a:off x="2767000" y="4998786"/>
+            <a:ext cx="3309438" cy="0"/>
+          </a:xfrm>
+          <a:prstGeom prst="straightConnector1">
+            <a:avLst/>
+          </a:prstGeom>
+          <a:ln w="34925">
+            <a:solidFill>
+              <a:srgbClr val="C00000"/>
+            </a:solidFill>
+            <a:prstDash val="sysDot"/>
+            <a:tailEnd type="triangle"/>
+          </a:ln>
+        </p:spPr>
+        <p:style>
+          <a:lnRef idx="1">
+            <a:schemeClr val="accent1"/>
+          </a:lnRef>
+          <a:fillRef idx="0">
+            <a:schemeClr val="accent1"/>
+          </a:fillRef>
+          <a:effectRef idx="0">
+            <a:schemeClr val="accent1"/>
+          </a:effectRef>
+          <a:fontRef idx="minor">
+            <a:schemeClr val="tx1"/>
+          </a:fontRef>
+        </p:style>
+      </p:cxnSp>
+      <p:cxnSp>
+        <p:nvCxnSpPr>
+          <p:cNvPr id="26" name="Straight Arrow Connector 25">
+            <a:extLst>
+              <a:ext uri="{FF2B5EF4-FFF2-40B4-BE49-F238E27FC236}">
+                <a16:creationId xmlns:a16="http://schemas.microsoft.com/office/drawing/2014/main" id="{7EF8EBCC-1829-1841-A6E0-C8634EDE7E2B}"/>
+              </a:ext>
+            </a:extLst>
+          </p:cNvPr>
+          <p:cNvCxnSpPr>
+            <a:cxnSpLocks/>
+            <a:stCxn id="13" idx="2"/>
+            <a:endCxn id="18" idx="0"/>
+          </p:cNvCxnSpPr>
+          <p:nvPr/>
+        </p:nvCxnSpPr>
+        <p:spPr>
+          <a:xfrm>
+            <a:off x="6533638" y="3466326"/>
+            <a:ext cx="0" cy="1075260"/>
+          </a:xfrm>
+          <a:prstGeom prst="straightConnector1">
+            <a:avLst/>
+          </a:prstGeom>
+          <a:ln w="34925">
+            <a:solidFill>
+              <a:srgbClr val="C00000"/>
+            </a:solidFill>
+            <a:prstDash val="sysDot"/>
+            <a:tailEnd type="triangle"/>
+          </a:ln>
+        </p:spPr>
+        <p:style>
+          <a:lnRef idx="1">
+            <a:schemeClr val="accent1"/>
+          </a:lnRef>
+          <a:fillRef idx="0">
+            <a:schemeClr val="accent1"/>
+          </a:fillRef>
+          <a:effectRef idx="0">
+            <a:schemeClr val="accent1"/>
+          </a:effectRef>
+          <a:fontRef idx="minor">
+            <a:schemeClr val="tx1"/>
+          </a:fontRef>
+        </p:style>
+      </p:cxnSp>
+      <p:sp>
+        <p:nvSpPr>
+          <p:cNvPr id="33" name="TextBox 32">
+            <a:extLst>
+              <a:ext uri="{FF2B5EF4-FFF2-40B4-BE49-F238E27FC236}">
+                <a16:creationId xmlns:a16="http://schemas.microsoft.com/office/drawing/2014/main" id="{CE7D8421-0214-9E48-9454-2BE62EBA6E6F}"/>
+              </a:ext>
+            </a:extLst>
+          </p:cNvPr>
+          <p:cNvSpPr txBox="1"/>
+          <p:nvPr/>
+        </p:nvSpPr>
+        <p:spPr>
+          <a:xfrm>
+            <a:off x="2386326" y="3813669"/>
+            <a:ext cx="1489510" cy="461665"/>
+          </a:xfrm>
+          <a:prstGeom prst="rect">
+            <a:avLst/>
+          </a:prstGeom>
+          <a:noFill/>
+        </p:spPr>
+        <p:txBody>
+          <a:bodyPr wrap="none" rtlCol="0">
+            <a:spAutoFit/>
+          </a:bodyPr>
+          <a:lstStyle/>
+          <a:p>
+            <a:r>
+              <a:rPr lang="en-US" sz="2400" b="1" dirty="0">
                 <a:solidFill>
                   <a:srgbClr val="C00000"/>
                 </a:solidFill>
+                <a:latin typeface="Bradley Hand" pitchFamily="2" charset="77"/>
               </a:rPr>
-              <a:t>Transformational programs </a:t>
-            </a:r>
-            <a:r>
-              <a:rPr lang="en-SG" dirty="0"/>
-              <a:t>compute output values from input values. This is the domain of classical </a:t>
-            </a:r>
-            <a:r>
-              <a:rPr lang="en-SG" u="sng" dirty="0"/>
-              <a:t>sequential</a:t>
-            </a:r>
-            <a:r>
-              <a:rPr lang="en-SG" dirty="0"/>
-              <a:t> programming languages. </a:t>
-            </a:r>
-          </a:p>
-          <a:p>
-            <a:pPr marL="571500" indent="-571500">
-              <a:lnSpc>
-                <a:spcPct val="150000"/>
-              </a:lnSpc>
-              <a:buFont typeface="+mj-lt"/>
-              <a:buAutoNum type="romanLcPeriod"/>
-            </a:pPr>
-            <a:r>
-              <a:rPr lang="en-SG" b="1" dirty="0">
-                <a:solidFill>
-                  <a:srgbClr val="C00000"/>
-                </a:solidFill>
-              </a:rPr>
-              <a:t>Asynchronous concurrent programs </a:t>
-            </a:r>
-            <a:r>
-              <a:rPr lang="en-SG" dirty="0"/>
-              <a:t>perform interactions between their components using typically </a:t>
-            </a:r>
-            <a:r>
-              <a:rPr lang="en-SG" u="sng" dirty="0"/>
-              <a:t>network-based</a:t>
-            </a:r>
-            <a:r>
-              <a:rPr lang="en-SG" dirty="0"/>
-              <a:t> communication. </a:t>
-            </a:r>
-          </a:p>
-          <a:p>
-            <a:pPr marL="571500" indent="-571500">
-              <a:lnSpc>
-                <a:spcPct val="150000"/>
-              </a:lnSpc>
-              <a:buFont typeface="+mj-lt"/>
-              <a:buAutoNum type="romanLcPeriod"/>
-            </a:pPr>
-            <a:r>
-              <a:rPr lang="en-SG" b="1" dirty="0">
-                <a:solidFill>
-                  <a:srgbClr val="C00000"/>
-                </a:solidFill>
-              </a:rPr>
-              <a:t>Synchronous reactive programs </a:t>
-            </a:r>
-            <a:r>
-              <a:rPr lang="en-SG" dirty="0"/>
-              <a:t>react to external events in a conceptually instantaneous and </a:t>
-            </a:r>
-            <a:r>
-              <a:rPr lang="en-SG" u="sng" dirty="0"/>
-              <a:t>deterministic</a:t>
-            </a:r>
-            <a:r>
-              <a:rPr lang="en-SG" dirty="0"/>
-              <a:t> way. </a:t>
-            </a:r>
-          </a:p>
-          <a:p>
-            <a:pPr marL="571500" indent="-571500">
-              <a:lnSpc>
-                <a:spcPct val="150000"/>
-              </a:lnSpc>
-              <a:buFont typeface="+mj-lt"/>
-              <a:buAutoNum type="romanLcPeriod"/>
-            </a:pPr>
-            <a:endParaRPr lang="en-US" dirty="0"/>
-          </a:p>
-        </p:txBody>
-      </p:sp>
+              <a:t>Inference </a:t>
+            </a:r>
+          </a:p>
+        </p:txBody>
+      </p:sp>
+      <p:pic>
+        <p:nvPicPr>
+          <p:cNvPr id="25" name="Picture 24">
+            <a:extLst>
+              <a:ext uri="{FF2B5EF4-FFF2-40B4-BE49-F238E27FC236}">
+                <a16:creationId xmlns:a16="http://schemas.microsoft.com/office/drawing/2014/main" id="{B8C6527C-047B-1F42-AA8E-3F3E97C6F24E}"/>
+              </a:ext>
+            </a:extLst>
+          </p:cNvPr>
+          <p:cNvPicPr>
+            <a:picLocks noChangeAspect="1"/>
+          </p:cNvPicPr>
+          <p:nvPr/>
+        </p:nvPicPr>
+        <p:blipFill>
+          <a:blip r:embed="rId10"/>
+          <a:srcRect/>
+          <a:stretch/>
+        </p:blipFill>
+        <p:spPr>
+          <a:xfrm>
+            <a:off x="10503787" y="184457"/>
+            <a:ext cx="1524000" cy="1524000"/>
+          </a:xfrm>
+          <a:prstGeom prst="rect">
+            <a:avLst/>
+          </a:prstGeom>
+        </p:spPr>
+      </p:pic>
     </p:spTree>
     <p:extLst>
       <p:ext uri="{BB962C8B-B14F-4D97-AF65-F5344CB8AC3E}">
-        <p14:creationId xmlns:p14="http://schemas.microsoft.com/office/powerpoint/2010/main" val="260567246"/>
+        <p14:creationId xmlns:p14="http://schemas.microsoft.com/office/powerpoint/2010/main" val="573514064"/>
       </p:ext>
     </p:extLst>
   </p:cSld>
@@ -5059,7 +9220,7 @@
           <p:cNvPr id="2" name="Title 1">
             <a:extLst>
               <a:ext uri="{FF2B5EF4-FFF2-40B4-BE49-F238E27FC236}">
-                <a16:creationId xmlns:a16="http://schemas.microsoft.com/office/drawing/2014/main" id="{EFB70762-8925-7649-A7C6-C5AC1E1FCE28}"/>
+                <a16:creationId xmlns:a16="http://schemas.microsoft.com/office/drawing/2014/main" id="{C6B24E83-81A2-BF4B-A3C7-A8BB8214FC44}"/>
               </a:ext>
             </a:extLst>
           </p:cNvPr>
@@ -5077,238 +9238,362 @@
           <a:p>
             <a:r>
               <a:rPr lang="en-US" b="1" dirty="0"/>
-              <a:t>Computation models</a:t>
-            </a:r>
-          </a:p>
-        </p:txBody>
-      </p:sp>
-      <p:sp>
-        <p:nvSpPr>
-          <p:cNvPr id="3" name="Content Placeholder 2">
-            <a:extLst>
-              <a:ext uri="{FF2B5EF4-FFF2-40B4-BE49-F238E27FC236}">
-                <a16:creationId xmlns:a16="http://schemas.microsoft.com/office/drawing/2014/main" id="{01D76134-8226-A44D-93DD-C8B1CCF01A8A}"/>
-              </a:ext>
-            </a:extLst>
-          </p:cNvPr>
-          <p:cNvSpPr>
-            <a:spLocks noGrp="1"/>
-          </p:cNvSpPr>
-          <p:nvPr>
-            <p:ph idx="1"/>
-          </p:nvPr>
-        </p:nvSpPr>
-        <p:spPr>
-          <a:xfrm>
-            <a:off x="838200" y="1720525"/>
-            <a:ext cx="10515600" cy="4351338"/>
-          </a:xfrm>
-        </p:spPr>
-        <p:txBody>
-          <a:bodyPr>
-            <a:normAutofit fontScale="92500"/>
+              <a:t>Verification Overview</a:t>
+            </a:r>
+          </a:p>
+        </p:txBody>
+      </p:sp>
+      <p:pic>
+        <p:nvPicPr>
+          <p:cNvPr id="5" name="Graphic 4" descr="Document with solid fill">
+            <a:extLst>
+              <a:ext uri="{FF2B5EF4-FFF2-40B4-BE49-F238E27FC236}">
+                <a16:creationId xmlns:a16="http://schemas.microsoft.com/office/drawing/2014/main" id="{6C34A8D2-F0AE-3D4F-BD04-4AC1CCD0F20E}"/>
+              </a:ext>
+            </a:extLst>
+          </p:cNvPr>
+          <p:cNvPicPr>
+            <a:picLocks noChangeAspect="1"/>
+          </p:cNvPicPr>
+          <p:nvPr/>
+        </p:nvPicPr>
+        <p:blipFill>
+          <a:blip r:embed="rId2">
+            <a:extLst>
+              <a:ext uri="{96DAC541-7B7A-43D3-8B79-37D633B846F1}">
+                <asvg:svgBlip xmlns:asvg="http://schemas.microsoft.com/office/drawing/2016/SVG/main" r:embed="rId3"/>
+              </a:ext>
+            </a:extLst>
+          </a:blip>
+          <a:stretch>
+            <a:fillRect/>
+          </a:stretch>
+        </p:blipFill>
+        <p:spPr>
+          <a:xfrm>
+            <a:off x="1852600" y="2000250"/>
+            <a:ext cx="914400" cy="914400"/>
+          </a:xfrm>
+          <a:prstGeom prst="rect">
+            <a:avLst/>
+          </a:prstGeom>
+        </p:spPr>
+      </p:pic>
+      <p:sp>
+        <p:nvSpPr>
+          <p:cNvPr id="6" name="TextBox 5">
+            <a:extLst>
+              <a:ext uri="{FF2B5EF4-FFF2-40B4-BE49-F238E27FC236}">
+                <a16:creationId xmlns:a16="http://schemas.microsoft.com/office/drawing/2014/main" id="{1A63F5E3-9391-F340-8461-95ABFDC75351}"/>
+              </a:ext>
+            </a:extLst>
+          </p:cNvPr>
+          <p:cNvSpPr txBox="1"/>
+          <p:nvPr/>
+        </p:nvSpPr>
+        <p:spPr>
+          <a:xfrm>
+            <a:off x="1233223" y="3019495"/>
+            <a:ext cx="2153154" cy="461665"/>
+          </a:xfrm>
+          <a:prstGeom prst="rect">
+            <a:avLst/>
+          </a:prstGeom>
+          <a:noFill/>
+        </p:spPr>
+        <p:txBody>
+          <a:bodyPr wrap="none" rtlCol="0">
+            <a:spAutoFit/>
           </a:bodyPr>
           <a:lstStyle/>
           <a:p>
-            <a:pPr marL="571500" indent="-571500">
-              <a:lnSpc>
-                <a:spcPct val="150000"/>
-              </a:lnSpc>
-              <a:buFont typeface="+mj-lt"/>
-              <a:buAutoNum type="romanLcPeriod"/>
-            </a:pPr>
-            <a:r>
-              <a:rPr lang="en-SG" b="1" dirty="0">
-                <a:solidFill>
-                  <a:srgbClr val="C00000"/>
-                </a:solidFill>
+            <a:r>
+              <a:rPr lang="en-US" sz="2400" dirty="0">
+                <a:latin typeface="Bradley Hand" pitchFamily="2" charset="77"/>
               </a:rPr>
-              <a:t>Transformational programs </a:t>
-            </a:r>
-            <a:r>
-              <a:rPr lang="en-SG" dirty="0"/>
-              <a:t>compute output values from input values. This is the domain of classical </a:t>
-            </a:r>
-            <a:r>
-              <a:rPr lang="en-SG" u="sng" dirty="0"/>
-              <a:t>sequential</a:t>
-            </a:r>
-            <a:r>
-              <a:rPr lang="en-SG" dirty="0"/>
-              <a:t> programming languages. </a:t>
-            </a:r>
-          </a:p>
-          <a:p>
-            <a:pPr marL="571500" indent="-571500">
-              <a:lnSpc>
-                <a:spcPct val="150000"/>
-              </a:lnSpc>
-              <a:buFont typeface="+mj-lt"/>
-              <a:buAutoNum type="romanLcPeriod"/>
-            </a:pPr>
-            <a:r>
-              <a:rPr lang="en-SG" b="1" dirty="0">
-                <a:solidFill>
-                  <a:srgbClr val="C00000"/>
-                </a:solidFill>
+              <a:t>Source code, </a:t>
+            </a:r>
+            <a:r>
+              <a:rPr lang="en-US" sz="2400" b="1" dirty="0">
+                <a:latin typeface="Bradley Hand" pitchFamily="2" charset="77"/>
               </a:rPr>
-              <a:t>Asynchronous concurrent programs </a:t>
-            </a:r>
-            <a:r>
-              <a:rPr lang="en-SG" dirty="0"/>
-              <a:t>perform interactions between their components using typically </a:t>
-            </a:r>
-            <a:r>
-              <a:rPr lang="en-SG" u="sng" dirty="0"/>
-              <a:t>network-based</a:t>
-            </a:r>
-            <a:r>
-              <a:rPr lang="en-SG" dirty="0"/>
-              <a:t> communication.    </a:t>
-            </a:r>
-            <a:r>
-              <a:rPr lang="en-SG" b="1" dirty="0">
-                <a:solidFill>
-                  <a:schemeClr val="accent6">
-                    <a:lumMod val="50000"/>
-                  </a:schemeClr>
-                </a:solidFill>
+              <a:t>P</a:t>
+            </a:r>
+            <a:r>
+              <a:rPr lang="en-US" sz="2400" dirty="0">
+                <a:latin typeface="Bradley Hand" pitchFamily="2" charset="77"/>
               </a:rPr>
-              <a:t>(JS)</a:t>
-            </a:r>
-          </a:p>
-          <a:p>
-            <a:pPr marL="571500" indent="-571500">
-              <a:lnSpc>
-                <a:spcPct val="150000"/>
-              </a:lnSpc>
-              <a:buFont typeface="+mj-lt"/>
-              <a:buAutoNum type="romanLcPeriod"/>
-            </a:pPr>
-            <a:r>
-              <a:rPr lang="en-SG" b="1" dirty="0">
-                <a:solidFill>
-                  <a:srgbClr val="C00000"/>
-                </a:solidFill>
+              <a:t> </a:t>
+            </a:r>
+          </a:p>
+        </p:txBody>
+      </p:sp>
+      <p:pic>
+        <p:nvPicPr>
+          <p:cNvPr id="10" name="Graphic 9" descr="Circles with arrows outline">
+            <a:extLst>
+              <a:ext uri="{FF2B5EF4-FFF2-40B4-BE49-F238E27FC236}">
+                <a16:creationId xmlns:a16="http://schemas.microsoft.com/office/drawing/2014/main" id="{B67E20A1-5951-9D42-85AA-2DF8720681E4}"/>
+              </a:ext>
+            </a:extLst>
+          </p:cNvPr>
+          <p:cNvPicPr>
+            <a:picLocks noChangeAspect="1"/>
+          </p:cNvPicPr>
+          <p:nvPr/>
+        </p:nvPicPr>
+        <p:blipFill>
+          <a:blip r:embed="rId4">
+            <a:extLst>
+              <a:ext uri="{96DAC541-7B7A-43D3-8B79-37D633B846F1}">
+                <asvg:svgBlip xmlns:asvg="http://schemas.microsoft.com/office/drawing/2016/SVG/main" r:embed="rId5"/>
+              </a:ext>
+            </a:extLst>
+          </a:blip>
+          <a:stretch>
+            <a:fillRect/>
+          </a:stretch>
+        </p:blipFill>
+        <p:spPr>
+          <a:xfrm>
+            <a:off x="1852600" y="4541586"/>
+            <a:ext cx="914400" cy="914400"/>
+          </a:xfrm>
+          <a:prstGeom prst="rect">
+            <a:avLst/>
+          </a:prstGeom>
+        </p:spPr>
+      </p:pic>
+      <p:sp>
+        <p:nvSpPr>
+          <p:cNvPr id="13" name="TextBox 12">
+            <a:extLst>
+              <a:ext uri="{FF2B5EF4-FFF2-40B4-BE49-F238E27FC236}">
+                <a16:creationId xmlns:a16="http://schemas.microsoft.com/office/drawing/2014/main" id="{7F834E0F-4F2C-544E-8502-22CD6311BA8F}"/>
+              </a:ext>
+            </a:extLst>
+          </p:cNvPr>
+          <p:cNvSpPr txBox="1"/>
+          <p:nvPr/>
+        </p:nvSpPr>
+        <p:spPr>
+          <a:xfrm>
+            <a:off x="5351263" y="3004661"/>
+            <a:ext cx="2364750" cy="461665"/>
+          </a:xfrm>
+          <a:prstGeom prst="rect">
+            <a:avLst/>
+          </a:prstGeom>
+          <a:noFill/>
+        </p:spPr>
+        <p:txBody>
+          <a:bodyPr wrap="none" rtlCol="0">
+            <a:spAutoFit/>
+          </a:bodyPr>
+          <a:lstStyle/>
+          <a:p>
+            <a:r>
+              <a:rPr lang="en-US" sz="2400" dirty="0">
+                <a:latin typeface="Bradley Hand" pitchFamily="2" charset="77"/>
               </a:rPr>
-              <a:t>Synchronous reactive programs </a:t>
-            </a:r>
-            <a:r>
-              <a:rPr lang="en-SG" dirty="0"/>
-              <a:t>react to external events in a conceptually instantaneous and </a:t>
-            </a:r>
-            <a:r>
-              <a:rPr lang="en-SG" u="sng" dirty="0"/>
-              <a:t>deterministic</a:t>
-            </a:r>
-            <a:r>
-              <a:rPr lang="en-SG" dirty="0"/>
-              <a:t> way.                    </a:t>
-            </a:r>
-            <a:r>
-              <a:rPr lang="en-SG" b="1" dirty="0">
-                <a:solidFill>
-                  <a:schemeClr val="accent6">
-                    <a:lumMod val="50000"/>
-                  </a:schemeClr>
-                </a:solidFill>
+              <a:t>Specification, S</a:t>
+            </a:r>
+          </a:p>
+        </p:txBody>
+      </p:sp>
+      <p:pic>
+        <p:nvPicPr>
+          <p:cNvPr id="15" name="Graphic 14" descr="Circles with arrows with solid fill">
+            <a:extLst>
+              <a:ext uri="{FF2B5EF4-FFF2-40B4-BE49-F238E27FC236}">
+                <a16:creationId xmlns:a16="http://schemas.microsoft.com/office/drawing/2014/main" id="{308BCAC2-9396-2343-9AA2-A99B3BCC5777}"/>
+              </a:ext>
+            </a:extLst>
+          </p:cNvPr>
+          <p:cNvPicPr>
+            <a:picLocks noChangeAspect="1"/>
+          </p:cNvPicPr>
+          <p:nvPr/>
+        </p:nvPicPr>
+        <p:blipFill>
+          <a:blip r:embed="rId6">
+            <a:extLst>
+              <a:ext uri="{96DAC541-7B7A-43D3-8B79-37D633B846F1}">
+                <asvg:svgBlip xmlns:asvg="http://schemas.microsoft.com/office/drawing/2016/SVG/main" r:embed="rId7"/>
+              </a:ext>
+            </a:extLst>
+          </a:blip>
+          <a:stretch>
+            <a:fillRect/>
+          </a:stretch>
+        </p:blipFill>
+        <p:spPr>
+          <a:xfrm>
+            <a:off x="5981521" y="2000250"/>
+            <a:ext cx="914400" cy="914400"/>
+          </a:xfrm>
+          <a:prstGeom prst="rect">
+            <a:avLst/>
+          </a:prstGeom>
+        </p:spPr>
+      </p:pic>
+      <p:sp>
+        <p:nvSpPr>
+          <p:cNvPr id="16" name="TextBox 15">
+            <a:extLst>
+              <a:ext uri="{FF2B5EF4-FFF2-40B4-BE49-F238E27FC236}">
+                <a16:creationId xmlns:a16="http://schemas.microsoft.com/office/drawing/2014/main" id="{5BA293D7-8327-2540-9EEC-44D6F3C1A581}"/>
+              </a:ext>
+            </a:extLst>
+          </p:cNvPr>
+          <p:cNvSpPr txBox="1"/>
+          <p:nvPr/>
+        </p:nvSpPr>
+        <p:spPr>
+          <a:xfrm>
+            <a:off x="1042371" y="5562129"/>
+            <a:ext cx="2783134" cy="461665"/>
+          </a:xfrm>
+          <a:prstGeom prst="rect">
+            <a:avLst/>
+          </a:prstGeom>
+          <a:noFill/>
+        </p:spPr>
+        <p:txBody>
+          <a:bodyPr wrap="none" rtlCol="0">
+            <a:spAutoFit/>
+          </a:bodyPr>
+          <a:lstStyle/>
+          <a:p>
+            <a:r>
+              <a:rPr lang="en-US" sz="2400" dirty="0">
+                <a:latin typeface="Bradley Hand" pitchFamily="2" charset="77"/>
               </a:rPr>
-              <a:t>(Esterel)</a:t>
-            </a:r>
-          </a:p>
-          <a:p>
-            <a:pPr marL="571500" indent="-571500">
-              <a:lnSpc>
-                <a:spcPct val="150000"/>
-              </a:lnSpc>
-              <a:buFont typeface="+mj-lt"/>
-              <a:buAutoNum type="romanLcPeriod"/>
-            </a:pPr>
-            <a:endParaRPr lang="en-US" dirty="0"/>
-          </a:p>
-        </p:txBody>
-      </p:sp>
-      <p:sp>
-        <p:nvSpPr>
-          <p:cNvPr id="4" name="Rounded Rectangle 3">
-            <a:extLst>
-              <a:ext uri="{FF2B5EF4-FFF2-40B4-BE49-F238E27FC236}">
-                <a16:creationId xmlns:a16="http://schemas.microsoft.com/office/drawing/2014/main" id="{2A0AA9C3-4054-F942-A6CD-B39308341C6F}"/>
-              </a:ext>
-            </a:extLst>
-          </p:cNvPr>
-          <p:cNvSpPr/>
-          <p:nvPr/>
-        </p:nvSpPr>
-        <p:spPr>
-          <a:xfrm>
-            <a:off x="587022" y="3010633"/>
-            <a:ext cx="11006667" cy="2709334"/>
-          </a:xfrm>
-          <a:prstGeom prst="roundRect">
+              <a:t>Actual behaviors, B</a:t>
+            </a:r>
+          </a:p>
+        </p:txBody>
+      </p:sp>
+      <p:pic>
+        <p:nvPicPr>
+          <p:cNvPr id="18" name="Graphic 17" descr="Abacus with solid fill">
+            <a:extLst>
+              <a:ext uri="{FF2B5EF4-FFF2-40B4-BE49-F238E27FC236}">
+                <a16:creationId xmlns:a16="http://schemas.microsoft.com/office/drawing/2014/main" id="{DA26556F-87DE-544B-A84B-225C0313F89F}"/>
+              </a:ext>
+            </a:extLst>
+          </p:cNvPr>
+          <p:cNvPicPr>
+            <a:picLocks noChangeAspect="1"/>
+          </p:cNvPicPr>
+          <p:nvPr/>
+        </p:nvPicPr>
+        <p:blipFill>
+          <a:blip r:embed="rId8">
+            <a:extLst>
+              <a:ext uri="{96DAC541-7B7A-43D3-8B79-37D633B846F1}">
+                <asvg:svgBlip xmlns:asvg="http://schemas.microsoft.com/office/drawing/2016/SVG/main" r:embed="rId9"/>
+              </a:ext>
+            </a:extLst>
+          </a:blip>
+          <a:stretch>
+            <a:fillRect/>
+          </a:stretch>
+        </p:blipFill>
+        <p:spPr>
+          <a:xfrm>
+            <a:off x="6076438" y="4541586"/>
+            <a:ext cx="914400" cy="914400"/>
+          </a:xfrm>
+          <a:prstGeom prst="rect">
+            <a:avLst/>
+          </a:prstGeom>
+        </p:spPr>
+      </p:pic>
+      <p:sp>
+        <p:nvSpPr>
+          <p:cNvPr id="19" name="TextBox 18">
+            <a:extLst>
+              <a:ext uri="{FF2B5EF4-FFF2-40B4-BE49-F238E27FC236}">
+                <a16:creationId xmlns:a16="http://schemas.microsoft.com/office/drawing/2014/main" id="{F0095962-AF3B-404C-843A-35F7EE639997}"/>
+              </a:ext>
+            </a:extLst>
+          </p:cNvPr>
+          <p:cNvSpPr txBox="1"/>
+          <p:nvPr/>
+        </p:nvSpPr>
+        <p:spPr>
+          <a:xfrm>
+            <a:off x="4788609" y="5566420"/>
+            <a:ext cx="3490058" cy="461665"/>
+          </a:xfrm>
+          <a:prstGeom prst="rect">
             <a:avLst/>
           </a:prstGeom>
           <a:noFill/>
-          <a:ln w="28575">
-            <a:solidFill>
-              <a:schemeClr val="accent6">
-                <a:lumMod val="50000"/>
-              </a:schemeClr>
-            </a:solidFill>
-          </a:ln>
-        </p:spPr>
-        <p:style>
-          <a:lnRef idx="2">
-            <a:schemeClr val="accent1">
-              <a:shade val="50000"/>
-            </a:schemeClr>
-          </a:lnRef>
-          <a:fillRef idx="1">
-            <a:schemeClr val="accent1"/>
-          </a:fillRef>
-          <a:effectRef idx="0">
-            <a:schemeClr val="accent1"/>
-          </a:effectRef>
-          <a:fontRef idx="minor">
-            <a:schemeClr val="lt1"/>
-          </a:fontRef>
-        </p:style>
-        <p:txBody>
-          <a:bodyPr rtlCol="0" anchor="ctr"/>
-          <a:lstStyle/>
-          <a:p>
-            <a:pPr algn="ctr"/>
-            <a:endParaRPr lang="en-US" dirty="0"/>
+        </p:spPr>
+        <p:txBody>
+          <a:bodyPr wrap="none" rtlCol="0">
+            <a:spAutoFit/>
+          </a:bodyPr>
+          <a:lstStyle/>
+          <a:p>
+            <a:r>
+              <a:rPr lang="en-US" sz="2400" dirty="0">
+                <a:latin typeface="Bradley Hand" pitchFamily="2" charset="77"/>
+              </a:rPr>
+              <a:t>Logic</a:t>
+            </a:r>
+            <a:r>
+              <a:rPr lang="zh-CN" altLang="en-US" sz="2400" dirty="0">
+                <a:latin typeface="Bradley Hand" pitchFamily="2" charset="77"/>
+              </a:rPr>
+              <a:t> </a:t>
+            </a:r>
+            <a:r>
+              <a:rPr lang="en-US" altLang="zh-CN" sz="2400" dirty="0">
+                <a:latin typeface="Bradley Hand" pitchFamily="2" charset="77"/>
+              </a:rPr>
+              <a:t>calculator, B ⊆ S </a:t>
+            </a:r>
+            <a:r>
+              <a:rPr lang="zh-CN" altLang="en-US" sz="2400" dirty="0">
+                <a:latin typeface="Bradley Hand" pitchFamily="2" charset="77"/>
+              </a:rPr>
+              <a:t> </a:t>
+            </a:r>
+            <a:endParaRPr lang="en-US" sz="2400" dirty="0">
+              <a:latin typeface="Bradley Hand" pitchFamily="2" charset="77"/>
+            </a:endParaRPr>
           </a:p>
         </p:txBody>
       </p:sp>
       <p:cxnSp>
         <p:nvCxnSpPr>
-          <p:cNvPr id="6" name="Straight Arrow Connector 5">
-            <a:extLst>
-              <a:ext uri="{FF2B5EF4-FFF2-40B4-BE49-F238E27FC236}">
-                <a16:creationId xmlns:a16="http://schemas.microsoft.com/office/drawing/2014/main" id="{ACDBC116-1D40-E842-99B5-22B97D081A36}"/>
+          <p:cNvPr id="21" name="Straight Arrow Connector 20">
+            <a:extLst>
+              <a:ext uri="{FF2B5EF4-FFF2-40B4-BE49-F238E27FC236}">
+                <a16:creationId xmlns:a16="http://schemas.microsoft.com/office/drawing/2014/main" id="{9A7100A3-79C1-B145-9688-60E4E261F7D8}"/>
               </a:ext>
             </a:extLst>
           </p:cNvPr>
           <p:cNvCxnSpPr>
-            <a:endCxn id="3" idx="2"/>
+            <a:stCxn id="6" idx="2"/>
+            <a:endCxn id="10" idx="0"/>
           </p:cNvCxnSpPr>
           <p:nvPr/>
         </p:nvCxnSpPr>
         <p:spPr>
           <a:xfrm>
-            <a:off x="6096000" y="5719967"/>
-            <a:ext cx="0" cy="351896"/>
+            <a:off x="2309800" y="3481160"/>
+            <a:ext cx="0" cy="1060426"/>
           </a:xfrm>
           <a:prstGeom prst="straightConnector1">
             <a:avLst/>
           </a:prstGeom>
-          <a:ln w="28575">
+          <a:ln w="34925">
             <a:solidFill>
-              <a:schemeClr val="accent6">
-                <a:lumMod val="50000"/>
-              </a:schemeClr>
+              <a:srgbClr val="C00000"/>
             </a:solidFill>
             <a:tailEnd type="triangle"/>
           </a:ln>
@@ -5328,12 +9613,106 @@
           </a:fontRef>
         </p:style>
       </p:cxnSp>
-      <p:sp>
-        <p:nvSpPr>
-          <p:cNvPr id="7" name="TextBox 6">
-            <a:extLst>
-              <a:ext uri="{FF2B5EF4-FFF2-40B4-BE49-F238E27FC236}">
-                <a16:creationId xmlns:a16="http://schemas.microsoft.com/office/drawing/2014/main" id="{6F8CFFA1-D685-584F-9D38-9AF294F4241B}"/>
+      <p:cxnSp>
+        <p:nvCxnSpPr>
+          <p:cNvPr id="23" name="Straight Arrow Connector 22">
+            <a:extLst>
+              <a:ext uri="{FF2B5EF4-FFF2-40B4-BE49-F238E27FC236}">
+                <a16:creationId xmlns:a16="http://schemas.microsoft.com/office/drawing/2014/main" id="{7704046F-3BC2-E843-A81C-E074818F34C9}"/>
+              </a:ext>
+            </a:extLst>
+          </p:cNvPr>
+          <p:cNvCxnSpPr>
+            <a:cxnSpLocks/>
+            <a:stCxn id="10" idx="3"/>
+            <a:endCxn id="18" idx="1"/>
+          </p:cNvCxnSpPr>
+          <p:nvPr/>
+        </p:nvCxnSpPr>
+        <p:spPr>
+          <a:xfrm>
+            <a:off x="2767000" y="4998786"/>
+            <a:ext cx="3309438" cy="0"/>
+          </a:xfrm>
+          <a:prstGeom prst="straightConnector1">
+            <a:avLst/>
+          </a:prstGeom>
+          <a:ln w="34925">
+            <a:solidFill>
+              <a:srgbClr val="C00000"/>
+            </a:solidFill>
+            <a:prstDash val="sysDot"/>
+            <a:tailEnd type="triangle"/>
+          </a:ln>
+        </p:spPr>
+        <p:style>
+          <a:lnRef idx="1">
+            <a:schemeClr val="accent1"/>
+          </a:lnRef>
+          <a:fillRef idx="0">
+            <a:schemeClr val="accent1"/>
+          </a:fillRef>
+          <a:effectRef idx="0">
+            <a:schemeClr val="accent1"/>
+          </a:effectRef>
+          <a:fontRef idx="minor">
+            <a:schemeClr val="tx1"/>
+          </a:fontRef>
+        </p:style>
+      </p:cxnSp>
+      <p:cxnSp>
+        <p:nvCxnSpPr>
+          <p:cNvPr id="26" name="Straight Arrow Connector 25">
+            <a:extLst>
+              <a:ext uri="{FF2B5EF4-FFF2-40B4-BE49-F238E27FC236}">
+                <a16:creationId xmlns:a16="http://schemas.microsoft.com/office/drawing/2014/main" id="{7EF8EBCC-1829-1841-A6E0-C8634EDE7E2B}"/>
+              </a:ext>
+            </a:extLst>
+          </p:cNvPr>
+          <p:cNvCxnSpPr>
+            <a:cxnSpLocks/>
+            <a:stCxn id="13" idx="2"/>
+            <a:endCxn id="18" idx="0"/>
+          </p:cNvCxnSpPr>
+          <p:nvPr/>
+        </p:nvCxnSpPr>
+        <p:spPr>
+          <a:xfrm>
+            <a:off x="6533638" y="3466326"/>
+            <a:ext cx="0" cy="1075260"/>
+          </a:xfrm>
+          <a:prstGeom prst="straightConnector1">
+            <a:avLst/>
+          </a:prstGeom>
+          <a:ln w="34925">
+            <a:solidFill>
+              <a:srgbClr val="C00000"/>
+            </a:solidFill>
+            <a:prstDash val="sysDot"/>
+            <a:tailEnd type="triangle"/>
+          </a:ln>
+        </p:spPr>
+        <p:style>
+          <a:lnRef idx="1">
+            <a:schemeClr val="accent1"/>
+          </a:lnRef>
+          <a:fillRef idx="0">
+            <a:schemeClr val="accent1"/>
+          </a:fillRef>
+          <a:effectRef idx="0">
+            <a:schemeClr val="accent1"/>
+          </a:effectRef>
+          <a:fontRef idx="minor">
+            <a:schemeClr val="tx1"/>
+          </a:fontRef>
+        </p:style>
+      </p:cxnSp>
+      <p:sp>
+        <p:nvSpPr>
+          <p:cNvPr id="33" name="TextBox 32">
+            <a:extLst>
+              <a:ext uri="{FF2B5EF4-FFF2-40B4-BE49-F238E27FC236}">
+                <a16:creationId xmlns:a16="http://schemas.microsoft.com/office/drawing/2014/main" id="{CE7D8421-0214-9E48-9454-2BE62EBA6E6F}"/>
               </a:ext>
             </a:extLst>
           </p:cNvPr>
@@ -5342,8 +9721,8 @@
         </p:nvSpPr>
         <p:spPr>
           <a:xfrm>
-            <a:off x="5189307" y="6071863"/>
-            <a:ext cx="1802096" cy="584775"/>
+            <a:off x="2386326" y="3813669"/>
+            <a:ext cx="1489510" cy="461665"/>
           </a:xfrm>
           <a:prstGeom prst="rect">
             <a:avLst/>
@@ -5357,22 +9736,416 @@
           <a:lstStyle/>
           <a:p>
             <a:r>
-              <a:rPr lang="en-US" sz="3200" b="1" dirty="0">
+              <a:rPr lang="en-US" sz="2400" b="1" dirty="0">
                 <a:solidFill>
-                  <a:schemeClr val="accent6">
-                    <a:lumMod val="50000"/>
-                  </a:schemeClr>
+                  <a:srgbClr val="C00000"/>
                 </a:solidFill>
+                <a:latin typeface="Bradley Hand" pitchFamily="2" charset="77"/>
               </a:rPr>
-              <a:t>Hiphop.js</a:t>
-            </a:r>
-          </a:p>
-        </p:txBody>
-      </p:sp>
+              <a:t>Inference </a:t>
+            </a:r>
+          </a:p>
+        </p:txBody>
+      </p:sp>
+      <p:pic>
+        <p:nvPicPr>
+          <p:cNvPr id="35" name="Graphic 34" descr="Angel face outline with solid fill">
+            <a:extLst>
+              <a:ext uri="{FF2B5EF4-FFF2-40B4-BE49-F238E27FC236}">
+                <a16:creationId xmlns:a16="http://schemas.microsoft.com/office/drawing/2014/main" id="{63FF98C2-61A2-9A41-93A1-87E4D091EFC9}"/>
+              </a:ext>
+            </a:extLst>
+          </p:cNvPr>
+          <p:cNvPicPr>
+            <a:picLocks noChangeAspect="1"/>
+          </p:cNvPicPr>
+          <p:nvPr/>
+        </p:nvPicPr>
+        <p:blipFill>
+          <a:blip r:embed="rId10">
+            <a:extLst>
+              <a:ext uri="{96DAC541-7B7A-43D3-8B79-37D633B846F1}">
+                <asvg:svgBlip xmlns:asvg="http://schemas.microsoft.com/office/drawing/2016/SVG/main" r:embed="rId11"/>
+              </a:ext>
+            </a:extLst>
+          </a:blip>
+          <a:stretch>
+            <a:fillRect/>
+          </a:stretch>
+        </p:blipFill>
+        <p:spPr>
+          <a:xfrm>
+            <a:off x="9000613" y="3523476"/>
+            <a:ext cx="914400" cy="914400"/>
+          </a:xfrm>
+          <a:prstGeom prst="rect">
+            <a:avLst/>
+          </a:prstGeom>
+        </p:spPr>
+      </p:pic>
+      <p:pic>
+        <p:nvPicPr>
+          <p:cNvPr id="37" name="Graphic 36" descr="Confused face outline with solid fill">
+            <a:extLst>
+              <a:ext uri="{FF2B5EF4-FFF2-40B4-BE49-F238E27FC236}">
+                <a16:creationId xmlns:a16="http://schemas.microsoft.com/office/drawing/2014/main" id="{540A635E-9765-4949-A888-DB5FABE85B4B}"/>
+              </a:ext>
+            </a:extLst>
+          </p:cNvPr>
+          <p:cNvPicPr>
+            <a:picLocks noChangeAspect="1"/>
+          </p:cNvPicPr>
+          <p:nvPr/>
+        </p:nvPicPr>
+        <p:blipFill>
+          <a:blip r:embed="rId12">
+            <a:extLst>
+              <a:ext uri="{96DAC541-7B7A-43D3-8B79-37D633B846F1}">
+                <asvg:svgBlip xmlns:asvg="http://schemas.microsoft.com/office/drawing/2016/SVG/main" r:embed="rId13"/>
+              </a:ext>
+            </a:extLst>
+          </a:blip>
+          <a:stretch>
+            <a:fillRect/>
+          </a:stretch>
+        </p:blipFill>
+        <p:spPr>
+          <a:xfrm>
+            <a:off x="9000613" y="4541586"/>
+            <a:ext cx="914400" cy="914400"/>
+          </a:xfrm>
+          <a:prstGeom prst="rect">
+            <a:avLst/>
+          </a:prstGeom>
+        </p:spPr>
+      </p:pic>
+      <p:pic>
+        <p:nvPicPr>
+          <p:cNvPr id="39" name="Graphic 38" descr="Loudly crying face outline with solid fill">
+            <a:extLst>
+              <a:ext uri="{FF2B5EF4-FFF2-40B4-BE49-F238E27FC236}">
+                <a16:creationId xmlns:a16="http://schemas.microsoft.com/office/drawing/2014/main" id="{D2CB5BF4-145C-3945-9018-2DEC2B1F5825}"/>
+              </a:ext>
+            </a:extLst>
+          </p:cNvPr>
+          <p:cNvPicPr>
+            <a:picLocks noChangeAspect="1"/>
+          </p:cNvPicPr>
+          <p:nvPr/>
+        </p:nvPicPr>
+        <p:blipFill>
+          <a:blip r:embed="rId14">
+            <a:extLst>
+              <a:ext uri="{96DAC541-7B7A-43D3-8B79-37D633B846F1}">
+                <asvg:svgBlip xmlns:asvg="http://schemas.microsoft.com/office/drawing/2016/SVG/main" r:embed="rId15"/>
+              </a:ext>
+            </a:extLst>
+          </a:blip>
+          <a:stretch>
+            <a:fillRect/>
+          </a:stretch>
+        </p:blipFill>
+        <p:spPr>
+          <a:xfrm>
+            <a:off x="9000613" y="5559696"/>
+            <a:ext cx="914400" cy="914400"/>
+          </a:xfrm>
+          <a:prstGeom prst="rect">
+            <a:avLst/>
+          </a:prstGeom>
+        </p:spPr>
+      </p:pic>
+      <p:cxnSp>
+        <p:nvCxnSpPr>
+          <p:cNvPr id="40" name="Straight Arrow Connector 39">
+            <a:extLst>
+              <a:ext uri="{FF2B5EF4-FFF2-40B4-BE49-F238E27FC236}">
+                <a16:creationId xmlns:a16="http://schemas.microsoft.com/office/drawing/2014/main" id="{D1A52D9F-18FB-E245-81E7-567410F2E71B}"/>
+              </a:ext>
+            </a:extLst>
+          </p:cNvPr>
+          <p:cNvCxnSpPr>
+            <a:cxnSpLocks/>
+            <a:stCxn id="18" idx="3"/>
+            <a:endCxn id="35" idx="1"/>
+          </p:cNvCxnSpPr>
+          <p:nvPr/>
+        </p:nvCxnSpPr>
+        <p:spPr>
+          <a:xfrm flipV="1">
+            <a:off x="6990838" y="3980676"/>
+            <a:ext cx="2009775" cy="1018110"/>
+          </a:xfrm>
+          <a:prstGeom prst="straightConnector1">
+            <a:avLst/>
+          </a:prstGeom>
+          <a:ln w="34925">
+            <a:solidFill>
+              <a:schemeClr val="accent6">
+                <a:lumMod val="75000"/>
+              </a:schemeClr>
+            </a:solidFill>
+            <a:prstDash val="solid"/>
+            <a:tailEnd type="triangle"/>
+          </a:ln>
+        </p:spPr>
+        <p:style>
+          <a:lnRef idx="1">
+            <a:schemeClr val="accent1"/>
+          </a:lnRef>
+          <a:fillRef idx="0">
+            <a:schemeClr val="accent1"/>
+          </a:fillRef>
+          <a:effectRef idx="0">
+            <a:schemeClr val="accent1"/>
+          </a:effectRef>
+          <a:fontRef idx="minor">
+            <a:schemeClr val="tx1"/>
+          </a:fontRef>
+        </p:style>
+      </p:cxnSp>
+      <p:cxnSp>
+        <p:nvCxnSpPr>
+          <p:cNvPr id="43" name="Straight Arrow Connector 42">
+            <a:extLst>
+              <a:ext uri="{FF2B5EF4-FFF2-40B4-BE49-F238E27FC236}">
+                <a16:creationId xmlns:a16="http://schemas.microsoft.com/office/drawing/2014/main" id="{FC9E21E6-C3CB-004F-8CB7-2EF10E0419EA}"/>
+              </a:ext>
+            </a:extLst>
+          </p:cNvPr>
+          <p:cNvCxnSpPr>
+            <a:cxnSpLocks/>
+            <a:stCxn id="18" idx="3"/>
+            <a:endCxn id="37" idx="1"/>
+          </p:cNvCxnSpPr>
+          <p:nvPr/>
+        </p:nvCxnSpPr>
+        <p:spPr>
+          <a:xfrm>
+            <a:off x="6990838" y="4998786"/>
+            <a:ext cx="2009775" cy="0"/>
+          </a:xfrm>
+          <a:prstGeom prst="straightConnector1">
+            <a:avLst/>
+          </a:prstGeom>
+          <a:ln w="34925">
+            <a:solidFill>
+              <a:schemeClr val="accent6">
+                <a:lumMod val="75000"/>
+              </a:schemeClr>
+            </a:solidFill>
+            <a:prstDash val="solid"/>
+            <a:tailEnd type="triangle"/>
+          </a:ln>
+        </p:spPr>
+        <p:style>
+          <a:lnRef idx="1">
+            <a:schemeClr val="accent1"/>
+          </a:lnRef>
+          <a:fillRef idx="0">
+            <a:schemeClr val="accent1"/>
+          </a:fillRef>
+          <a:effectRef idx="0">
+            <a:schemeClr val="accent1"/>
+          </a:effectRef>
+          <a:fontRef idx="minor">
+            <a:schemeClr val="tx1"/>
+          </a:fontRef>
+        </p:style>
+      </p:cxnSp>
+      <p:cxnSp>
+        <p:nvCxnSpPr>
+          <p:cNvPr id="44" name="Straight Arrow Connector 43">
+            <a:extLst>
+              <a:ext uri="{FF2B5EF4-FFF2-40B4-BE49-F238E27FC236}">
+                <a16:creationId xmlns:a16="http://schemas.microsoft.com/office/drawing/2014/main" id="{E69854B0-6082-3B4A-8DF1-0768AFB0E64C}"/>
+              </a:ext>
+            </a:extLst>
+          </p:cNvPr>
+          <p:cNvCxnSpPr>
+            <a:cxnSpLocks/>
+            <a:stCxn id="18" idx="3"/>
+            <a:endCxn id="39" idx="1"/>
+          </p:cNvCxnSpPr>
+          <p:nvPr/>
+        </p:nvCxnSpPr>
+        <p:spPr>
+          <a:xfrm>
+            <a:off x="6990838" y="4998786"/>
+            <a:ext cx="2009775" cy="1018110"/>
+          </a:xfrm>
+          <a:prstGeom prst="straightConnector1">
+            <a:avLst/>
+          </a:prstGeom>
+          <a:ln w="34925">
+            <a:solidFill>
+              <a:schemeClr val="accent6">
+                <a:lumMod val="75000"/>
+              </a:schemeClr>
+            </a:solidFill>
+            <a:prstDash val="solid"/>
+            <a:tailEnd type="triangle"/>
+          </a:ln>
+        </p:spPr>
+        <p:style>
+          <a:lnRef idx="1">
+            <a:schemeClr val="accent1"/>
+          </a:lnRef>
+          <a:fillRef idx="0">
+            <a:schemeClr val="accent1"/>
+          </a:fillRef>
+          <a:effectRef idx="0">
+            <a:schemeClr val="accent1"/>
+          </a:effectRef>
+          <a:fontRef idx="minor">
+            <a:schemeClr val="tx1"/>
+          </a:fontRef>
+        </p:style>
+      </p:cxnSp>
+      <p:sp>
+        <p:nvSpPr>
+          <p:cNvPr id="49" name="TextBox 48">
+            <a:extLst>
+              <a:ext uri="{FF2B5EF4-FFF2-40B4-BE49-F238E27FC236}">
+                <a16:creationId xmlns:a16="http://schemas.microsoft.com/office/drawing/2014/main" id="{74C1711A-8D31-8849-BAF9-A7D63E2F9227}"/>
+              </a:ext>
+            </a:extLst>
+          </p:cNvPr>
+          <p:cNvSpPr txBox="1"/>
+          <p:nvPr/>
+        </p:nvSpPr>
+        <p:spPr>
+          <a:xfrm>
+            <a:off x="9997062" y="3813669"/>
+            <a:ext cx="800219" cy="461665"/>
+          </a:xfrm>
+          <a:prstGeom prst="rect">
+            <a:avLst/>
+          </a:prstGeom>
+          <a:noFill/>
+        </p:spPr>
+        <p:txBody>
+          <a:bodyPr wrap="none" rtlCol="0">
+            <a:spAutoFit/>
+          </a:bodyPr>
+          <a:lstStyle/>
+          <a:p>
+            <a:r>
+              <a:rPr lang="en-US" sz="2400" dirty="0">
+                <a:latin typeface="Bradley Hand" pitchFamily="2" charset="77"/>
+              </a:rPr>
+              <a:t>True</a:t>
+            </a:r>
+          </a:p>
+        </p:txBody>
+      </p:sp>
+      <p:sp>
+        <p:nvSpPr>
+          <p:cNvPr id="50" name="TextBox 49">
+            <a:extLst>
+              <a:ext uri="{FF2B5EF4-FFF2-40B4-BE49-F238E27FC236}">
+                <a16:creationId xmlns:a16="http://schemas.microsoft.com/office/drawing/2014/main" id="{8113DB40-F93B-8D49-AFE1-58709420B448}"/>
+              </a:ext>
+            </a:extLst>
+          </p:cNvPr>
+          <p:cNvSpPr txBox="1"/>
+          <p:nvPr/>
+        </p:nvSpPr>
+        <p:spPr>
+          <a:xfrm>
+            <a:off x="9997062" y="4767953"/>
+            <a:ext cx="1564852" cy="461665"/>
+          </a:xfrm>
+          <a:prstGeom prst="rect">
+            <a:avLst/>
+          </a:prstGeom>
+          <a:noFill/>
+        </p:spPr>
+        <p:txBody>
+          <a:bodyPr wrap="none" rtlCol="0">
+            <a:spAutoFit/>
+          </a:bodyPr>
+          <a:lstStyle/>
+          <a:p>
+            <a:r>
+              <a:rPr lang="en-US" sz="2400" dirty="0">
+                <a:latin typeface="Bradley Hand" pitchFamily="2" charset="77"/>
+              </a:rPr>
+              <a:t>Unknown</a:t>
+            </a:r>
+          </a:p>
+        </p:txBody>
+      </p:sp>
+      <p:sp>
+        <p:nvSpPr>
+          <p:cNvPr id="51" name="TextBox 50">
+            <a:extLst>
+              <a:ext uri="{FF2B5EF4-FFF2-40B4-BE49-F238E27FC236}">
+                <a16:creationId xmlns:a16="http://schemas.microsoft.com/office/drawing/2014/main" id="{A1B17205-E409-454E-90B1-1FEAC5AAAF6C}"/>
+              </a:ext>
+            </a:extLst>
+          </p:cNvPr>
+          <p:cNvSpPr txBox="1"/>
+          <p:nvPr/>
+        </p:nvSpPr>
+        <p:spPr>
+          <a:xfrm>
+            <a:off x="9997062" y="5862559"/>
+            <a:ext cx="872355" cy="461665"/>
+          </a:xfrm>
+          <a:prstGeom prst="rect">
+            <a:avLst/>
+          </a:prstGeom>
+          <a:noFill/>
+        </p:spPr>
+        <p:txBody>
+          <a:bodyPr wrap="none" rtlCol="0">
+            <a:spAutoFit/>
+          </a:bodyPr>
+          <a:lstStyle/>
+          <a:p>
+            <a:r>
+              <a:rPr lang="en-US" sz="2400" dirty="0">
+                <a:latin typeface="Bradley Hand" pitchFamily="2" charset="77"/>
+              </a:rPr>
+              <a:t>False</a:t>
+            </a:r>
+          </a:p>
+        </p:txBody>
+      </p:sp>
+      <p:pic>
+        <p:nvPicPr>
+          <p:cNvPr id="25" name="Picture 24">
+            <a:extLst>
+              <a:ext uri="{FF2B5EF4-FFF2-40B4-BE49-F238E27FC236}">
+                <a16:creationId xmlns:a16="http://schemas.microsoft.com/office/drawing/2014/main" id="{612FD671-F935-A842-9AA9-CEF4FFE6F0B3}"/>
+              </a:ext>
+            </a:extLst>
+          </p:cNvPr>
+          <p:cNvPicPr>
+            <a:picLocks noChangeAspect="1"/>
+          </p:cNvPicPr>
+          <p:nvPr/>
+        </p:nvPicPr>
+        <p:blipFill>
+          <a:blip r:embed="rId16"/>
+          <a:srcRect/>
+          <a:stretch/>
+        </p:blipFill>
+        <p:spPr>
+          <a:xfrm>
+            <a:off x="10503787" y="184457"/>
+            <a:ext cx="1524000" cy="1524000"/>
+          </a:xfrm>
+          <a:prstGeom prst="rect">
+            <a:avLst/>
+          </a:prstGeom>
+        </p:spPr>
+      </p:pic>
     </p:spTree>
     <p:extLst>
       <p:ext uri="{BB962C8B-B14F-4D97-AF65-F5344CB8AC3E}">
-        <p14:creationId xmlns:p14="http://schemas.microsoft.com/office/powerpoint/2010/main" val="2158888308"/>
+        <p14:creationId xmlns:p14="http://schemas.microsoft.com/office/powerpoint/2010/main" val="1461884933"/>
       </p:ext>
     </p:extLst>
   </p:cSld>
@@ -5404,7 +10177,7 @@
           <p:cNvPr id="2" name="Title 1">
             <a:extLst>
               <a:ext uri="{FF2B5EF4-FFF2-40B4-BE49-F238E27FC236}">
-                <a16:creationId xmlns:a16="http://schemas.microsoft.com/office/drawing/2014/main" id="{86B0B286-3DA1-BF4E-9795-91F16F81C092}"/>
+                <a16:creationId xmlns:a16="http://schemas.microsoft.com/office/drawing/2014/main" id="{C6B24E83-81A2-BF4B-A3C7-A8BB8214FC44}"/>
               </a:ext>
             </a:extLst>
           </p:cNvPr>
@@ -5421,8 +10194,2661 @@
           <a:lstStyle/>
           <a:p>
             <a:r>
-              <a:rPr lang="en-SG" b="1" dirty="0" err="1"/>
-              <a:t>Esterel</a:t>
+              <a:rPr lang="en-US" b="1" dirty="0">
+                <a:solidFill>
+                  <a:schemeClr val="accent1"/>
+                </a:solidFill>
+              </a:rPr>
+              <a:t>Automated</a:t>
+            </a:r>
+            <a:r>
+              <a:rPr lang="en-US" b="1" dirty="0"/>
+              <a:t> Verification Overview</a:t>
+            </a:r>
+          </a:p>
+        </p:txBody>
+      </p:sp>
+      <p:pic>
+        <p:nvPicPr>
+          <p:cNvPr id="5" name="Graphic 4" descr="Document with solid fill">
+            <a:extLst>
+              <a:ext uri="{FF2B5EF4-FFF2-40B4-BE49-F238E27FC236}">
+                <a16:creationId xmlns:a16="http://schemas.microsoft.com/office/drawing/2014/main" id="{6C34A8D2-F0AE-3D4F-BD04-4AC1CCD0F20E}"/>
+              </a:ext>
+            </a:extLst>
+          </p:cNvPr>
+          <p:cNvPicPr>
+            <a:picLocks noChangeAspect="1"/>
+          </p:cNvPicPr>
+          <p:nvPr/>
+        </p:nvPicPr>
+        <p:blipFill>
+          <a:blip r:embed="rId2">
+            <a:extLst>
+              <a:ext uri="{96DAC541-7B7A-43D3-8B79-37D633B846F1}">
+                <asvg:svgBlip xmlns:asvg="http://schemas.microsoft.com/office/drawing/2016/SVG/main" r:embed="rId3"/>
+              </a:ext>
+            </a:extLst>
+          </a:blip>
+          <a:stretch>
+            <a:fillRect/>
+          </a:stretch>
+        </p:blipFill>
+        <p:spPr>
+          <a:xfrm>
+            <a:off x="1852600" y="2000250"/>
+            <a:ext cx="914400" cy="914400"/>
+          </a:xfrm>
+          <a:prstGeom prst="rect">
+            <a:avLst/>
+          </a:prstGeom>
+        </p:spPr>
+      </p:pic>
+      <p:sp>
+        <p:nvSpPr>
+          <p:cNvPr id="6" name="TextBox 5">
+            <a:extLst>
+              <a:ext uri="{FF2B5EF4-FFF2-40B4-BE49-F238E27FC236}">
+                <a16:creationId xmlns:a16="http://schemas.microsoft.com/office/drawing/2014/main" id="{1A63F5E3-9391-F340-8461-95ABFDC75351}"/>
+              </a:ext>
+            </a:extLst>
+          </p:cNvPr>
+          <p:cNvSpPr txBox="1"/>
+          <p:nvPr/>
+        </p:nvSpPr>
+        <p:spPr>
+          <a:xfrm>
+            <a:off x="1233223" y="3019495"/>
+            <a:ext cx="2153154" cy="461665"/>
+          </a:xfrm>
+          <a:prstGeom prst="rect">
+            <a:avLst/>
+          </a:prstGeom>
+          <a:noFill/>
+        </p:spPr>
+        <p:txBody>
+          <a:bodyPr wrap="none" rtlCol="0">
+            <a:spAutoFit/>
+          </a:bodyPr>
+          <a:lstStyle/>
+          <a:p>
+            <a:r>
+              <a:rPr lang="en-US" sz="2400" dirty="0">
+                <a:latin typeface="Bradley Hand" pitchFamily="2" charset="77"/>
+              </a:rPr>
+              <a:t>Source code, </a:t>
+            </a:r>
+            <a:r>
+              <a:rPr lang="en-US" sz="2400" b="1" dirty="0">
+                <a:latin typeface="Bradley Hand" pitchFamily="2" charset="77"/>
+              </a:rPr>
+              <a:t>P</a:t>
+            </a:r>
+            <a:r>
+              <a:rPr lang="en-US" sz="2400" dirty="0">
+                <a:latin typeface="Bradley Hand" pitchFamily="2" charset="77"/>
+              </a:rPr>
+              <a:t> </a:t>
+            </a:r>
+          </a:p>
+        </p:txBody>
+      </p:sp>
+      <p:pic>
+        <p:nvPicPr>
+          <p:cNvPr id="10" name="Graphic 9" descr="Circles with arrows outline">
+            <a:extLst>
+              <a:ext uri="{FF2B5EF4-FFF2-40B4-BE49-F238E27FC236}">
+                <a16:creationId xmlns:a16="http://schemas.microsoft.com/office/drawing/2014/main" id="{B67E20A1-5951-9D42-85AA-2DF8720681E4}"/>
+              </a:ext>
+            </a:extLst>
+          </p:cNvPr>
+          <p:cNvPicPr>
+            <a:picLocks noChangeAspect="1"/>
+          </p:cNvPicPr>
+          <p:nvPr/>
+        </p:nvPicPr>
+        <p:blipFill>
+          <a:blip r:embed="rId4">
+            <a:extLst>
+              <a:ext uri="{96DAC541-7B7A-43D3-8B79-37D633B846F1}">
+                <asvg:svgBlip xmlns:asvg="http://schemas.microsoft.com/office/drawing/2016/SVG/main" r:embed="rId5"/>
+              </a:ext>
+            </a:extLst>
+          </a:blip>
+          <a:stretch>
+            <a:fillRect/>
+          </a:stretch>
+        </p:blipFill>
+        <p:spPr>
+          <a:xfrm>
+            <a:off x="1852600" y="4541586"/>
+            <a:ext cx="914400" cy="914400"/>
+          </a:xfrm>
+          <a:prstGeom prst="rect">
+            <a:avLst/>
+          </a:prstGeom>
+        </p:spPr>
+      </p:pic>
+      <p:sp>
+        <p:nvSpPr>
+          <p:cNvPr id="13" name="TextBox 12">
+            <a:extLst>
+              <a:ext uri="{FF2B5EF4-FFF2-40B4-BE49-F238E27FC236}">
+                <a16:creationId xmlns:a16="http://schemas.microsoft.com/office/drawing/2014/main" id="{7F834E0F-4F2C-544E-8502-22CD6311BA8F}"/>
+              </a:ext>
+            </a:extLst>
+          </p:cNvPr>
+          <p:cNvSpPr txBox="1"/>
+          <p:nvPr/>
+        </p:nvSpPr>
+        <p:spPr>
+          <a:xfrm>
+            <a:off x="5351263" y="3004661"/>
+            <a:ext cx="2364750" cy="461665"/>
+          </a:xfrm>
+          <a:prstGeom prst="rect">
+            <a:avLst/>
+          </a:prstGeom>
+          <a:noFill/>
+        </p:spPr>
+        <p:txBody>
+          <a:bodyPr wrap="none" rtlCol="0">
+            <a:spAutoFit/>
+          </a:bodyPr>
+          <a:lstStyle/>
+          <a:p>
+            <a:r>
+              <a:rPr lang="en-US" sz="2400" dirty="0">
+                <a:latin typeface="Bradley Hand" pitchFamily="2" charset="77"/>
+              </a:rPr>
+              <a:t>Specification, S</a:t>
+            </a:r>
+          </a:p>
+        </p:txBody>
+      </p:sp>
+      <p:pic>
+        <p:nvPicPr>
+          <p:cNvPr id="15" name="Graphic 14" descr="Circles with arrows with solid fill">
+            <a:extLst>
+              <a:ext uri="{FF2B5EF4-FFF2-40B4-BE49-F238E27FC236}">
+                <a16:creationId xmlns:a16="http://schemas.microsoft.com/office/drawing/2014/main" id="{308BCAC2-9396-2343-9AA2-A99B3BCC5777}"/>
+              </a:ext>
+            </a:extLst>
+          </p:cNvPr>
+          <p:cNvPicPr>
+            <a:picLocks noChangeAspect="1"/>
+          </p:cNvPicPr>
+          <p:nvPr/>
+        </p:nvPicPr>
+        <p:blipFill>
+          <a:blip r:embed="rId6">
+            <a:extLst>
+              <a:ext uri="{96DAC541-7B7A-43D3-8B79-37D633B846F1}">
+                <asvg:svgBlip xmlns:asvg="http://schemas.microsoft.com/office/drawing/2016/SVG/main" r:embed="rId7"/>
+              </a:ext>
+            </a:extLst>
+          </a:blip>
+          <a:stretch>
+            <a:fillRect/>
+          </a:stretch>
+        </p:blipFill>
+        <p:spPr>
+          <a:xfrm>
+            <a:off x="5981521" y="2000250"/>
+            <a:ext cx="914400" cy="914400"/>
+          </a:xfrm>
+          <a:prstGeom prst="rect">
+            <a:avLst/>
+          </a:prstGeom>
+        </p:spPr>
+      </p:pic>
+      <p:sp>
+        <p:nvSpPr>
+          <p:cNvPr id="16" name="TextBox 15">
+            <a:extLst>
+              <a:ext uri="{FF2B5EF4-FFF2-40B4-BE49-F238E27FC236}">
+                <a16:creationId xmlns:a16="http://schemas.microsoft.com/office/drawing/2014/main" id="{5BA293D7-8327-2540-9EEC-44D6F3C1A581}"/>
+              </a:ext>
+            </a:extLst>
+          </p:cNvPr>
+          <p:cNvSpPr txBox="1"/>
+          <p:nvPr/>
+        </p:nvSpPr>
+        <p:spPr>
+          <a:xfrm>
+            <a:off x="1042371" y="5562129"/>
+            <a:ext cx="2783134" cy="461665"/>
+          </a:xfrm>
+          <a:prstGeom prst="rect">
+            <a:avLst/>
+          </a:prstGeom>
+          <a:noFill/>
+        </p:spPr>
+        <p:txBody>
+          <a:bodyPr wrap="none" rtlCol="0">
+            <a:spAutoFit/>
+          </a:bodyPr>
+          <a:lstStyle/>
+          <a:p>
+            <a:r>
+              <a:rPr lang="en-US" sz="2400" dirty="0">
+                <a:latin typeface="Bradley Hand" pitchFamily="2" charset="77"/>
+              </a:rPr>
+              <a:t>Actual behaviors, B</a:t>
+            </a:r>
+          </a:p>
+        </p:txBody>
+      </p:sp>
+      <p:pic>
+        <p:nvPicPr>
+          <p:cNvPr id="18" name="Graphic 17" descr="Abacus with solid fill">
+            <a:extLst>
+              <a:ext uri="{FF2B5EF4-FFF2-40B4-BE49-F238E27FC236}">
+                <a16:creationId xmlns:a16="http://schemas.microsoft.com/office/drawing/2014/main" id="{DA26556F-87DE-544B-A84B-225C0313F89F}"/>
+              </a:ext>
+            </a:extLst>
+          </p:cNvPr>
+          <p:cNvPicPr>
+            <a:picLocks noChangeAspect="1"/>
+          </p:cNvPicPr>
+          <p:nvPr/>
+        </p:nvPicPr>
+        <p:blipFill>
+          <a:blip r:embed="rId8">
+            <a:extLst>
+              <a:ext uri="{96DAC541-7B7A-43D3-8B79-37D633B846F1}">
+                <asvg:svgBlip xmlns:asvg="http://schemas.microsoft.com/office/drawing/2016/SVG/main" r:embed="rId9"/>
+              </a:ext>
+            </a:extLst>
+          </a:blip>
+          <a:stretch>
+            <a:fillRect/>
+          </a:stretch>
+        </p:blipFill>
+        <p:spPr>
+          <a:xfrm>
+            <a:off x="6076438" y="4541586"/>
+            <a:ext cx="914400" cy="914400"/>
+          </a:xfrm>
+          <a:prstGeom prst="rect">
+            <a:avLst/>
+          </a:prstGeom>
+        </p:spPr>
+      </p:pic>
+      <p:sp>
+        <p:nvSpPr>
+          <p:cNvPr id="19" name="TextBox 18">
+            <a:extLst>
+              <a:ext uri="{FF2B5EF4-FFF2-40B4-BE49-F238E27FC236}">
+                <a16:creationId xmlns:a16="http://schemas.microsoft.com/office/drawing/2014/main" id="{F0095962-AF3B-404C-843A-35F7EE639997}"/>
+              </a:ext>
+            </a:extLst>
+          </p:cNvPr>
+          <p:cNvSpPr txBox="1"/>
+          <p:nvPr/>
+        </p:nvSpPr>
+        <p:spPr>
+          <a:xfrm>
+            <a:off x="4788609" y="5566420"/>
+            <a:ext cx="3490058" cy="461665"/>
+          </a:xfrm>
+          <a:prstGeom prst="rect">
+            <a:avLst/>
+          </a:prstGeom>
+          <a:noFill/>
+        </p:spPr>
+        <p:txBody>
+          <a:bodyPr wrap="none" rtlCol="0">
+            <a:spAutoFit/>
+          </a:bodyPr>
+          <a:lstStyle/>
+          <a:p>
+            <a:r>
+              <a:rPr lang="en-US" sz="2400" dirty="0">
+                <a:latin typeface="Bradley Hand" pitchFamily="2" charset="77"/>
+              </a:rPr>
+              <a:t>Logic</a:t>
+            </a:r>
+            <a:r>
+              <a:rPr lang="zh-CN" altLang="en-US" sz="2400" dirty="0">
+                <a:latin typeface="Bradley Hand" pitchFamily="2" charset="77"/>
+              </a:rPr>
+              <a:t> </a:t>
+            </a:r>
+            <a:r>
+              <a:rPr lang="en-US" altLang="zh-CN" sz="2400" dirty="0">
+                <a:latin typeface="Bradley Hand" pitchFamily="2" charset="77"/>
+              </a:rPr>
+              <a:t>calculator, B ⊆ S </a:t>
+            </a:r>
+            <a:r>
+              <a:rPr lang="zh-CN" altLang="en-US" sz="2400" dirty="0">
+                <a:latin typeface="Bradley Hand" pitchFamily="2" charset="77"/>
+              </a:rPr>
+              <a:t> </a:t>
+            </a:r>
+            <a:endParaRPr lang="en-US" sz="2400" dirty="0">
+              <a:latin typeface="Bradley Hand" pitchFamily="2" charset="77"/>
+            </a:endParaRPr>
+          </a:p>
+        </p:txBody>
+      </p:sp>
+      <p:cxnSp>
+        <p:nvCxnSpPr>
+          <p:cNvPr id="21" name="Straight Arrow Connector 20">
+            <a:extLst>
+              <a:ext uri="{FF2B5EF4-FFF2-40B4-BE49-F238E27FC236}">
+                <a16:creationId xmlns:a16="http://schemas.microsoft.com/office/drawing/2014/main" id="{9A7100A3-79C1-B145-9688-60E4E261F7D8}"/>
+              </a:ext>
+            </a:extLst>
+          </p:cNvPr>
+          <p:cNvCxnSpPr>
+            <a:stCxn id="6" idx="2"/>
+            <a:endCxn id="10" idx="0"/>
+          </p:cNvCxnSpPr>
+          <p:nvPr/>
+        </p:nvCxnSpPr>
+        <p:spPr>
+          <a:xfrm>
+            <a:off x="2309800" y="3481160"/>
+            <a:ext cx="0" cy="1060426"/>
+          </a:xfrm>
+          <a:prstGeom prst="straightConnector1">
+            <a:avLst/>
+          </a:prstGeom>
+          <a:ln w="34925">
+            <a:solidFill>
+              <a:srgbClr val="C00000"/>
+            </a:solidFill>
+            <a:tailEnd type="triangle"/>
+          </a:ln>
+        </p:spPr>
+        <p:style>
+          <a:lnRef idx="1">
+            <a:schemeClr val="accent1"/>
+          </a:lnRef>
+          <a:fillRef idx="0">
+            <a:schemeClr val="accent1"/>
+          </a:fillRef>
+          <a:effectRef idx="0">
+            <a:schemeClr val="accent1"/>
+          </a:effectRef>
+          <a:fontRef idx="minor">
+            <a:schemeClr val="tx1"/>
+          </a:fontRef>
+        </p:style>
+      </p:cxnSp>
+      <p:cxnSp>
+        <p:nvCxnSpPr>
+          <p:cNvPr id="23" name="Straight Arrow Connector 22">
+            <a:extLst>
+              <a:ext uri="{FF2B5EF4-FFF2-40B4-BE49-F238E27FC236}">
+                <a16:creationId xmlns:a16="http://schemas.microsoft.com/office/drawing/2014/main" id="{7704046F-3BC2-E843-A81C-E074818F34C9}"/>
+              </a:ext>
+            </a:extLst>
+          </p:cNvPr>
+          <p:cNvCxnSpPr>
+            <a:cxnSpLocks/>
+            <a:stCxn id="10" idx="3"/>
+            <a:endCxn id="18" idx="1"/>
+          </p:cNvCxnSpPr>
+          <p:nvPr/>
+        </p:nvCxnSpPr>
+        <p:spPr>
+          <a:xfrm>
+            <a:off x="2767000" y="4998786"/>
+            <a:ext cx="3309438" cy="0"/>
+          </a:xfrm>
+          <a:prstGeom prst="straightConnector1">
+            <a:avLst/>
+          </a:prstGeom>
+          <a:ln w="34925">
+            <a:solidFill>
+              <a:srgbClr val="C00000"/>
+            </a:solidFill>
+            <a:prstDash val="sysDot"/>
+            <a:tailEnd type="triangle"/>
+          </a:ln>
+        </p:spPr>
+        <p:style>
+          <a:lnRef idx="1">
+            <a:schemeClr val="accent1"/>
+          </a:lnRef>
+          <a:fillRef idx="0">
+            <a:schemeClr val="accent1"/>
+          </a:fillRef>
+          <a:effectRef idx="0">
+            <a:schemeClr val="accent1"/>
+          </a:effectRef>
+          <a:fontRef idx="minor">
+            <a:schemeClr val="tx1"/>
+          </a:fontRef>
+        </p:style>
+      </p:cxnSp>
+      <p:cxnSp>
+        <p:nvCxnSpPr>
+          <p:cNvPr id="26" name="Straight Arrow Connector 25">
+            <a:extLst>
+              <a:ext uri="{FF2B5EF4-FFF2-40B4-BE49-F238E27FC236}">
+                <a16:creationId xmlns:a16="http://schemas.microsoft.com/office/drawing/2014/main" id="{7EF8EBCC-1829-1841-A6E0-C8634EDE7E2B}"/>
+              </a:ext>
+            </a:extLst>
+          </p:cNvPr>
+          <p:cNvCxnSpPr>
+            <a:cxnSpLocks/>
+            <a:stCxn id="13" idx="2"/>
+            <a:endCxn id="18" idx="0"/>
+          </p:cNvCxnSpPr>
+          <p:nvPr/>
+        </p:nvCxnSpPr>
+        <p:spPr>
+          <a:xfrm>
+            <a:off x="6533638" y="3466326"/>
+            <a:ext cx="0" cy="1075260"/>
+          </a:xfrm>
+          <a:prstGeom prst="straightConnector1">
+            <a:avLst/>
+          </a:prstGeom>
+          <a:ln w="34925">
+            <a:solidFill>
+              <a:srgbClr val="C00000"/>
+            </a:solidFill>
+            <a:prstDash val="sysDot"/>
+            <a:tailEnd type="triangle"/>
+          </a:ln>
+        </p:spPr>
+        <p:style>
+          <a:lnRef idx="1">
+            <a:schemeClr val="accent1"/>
+          </a:lnRef>
+          <a:fillRef idx="0">
+            <a:schemeClr val="accent1"/>
+          </a:fillRef>
+          <a:effectRef idx="0">
+            <a:schemeClr val="accent1"/>
+          </a:effectRef>
+          <a:fontRef idx="minor">
+            <a:schemeClr val="tx1"/>
+          </a:fontRef>
+        </p:style>
+      </p:cxnSp>
+      <p:sp>
+        <p:nvSpPr>
+          <p:cNvPr id="33" name="TextBox 32">
+            <a:extLst>
+              <a:ext uri="{FF2B5EF4-FFF2-40B4-BE49-F238E27FC236}">
+                <a16:creationId xmlns:a16="http://schemas.microsoft.com/office/drawing/2014/main" id="{CE7D8421-0214-9E48-9454-2BE62EBA6E6F}"/>
+              </a:ext>
+            </a:extLst>
+          </p:cNvPr>
+          <p:cNvSpPr txBox="1"/>
+          <p:nvPr/>
+        </p:nvSpPr>
+        <p:spPr>
+          <a:xfrm>
+            <a:off x="2386326" y="3813669"/>
+            <a:ext cx="1489510" cy="461665"/>
+          </a:xfrm>
+          <a:prstGeom prst="rect">
+            <a:avLst/>
+          </a:prstGeom>
+          <a:noFill/>
+        </p:spPr>
+        <p:txBody>
+          <a:bodyPr wrap="none" rtlCol="0">
+            <a:spAutoFit/>
+          </a:bodyPr>
+          <a:lstStyle/>
+          <a:p>
+            <a:r>
+              <a:rPr lang="en-US" sz="2400" b="1" dirty="0">
+                <a:solidFill>
+                  <a:srgbClr val="C00000"/>
+                </a:solidFill>
+                <a:latin typeface="Bradley Hand" pitchFamily="2" charset="77"/>
+              </a:rPr>
+              <a:t>Inference </a:t>
+            </a:r>
+          </a:p>
+        </p:txBody>
+      </p:sp>
+      <p:pic>
+        <p:nvPicPr>
+          <p:cNvPr id="35" name="Graphic 34" descr="Angel face outline with solid fill">
+            <a:extLst>
+              <a:ext uri="{FF2B5EF4-FFF2-40B4-BE49-F238E27FC236}">
+                <a16:creationId xmlns:a16="http://schemas.microsoft.com/office/drawing/2014/main" id="{63FF98C2-61A2-9A41-93A1-87E4D091EFC9}"/>
+              </a:ext>
+            </a:extLst>
+          </p:cNvPr>
+          <p:cNvPicPr>
+            <a:picLocks noChangeAspect="1"/>
+          </p:cNvPicPr>
+          <p:nvPr/>
+        </p:nvPicPr>
+        <p:blipFill>
+          <a:blip r:embed="rId10">
+            <a:extLst>
+              <a:ext uri="{96DAC541-7B7A-43D3-8B79-37D633B846F1}">
+                <asvg:svgBlip xmlns:asvg="http://schemas.microsoft.com/office/drawing/2016/SVG/main" r:embed="rId11"/>
+              </a:ext>
+            </a:extLst>
+          </a:blip>
+          <a:stretch>
+            <a:fillRect/>
+          </a:stretch>
+        </p:blipFill>
+        <p:spPr>
+          <a:xfrm>
+            <a:off x="9000613" y="3523476"/>
+            <a:ext cx="914400" cy="914400"/>
+          </a:xfrm>
+          <a:prstGeom prst="rect">
+            <a:avLst/>
+          </a:prstGeom>
+        </p:spPr>
+      </p:pic>
+      <p:pic>
+        <p:nvPicPr>
+          <p:cNvPr id="37" name="Graphic 36" descr="Confused face outline with solid fill">
+            <a:extLst>
+              <a:ext uri="{FF2B5EF4-FFF2-40B4-BE49-F238E27FC236}">
+                <a16:creationId xmlns:a16="http://schemas.microsoft.com/office/drawing/2014/main" id="{540A635E-9765-4949-A888-DB5FABE85B4B}"/>
+              </a:ext>
+            </a:extLst>
+          </p:cNvPr>
+          <p:cNvPicPr>
+            <a:picLocks noChangeAspect="1"/>
+          </p:cNvPicPr>
+          <p:nvPr/>
+        </p:nvPicPr>
+        <p:blipFill>
+          <a:blip r:embed="rId12">
+            <a:extLst>
+              <a:ext uri="{96DAC541-7B7A-43D3-8B79-37D633B846F1}">
+                <asvg:svgBlip xmlns:asvg="http://schemas.microsoft.com/office/drawing/2016/SVG/main" r:embed="rId13"/>
+              </a:ext>
+            </a:extLst>
+          </a:blip>
+          <a:stretch>
+            <a:fillRect/>
+          </a:stretch>
+        </p:blipFill>
+        <p:spPr>
+          <a:xfrm>
+            <a:off x="9000613" y="4541586"/>
+            <a:ext cx="914400" cy="914400"/>
+          </a:xfrm>
+          <a:prstGeom prst="rect">
+            <a:avLst/>
+          </a:prstGeom>
+        </p:spPr>
+      </p:pic>
+      <p:pic>
+        <p:nvPicPr>
+          <p:cNvPr id="39" name="Graphic 38" descr="Loudly crying face outline with solid fill">
+            <a:extLst>
+              <a:ext uri="{FF2B5EF4-FFF2-40B4-BE49-F238E27FC236}">
+                <a16:creationId xmlns:a16="http://schemas.microsoft.com/office/drawing/2014/main" id="{D2CB5BF4-145C-3945-9018-2DEC2B1F5825}"/>
+              </a:ext>
+            </a:extLst>
+          </p:cNvPr>
+          <p:cNvPicPr>
+            <a:picLocks noChangeAspect="1"/>
+          </p:cNvPicPr>
+          <p:nvPr/>
+        </p:nvPicPr>
+        <p:blipFill>
+          <a:blip r:embed="rId14">
+            <a:extLst>
+              <a:ext uri="{96DAC541-7B7A-43D3-8B79-37D633B846F1}">
+                <asvg:svgBlip xmlns:asvg="http://schemas.microsoft.com/office/drawing/2016/SVG/main" r:embed="rId15"/>
+              </a:ext>
+            </a:extLst>
+          </a:blip>
+          <a:stretch>
+            <a:fillRect/>
+          </a:stretch>
+        </p:blipFill>
+        <p:spPr>
+          <a:xfrm>
+            <a:off x="9000613" y="5559696"/>
+            <a:ext cx="914400" cy="914400"/>
+          </a:xfrm>
+          <a:prstGeom prst="rect">
+            <a:avLst/>
+          </a:prstGeom>
+        </p:spPr>
+      </p:pic>
+      <p:cxnSp>
+        <p:nvCxnSpPr>
+          <p:cNvPr id="40" name="Straight Arrow Connector 39">
+            <a:extLst>
+              <a:ext uri="{FF2B5EF4-FFF2-40B4-BE49-F238E27FC236}">
+                <a16:creationId xmlns:a16="http://schemas.microsoft.com/office/drawing/2014/main" id="{D1A52D9F-18FB-E245-81E7-567410F2E71B}"/>
+              </a:ext>
+            </a:extLst>
+          </p:cNvPr>
+          <p:cNvCxnSpPr>
+            <a:cxnSpLocks/>
+            <a:stCxn id="18" idx="3"/>
+            <a:endCxn id="35" idx="1"/>
+          </p:cNvCxnSpPr>
+          <p:nvPr/>
+        </p:nvCxnSpPr>
+        <p:spPr>
+          <a:xfrm flipV="1">
+            <a:off x="6990838" y="3980676"/>
+            <a:ext cx="2009775" cy="1018110"/>
+          </a:xfrm>
+          <a:prstGeom prst="straightConnector1">
+            <a:avLst/>
+          </a:prstGeom>
+          <a:ln w="34925">
+            <a:solidFill>
+              <a:schemeClr val="accent6">
+                <a:lumMod val="75000"/>
+              </a:schemeClr>
+            </a:solidFill>
+            <a:prstDash val="solid"/>
+            <a:tailEnd type="triangle"/>
+          </a:ln>
+        </p:spPr>
+        <p:style>
+          <a:lnRef idx="1">
+            <a:schemeClr val="accent1"/>
+          </a:lnRef>
+          <a:fillRef idx="0">
+            <a:schemeClr val="accent1"/>
+          </a:fillRef>
+          <a:effectRef idx="0">
+            <a:schemeClr val="accent1"/>
+          </a:effectRef>
+          <a:fontRef idx="minor">
+            <a:schemeClr val="tx1"/>
+          </a:fontRef>
+        </p:style>
+      </p:cxnSp>
+      <p:cxnSp>
+        <p:nvCxnSpPr>
+          <p:cNvPr id="43" name="Straight Arrow Connector 42">
+            <a:extLst>
+              <a:ext uri="{FF2B5EF4-FFF2-40B4-BE49-F238E27FC236}">
+                <a16:creationId xmlns:a16="http://schemas.microsoft.com/office/drawing/2014/main" id="{FC9E21E6-C3CB-004F-8CB7-2EF10E0419EA}"/>
+              </a:ext>
+            </a:extLst>
+          </p:cNvPr>
+          <p:cNvCxnSpPr>
+            <a:cxnSpLocks/>
+            <a:stCxn id="18" idx="3"/>
+            <a:endCxn id="37" idx="1"/>
+          </p:cNvCxnSpPr>
+          <p:nvPr/>
+        </p:nvCxnSpPr>
+        <p:spPr>
+          <a:xfrm>
+            <a:off x="6990838" y="4998786"/>
+            <a:ext cx="2009775" cy="0"/>
+          </a:xfrm>
+          <a:prstGeom prst="straightConnector1">
+            <a:avLst/>
+          </a:prstGeom>
+          <a:ln w="34925">
+            <a:solidFill>
+              <a:schemeClr val="accent6">
+                <a:lumMod val="75000"/>
+              </a:schemeClr>
+            </a:solidFill>
+            <a:prstDash val="solid"/>
+            <a:tailEnd type="triangle"/>
+          </a:ln>
+        </p:spPr>
+        <p:style>
+          <a:lnRef idx="1">
+            <a:schemeClr val="accent1"/>
+          </a:lnRef>
+          <a:fillRef idx="0">
+            <a:schemeClr val="accent1"/>
+          </a:fillRef>
+          <a:effectRef idx="0">
+            <a:schemeClr val="accent1"/>
+          </a:effectRef>
+          <a:fontRef idx="minor">
+            <a:schemeClr val="tx1"/>
+          </a:fontRef>
+        </p:style>
+      </p:cxnSp>
+      <p:cxnSp>
+        <p:nvCxnSpPr>
+          <p:cNvPr id="44" name="Straight Arrow Connector 43">
+            <a:extLst>
+              <a:ext uri="{FF2B5EF4-FFF2-40B4-BE49-F238E27FC236}">
+                <a16:creationId xmlns:a16="http://schemas.microsoft.com/office/drawing/2014/main" id="{E69854B0-6082-3B4A-8DF1-0768AFB0E64C}"/>
+              </a:ext>
+            </a:extLst>
+          </p:cNvPr>
+          <p:cNvCxnSpPr>
+            <a:cxnSpLocks/>
+            <a:stCxn id="18" idx="3"/>
+            <a:endCxn id="39" idx="1"/>
+          </p:cNvCxnSpPr>
+          <p:nvPr/>
+        </p:nvCxnSpPr>
+        <p:spPr>
+          <a:xfrm>
+            <a:off x="6990838" y="4998786"/>
+            <a:ext cx="2009775" cy="1018110"/>
+          </a:xfrm>
+          <a:prstGeom prst="straightConnector1">
+            <a:avLst/>
+          </a:prstGeom>
+          <a:ln w="34925">
+            <a:solidFill>
+              <a:schemeClr val="accent6">
+                <a:lumMod val="75000"/>
+              </a:schemeClr>
+            </a:solidFill>
+            <a:prstDash val="solid"/>
+            <a:tailEnd type="triangle"/>
+          </a:ln>
+        </p:spPr>
+        <p:style>
+          <a:lnRef idx="1">
+            <a:schemeClr val="accent1"/>
+          </a:lnRef>
+          <a:fillRef idx="0">
+            <a:schemeClr val="accent1"/>
+          </a:fillRef>
+          <a:effectRef idx="0">
+            <a:schemeClr val="accent1"/>
+          </a:effectRef>
+          <a:fontRef idx="minor">
+            <a:schemeClr val="tx1"/>
+          </a:fontRef>
+        </p:style>
+      </p:cxnSp>
+      <p:sp>
+        <p:nvSpPr>
+          <p:cNvPr id="49" name="TextBox 48">
+            <a:extLst>
+              <a:ext uri="{FF2B5EF4-FFF2-40B4-BE49-F238E27FC236}">
+                <a16:creationId xmlns:a16="http://schemas.microsoft.com/office/drawing/2014/main" id="{74C1711A-8D31-8849-BAF9-A7D63E2F9227}"/>
+              </a:ext>
+            </a:extLst>
+          </p:cNvPr>
+          <p:cNvSpPr txBox="1"/>
+          <p:nvPr/>
+        </p:nvSpPr>
+        <p:spPr>
+          <a:xfrm>
+            <a:off x="9997062" y="3813669"/>
+            <a:ext cx="800219" cy="461665"/>
+          </a:xfrm>
+          <a:prstGeom prst="rect">
+            <a:avLst/>
+          </a:prstGeom>
+          <a:noFill/>
+        </p:spPr>
+        <p:txBody>
+          <a:bodyPr wrap="none" rtlCol="0">
+            <a:spAutoFit/>
+          </a:bodyPr>
+          <a:lstStyle/>
+          <a:p>
+            <a:r>
+              <a:rPr lang="en-US" sz="2400" dirty="0">
+                <a:latin typeface="Bradley Hand" pitchFamily="2" charset="77"/>
+              </a:rPr>
+              <a:t>True</a:t>
+            </a:r>
+          </a:p>
+        </p:txBody>
+      </p:sp>
+      <p:sp>
+        <p:nvSpPr>
+          <p:cNvPr id="50" name="TextBox 49">
+            <a:extLst>
+              <a:ext uri="{FF2B5EF4-FFF2-40B4-BE49-F238E27FC236}">
+                <a16:creationId xmlns:a16="http://schemas.microsoft.com/office/drawing/2014/main" id="{8113DB40-F93B-8D49-AFE1-58709420B448}"/>
+              </a:ext>
+            </a:extLst>
+          </p:cNvPr>
+          <p:cNvSpPr txBox="1"/>
+          <p:nvPr/>
+        </p:nvSpPr>
+        <p:spPr>
+          <a:xfrm>
+            <a:off x="9997062" y="4767953"/>
+            <a:ext cx="1564852" cy="461665"/>
+          </a:xfrm>
+          <a:prstGeom prst="rect">
+            <a:avLst/>
+          </a:prstGeom>
+          <a:noFill/>
+        </p:spPr>
+        <p:txBody>
+          <a:bodyPr wrap="none" rtlCol="0">
+            <a:spAutoFit/>
+          </a:bodyPr>
+          <a:lstStyle/>
+          <a:p>
+            <a:r>
+              <a:rPr lang="en-US" sz="2400" dirty="0">
+                <a:latin typeface="Bradley Hand" pitchFamily="2" charset="77"/>
+              </a:rPr>
+              <a:t>Unknown</a:t>
+            </a:r>
+          </a:p>
+        </p:txBody>
+      </p:sp>
+      <p:sp>
+        <p:nvSpPr>
+          <p:cNvPr id="51" name="TextBox 50">
+            <a:extLst>
+              <a:ext uri="{FF2B5EF4-FFF2-40B4-BE49-F238E27FC236}">
+                <a16:creationId xmlns:a16="http://schemas.microsoft.com/office/drawing/2014/main" id="{A1B17205-E409-454E-90B1-1FEAC5AAAF6C}"/>
+              </a:ext>
+            </a:extLst>
+          </p:cNvPr>
+          <p:cNvSpPr txBox="1"/>
+          <p:nvPr/>
+        </p:nvSpPr>
+        <p:spPr>
+          <a:xfrm>
+            <a:off x="9997062" y="5862559"/>
+            <a:ext cx="872355" cy="461665"/>
+          </a:xfrm>
+          <a:prstGeom prst="rect">
+            <a:avLst/>
+          </a:prstGeom>
+          <a:noFill/>
+        </p:spPr>
+        <p:txBody>
+          <a:bodyPr wrap="none" rtlCol="0">
+            <a:spAutoFit/>
+          </a:bodyPr>
+          <a:lstStyle/>
+          <a:p>
+            <a:r>
+              <a:rPr lang="en-US" sz="2400" dirty="0">
+                <a:latin typeface="Bradley Hand" pitchFamily="2" charset="77"/>
+              </a:rPr>
+              <a:t>False</a:t>
+            </a:r>
+          </a:p>
+        </p:txBody>
+      </p:sp>
+      <p:sp>
+        <p:nvSpPr>
+          <p:cNvPr id="3" name="Rounded Rectangle 2">
+            <a:extLst>
+              <a:ext uri="{FF2B5EF4-FFF2-40B4-BE49-F238E27FC236}">
+                <a16:creationId xmlns:a16="http://schemas.microsoft.com/office/drawing/2014/main" id="{4E8FD440-270B-9843-8ECD-6D7046D59F4C}"/>
+              </a:ext>
+            </a:extLst>
+          </p:cNvPr>
+          <p:cNvSpPr/>
+          <p:nvPr/>
+        </p:nvSpPr>
+        <p:spPr>
+          <a:xfrm>
+            <a:off x="657225" y="1690688"/>
+            <a:ext cx="7621442" cy="2122981"/>
+          </a:xfrm>
+          <a:prstGeom prst="roundRect">
+            <a:avLst/>
+          </a:prstGeom>
+          <a:noFill/>
+          <a:ln w="25400">
+            <a:solidFill>
+              <a:schemeClr val="accent1"/>
+            </a:solidFill>
+          </a:ln>
+        </p:spPr>
+        <p:style>
+          <a:lnRef idx="2">
+            <a:schemeClr val="accent1">
+              <a:shade val="50000"/>
+            </a:schemeClr>
+          </a:lnRef>
+          <a:fillRef idx="1">
+            <a:schemeClr val="accent1"/>
+          </a:fillRef>
+          <a:effectRef idx="0">
+            <a:schemeClr val="accent1"/>
+          </a:effectRef>
+          <a:fontRef idx="minor">
+            <a:schemeClr val="lt1"/>
+          </a:fontRef>
+        </p:style>
+        <p:txBody>
+          <a:bodyPr rtlCol="0" anchor="ctr"/>
+          <a:lstStyle/>
+          <a:p>
+            <a:pPr algn="ctr"/>
+            <a:endParaRPr lang="en-US"/>
+          </a:p>
+        </p:txBody>
+      </p:sp>
+      <p:sp>
+        <p:nvSpPr>
+          <p:cNvPr id="4" name="TextBox 3">
+            <a:extLst>
+              <a:ext uri="{FF2B5EF4-FFF2-40B4-BE49-F238E27FC236}">
+                <a16:creationId xmlns:a16="http://schemas.microsoft.com/office/drawing/2014/main" id="{5F2261B5-B0B5-8845-976D-17420C715DD5}"/>
+              </a:ext>
+            </a:extLst>
+          </p:cNvPr>
+          <p:cNvSpPr txBox="1"/>
+          <p:nvPr/>
+        </p:nvSpPr>
+        <p:spPr>
+          <a:xfrm>
+            <a:off x="3954583" y="1741526"/>
+            <a:ext cx="922047" cy="461665"/>
+          </a:xfrm>
+          <a:prstGeom prst="rect">
+            <a:avLst/>
+          </a:prstGeom>
+          <a:noFill/>
+        </p:spPr>
+        <p:txBody>
+          <a:bodyPr wrap="none" rtlCol="0">
+            <a:spAutoFit/>
+          </a:bodyPr>
+          <a:lstStyle/>
+          <a:p>
+            <a:r>
+              <a:rPr lang="en-US" sz="2400" b="1" u="sng" dirty="0">
+                <a:solidFill>
+                  <a:schemeClr val="accent1"/>
+                </a:solidFill>
+                <a:latin typeface="Bradley Hand" pitchFamily="2" charset="77"/>
+              </a:rPr>
+              <a:t>Input</a:t>
+            </a:r>
+          </a:p>
+        </p:txBody>
+      </p:sp>
+      <p:sp>
+        <p:nvSpPr>
+          <p:cNvPr id="27" name="Rounded Rectangle 26">
+            <a:extLst>
+              <a:ext uri="{FF2B5EF4-FFF2-40B4-BE49-F238E27FC236}">
+                <a16:creationId xmlns:a16="http://schemas.microsoft.com/office/drawing/2014/main" id="{FCA8E1C9-FCC5-3446-AB0D-241DE10D1FC1}"/>
+              </a:ext>
+            </a:extLst>
+          </p:cNvPr>
+          <p:cNvSpPr/>
+          <p:nvPr/>
+        </p:nvSpPr>
+        <p:spPr>
+          <a:xfrm flipH="1" flipV="1">
+            <a:off x="8431064" y="2914649"/>
+            <a:ext cx="3384693" cy="3646177"/>
+          </a:xfrm>
+          <a:prstGeom prst="roundRect">
+            <a:avLst/>
+          </a:prstGeom>
+          <a:noFill/>
+          <a:ln w="25400">
+            <a:solidFill>
+              <a:schemeClr val="accent1"/>
+            </a:solidFill>
+          </a:ln>
+        </p:spPr>
+        <p:style>
+          <a:lnRef idx="2">
+            <a:schemeClr val="accent1">
+              <a:shade val="50000"/>
+            </a:schemeClr>
+          </a:lnRef>
+          <a:fillRef idx="1">
+            <a:schemeClr val="accent1"/>
+          </a:fillRef>
+          <a:effectRef idx="0">
+            <a:schemeClr val="accent1"/>
+          </a:effectRef>
+          <a:fontRef idx="minor">
+            <a:schemeClr val="lt1"/>
+          </a:fontRef>
+        </p:style>
+        <p:txBody>
+          <a:bodyPr rtlCol="0" anchor="ctr"/>
+          <a:lstStyle/>
+          <a:p>
+            <a:pPr algn="ctr"/>
+            <a:endParaRPr lang="en-US"/>
+          </a:p>
+        </p:txBody>
+      </p:sp>
+      <p:sp>
+        <p:nvSpPr>
+          <p:cNvPr id="28" name="TextBox 27">
+            <a:extLst>
+              <a:ext uri="{FF2B5EF4-FFF2-40B4-BE49-F238E27FC236}">
+                <a16:creationId xmlns:a16="http://schemas.microsoft.com/office/drawing/2014/main" id="{400F341F-4C7D-B549-81CE-8A4EF17EF46A}"/>
+              </a:ext>
+            </a:extLst>
+          </p:cNvPr>
+          <p:cNvSpPr txBox="1"/>
+          <p:nvPr/>
+        </p:nvSpPr>
+        <p:spPr>
+          <a:xfrm>
+            <a:off x="9548573" y="2933768"/>
+            <a:ext cx="1149674" cy="461665"/>
+          </a:xfrm>
+          <a:prstGeom prst="rect">
+            <a:avLst/>
+          </a:prstGeom>
+          <a:noFill/>
+        </p:spPr>
+        <p:txBody>
+          <a:bodyPr wrap="none" rtlCol="0">
+            <a:spAutoFit/>
+          </a:bodyPr>
+          <a:lstStyle/>
+          <a:p>
+            <a:r>
+              <a:rPr lang="en-US" sz="2400" b="1" u="sng" dirty="0">
+                <a:solidFill>
+                  <a:schemeClr val="accent1"/>
+                </a:solidFill>
+                <a:latin typeface="Bradley Hand" pitchFamily="2" charset="77"/>
+              </a:rPr>
+              <a:t>Output</a:t>
+            </a:r>
+          </a:p>
+        </p:txBody>
+      </p:sp>
+      <p:pic>
+        <p:nvPicPr>
+          <p:cNvPr id="30" name="Picture 29">
+            <a:extLst>
+              <a:ext uri="{FF2B5EF4-FFF2-40B4-BE49-F238E27FC236}">
+                <a16:creationId xmlns:a16="http://schemas.microsoft.com/office/drawing/2014/main" id="{6DDDB52B-18A4-C04B-8DC1-0E96943A95B1}"/>
+              </a:ext>
+            </a:extLst>
+          </p:cNvPr>
+          <p:cNvPicPr>
+            <a:picLocks noChangeAspect="1"/>
+          </p:cNvPicPr>
+          <p:nvPr/>
+        </p:nvPicPr>
+        <p:blipFill>
+          <a:blip r:embed="rId16"/>
+          <a:srcRect/>
+          <a:stretch/>
+        </p:blipFill>
+        <p:spPr>
+          <a:xfrm>
+            <a:off x="10503787" y="184457"/>
+            <a:ext cx="1524000" cy="1524000"/>
+          </a:xfrm>
+          <a:prstGeom prst="rect">
+            <a:avLst/>
+          </a:prstGeom>
+        </p:spPr>
+      </p:pic>
+    </p:spTree>
+    <p:extLst>
+      <p:ext uri="{BB962C8B-B14F-4D97-AF65-F5344CB8AC3E}">
+        <p14:creationId xmlns:p14="http://schemas.microsoft.com/office/powerpoint/2010/main" val="3087802459"/>
+      </p:ext>
+    </p:extLst>
+  </p:cSld>
+  <p:clrMapOvr>
+    <a:masterClrMapping/>
+  </p:clrMapOvr>
+</p:sld>
+</file>
+
+<file path=ppt/slides/slide8.xml><?xml version="1.0" encoding="utf-8"?>
+<p:sld xmlns:a="http://schemas.openxmlformats.org/drawingml/2006/main" xmlns:r="http://schemas.openxmlformats.org/officeDocument/2006/relationships" xmlns:p="http://schemas.openxmlformats.org/presentationml/2006/main">
+  <p:cSld>
+    <p:spTree>
+      <p:nvGrpSpPr>
+        <p:cNvPr id="1" name=""/>
+        <p:cNvGrpSpPr/>
+        <p:nvPr/>
+      </p:nvGrpSpPr>
+      <p:grpSpPr>
+        <a:xfrm>
+          <a:off x="0" y="0"/>
+          <a:ext cx="0" cy="0"/>
+          <a:chOff x="0" y="0"/>
+          <a:chExt cx="0" cy="0"/>
+        </a:xfrm>
+      </p:grpSpPr>
+      <p:sp>
+        <p:nvSpPr>
+          <p:cNvPr id="2" name="Title 1">
+            <a:extLst>
+              <a:ext uri="{FF2B5EF4-FFF2-40B4-BE49-F238E27FC236}">
+                <a16:creationId xmlns:a16="http://schemas.microsoft.com/office/drawing/2014/main" id="{C6B24E83-81A2-BF4B-A3C7-A8BB8214FC44}"/>
+              </a:ext>
+            </a:extLst>
+          </p:cNvPr>
+          <p:cNvSpPr>
+            <a:spLocks noGrp="1"/>
+          </p:cNvSpPr>
+          <p:nvPr>
+            <p:ph type="title"/>
+          </p:nvPr>
+        </p:nvSpPr>
+        <p:spPr/>
+        <p:txBody>
+          <a:bodyPr/>
+          <a:lstStyle/>
+          <a:p>
+            <a:r>
+              <a:rPr lang="en-US" b="1" dirty="0"/>
+              <a:t>Our Work &amp; Contributions</a:t>
+            </a:r>
+          </a:p>
+        </p:txBody>
+      </p:sp>
+      <p:pic>
+        <p:nvPicPr>
+          <p:cNvPr id="5" name="Graphic 4" descr="Document with solid fill">
+            <a:extLst>
+              <a:ext uri="{FF2B5EF4-FFF2-40B4-BE49-F238E27FC236}">
+                <a16:creationId xmlns:a16="http://schemas.microsoft.com/office/drawing/2014/main" id="{6C34A8D2-F0AE-3D4F-BD04-4AC1CCD0F20E}"/>
+              </a:ext>
+            </a:extLst>
+          </p:cNvPr>
+          <p:cNvPicPr>
+            <a:picLocks noChangeAspect="1"/>
+          </p:cNvPicPr>
+          <p:nvPr/>
+        </p:nvPicPr>
+        <p:blipFill>
+          <a:blip r:embed="rId2">
+            <a:extLst>
+              <a:ext uri="{96DAC541-7B7A-43D3-8B79-37D633B846F1}">
+                <asvg:svgBlip xmlns:asvg="http://schemas.microsoft.com/office/drawing/2016/SVG/main" r:embed="rId3"/>
+              </a:ext>
+            </a:extLst>
+          </a:blip>
+          <a:stretch>
+            <a:fillRect/>
+          </a:stretch>
+        </p:blipFill>
+        <p:spPr>
+          <a:xfrm>
+            <a:off x="1852600" y="2000250"/>
+            <a:ext cx="914400" cy="914400"/>
+          </a:xfrm>
+          <a:prstGeom prst="rect">
+            <a:avLst/>
+          </a:prstGeom>
+        </p:spPr>
+      </p:pic>
+      <p:sp>
+        <p:nvSpPr>
+          <p:cNvPr id="6" name="TextBox 5">
+            <a:extLst>
+              <a:ext uri="{FF2B5EF4-FFF2-40B4-BE49-F238E27FC236}">
+                <a16:creationId xmlns:a16="http://schemas.microsoft.com/office/drawing/2014/main" id="{1A63F5E3-9391-F340-8461-95ABFDC75351}"/>
+              </a:ext>
+            </a:extLst>
+          </p:cNvPr>
+          <p:cNvSpPr txBox="1"/>
+          <p:nvPr/>
+        </p:nvSpPr>
+        <p:spPr>
+          <a:xfrm>
+            <a:off x="1398332" y="3034329"/>
+            <a:ext cx="1822935" cy="461665"/>
+          </a:xfrm>
+          <a:prstGeom prst="rect">
+            <a:avLst/>
+          </a:prstGeom>
+          <a:noFill/>
+        </p:spPr>
+        <p:txBody>
+          <a:bodyPr wrap="none" rtlCol="0">
+            <a:spAutoFit/>
+          </a:bodyPr>
+          <a:lstStyle/>
+          <a:p>
+            <a:r>
+              <a:rPr lang="en-US" sz="2400" dirty="0">
+                <a:latin typeface="Bradley Hand" pitchFamily="2" charset="77"/>
+              </a:rPr>
+              <a:t>Hiphop.js, </a:t>
+            </a:r>
+            <a:r>
+              <a:rPr lang="en-US" sz="2400" b="1" dirty="0">
+                <a:latin typeface="Bradley Hand" pitchFamily="2" charset="77"/>
+              </a:rPr>
+              <a:t>P</a:t>
+            </a:r>
+            <a:r>
+              <a:rPr lang="en-US" sz="2400" dirty="0">
+                <a:latin typeface="Bradley Hand" pitchFamily="2" charset="77"/>
+              </a:rPr>
+              <a:t> </a:t>
+            </a:r>
+          </a:p>
+        </p:txBody>
+      </p:sp>
+      <p:pic>
+        <p:nvPicPr>
+          <p:cNvPr id="10" name="Graphic 9" descr="Circles with arrows outline">
+            <a:extLst>
+              <a:ext uri="{FF2B5EF4-FFF2-40B4-BE49-F238E27FC236}">
+                <a16:creationId xmlns:a16="http://schemas.microsoft.com/office/drawing/2014/main" id="{B67E20A1-5951-9D42-85AA-2DF8720681E4}"/>
+              </a:ext>
+            </a:extLst>
+          </p:cNvPr>
+          <p:cNvPicPr>
+            <a:picLocks noChangeAspect="1"/>
+          </p:cNvPicPr>
+          <p:nvPr/>
+        </p:nvPicPr>
+        <p:blipFill>
+          <a:blip r:embed="rId4">
+            <a:extLst>
+              <a:ext uri="{96DAC541-7B7A-43D3-8B79-37D633B846F1}">
+                <asvg:svgBlip xmlns:asvg="http://schemas.microsoft.com/office/drawing/2016/SVG/main" r:embed="rId5"/>
+              </a:ext>
+            </a:extLst>
+          </a:blip>
+          <a:stretch>
+            <a:fillRect/>
+          </a:stretch>
+        </p:blipFill>
+        <p:spPr>
+          <a:xfrm>
+            <a:off x="1852600" y="4541586"/>
+            <a:ext cx="914400" cy="914400"/>
+          </a:xfrm>
+          <a:prstGeom prst="rect">
+            <a:avLst/>
+          </a:prstGeom>
+        </p:spPr>
+      </p:pic>
+      <p:sp>
+        <p:nvSpPr>
+          <p:cNvPr id="13" name="TextBox 12">
+            <a:extLst>
+              <a:ext uri="{FF2B5EF4-FFF2-40B4-BE49-F238E27FC236}">
+                <a16:creationId xmlns:a16="http://schemas.microsoft.com/office/drawing/2014/main" id="{7F834E0F-4F2C-544E-8502-22CD6311BA8F}"/>
+              </a:ext>
+            </a:extLst>
+          </p:cNvPr>
+          <p:cNvSpPr txBox="1"/>
+          <p:nvPr/>
+        </p:nvSpPr>
+        <p:spPr>
+          <a:xfrm>
+            <a:off x="5308399" y="3004661"/>
+            <a:ext cx="2451312" cy="461665"/>
+          </a:xfrm>
+          <a:prstGeom prst="rect">
+            <a:avLst/>
+          </a:prstGeom>
+          <a:noFill/>
+        </p:spPr>
+        <p:txBody>
+          <a:bodyPr wrap="none" rtlCol="0">
+            <a:spAutoFit/>
+          </a:bodyPr>
+          <a:lstStyle/>
+          <a:p>
+            <a:r>
+              <a:rPr lang="en-US" sz="2400" dirty="0">
+                <a:latin typeface="Bradley Hand" pitchFamily="2" charset="77"/>
+              </a:rPr>
+              <a:t>Timed Effects, S</a:t>
+            </a:r>
+          </a:p>
+        </p:txBody>
+      </p:sp>
+      <p:pic>
+        <p:nvPicPr>
+          <p:cNvPr id="15" name="Graphic 14" descr="Circles with arrows with solid fill">
+            <a:extLst>
+              <a:ext uri="{FF2B5EF4-FFF2-40B4-BE49-F238E27FC236}">
+                <a16:creationId xmlns:a16="http://schemas.microsoft.com/office/drawing/2014/main" id="{308BCAC2-9396-2343-9AA2-A99B3BCC5777}"/>
+              </a:ext>
+            </a:extLst>
+          </p:cNvPr>
+          <p:cNvPicPr>
+            <a:picLocks noChangeAspect="1"/>
+          </p:cNvPicPr>
+          <p:nvPr/>
+        </p:nvPicPr>
+        <p:blipFill>
+          <a:blip r:embed="rId6">
+            <a:extLst>
+              <a:ext uri="{96DAC541-7B7A-43D3-8B79-37D633B846F1}">
+                <asvg:svgBlip xmlns:asvg="http://schemas.microsoft.com/office/drawing/2016/SVG/main" r:embed="rId7"/>
+              </a:ext>
+            </a:extLst>
+          </a:blip>
+          <a:stretch>
+            <a:fillRect/>
+          </a:stretch>
+        </p:blipFill>
+        <p:spPr>
+          <a:xfrm>
+            <a:off x="5981521" y="2000250"/>
+            <a:ext cx="914400" cy="914400"/>
+          </a:xfrm>
+          <a:prstGeom prst="rect">
+            <a:avLst/>
+          </a:prstGeom>
+        </p:spPr>
+      </p:pic>
+      <p:sp>
+        <p:nvSpPr>
+          <p:cNvPr id="16" name="TextBox 15">
+            <a:extLst>
+              <a:ext uri="{FF2B5EF4-FFF2-40B4-BE49-F238E27FC236}">
+                <a16:creationId xmlns:a16="http://schemas.microsoft.com/office/drawing/2014/main" id="{5BA293D7-8327-2540-9EEC-44D6F3C1A581}"/>
+              </a:ext>
+            </a:extLst>
+          </p:cNvPr>
+          <p:cNvSpPr txBox="1"/>
+          <p:nvPr/>
+        </p:nvSpPr>
+        <p:spPr>
+          <a:xfrm>
+            <a:off x="1042371" y="5562129"/>
+            <a:ext cx="2783134" cy="461665"/>
+          </a:xfrm>
+          <a:prstGeom prst="rect">
+            <a:avLst/>
+          </a:prstGeom>
+          <a:noFill/>
+        </p:spPr>
+        <p:txBody>
+          <a:bodyPr wrap="none" rtlCol="0">
+            <a:spAutoFit/>
+          </a:bodyPr>
+          <a:lstStyle/>
+          <a:p>
+            <a:r>
+              <a:rPr lang="en-US" sz="2400" dirty="0">
+                <a:latin typeface="Bradley Hand" pitchFamily="2" charset="77"/>
+              </a:rPr>
+              <a:t>Actual behaviors, B</a:t>
+            </a:r>
+          </a:p>
+        </p:txBody>
+      </p:sp>
+      <p:pic>
+        <p:nvPicPr>
+          <p:cNvPr id="18" name="Graphic 17" descr="Abacus with solid fill">
+            <a:extLst>
+              <a:ext uri="{FF2B5EF4-FFF2-40B4-BE49-F238E27FC236}">
+                <a16:creationId xmlns:a16="http://schemas.microsoft.com/office/drawing/2014/main" id="{DA26556F-87DE-544B-A84B-225C0313F89F}"/>
+              </a:ext>
+            </a:extLst>
+          </p:cNvPr>
+          <p:cNvPicPr>
+            <a:picLocks noChangeAspect="1"/>
+          </p:cNvPicPr>
+          <p:nvPr/>
+        </p:nvPicPr>
+        <p:blipFill>
+          <a:blip r:embed="rId8">
+            <a:extLst>
+              <a:ext uri="{96DAC541-7B7A-43D3-8B79-37D633B846F1}">
+                <asvg:svgBlip xmlns:asvg="http://schemas.microsoft.com/office/drawing/2016/SVG/main" r:embed="rId9"/>
+              </a:ext>
+            </a:extLst>
+          </a:blip>
+          <a:stretch>
+            <a:fillRect/>
+          </a:stretch>
+        </p:blipFill>
+        <p:spPr>
+          <a:xfrm>
+            <a:off x="6076438" y="4541586"/>
+            <a:ext cx="914400" cy="914400"/>
+          </a:xfrm>
+          <a:prstGeom prst="rect">
+            <a:avLst/>
+          </a:prstGeom>
+        </p:spPr>
+      </p:pic>
+      <p:sp>
+        <p:nvSpPr>
+          <p:cNvPr id="19" name="TextBox 18">
+            <a:extLst>
+              <a:ext uri="{FF2B5EF4-FFF2-40B4-BE49-F238E27FC236}">
+                <a16:creationId xmlns:a16="http://schemas.microsoft.com/office/drawing/2014/main" id="{F0095962-AF3B-404C-843A-35F7EE639997}"/>
+              </a:ext>
+            </a:extLst>
+          </p:cNvPr>
+          <p:cNvSpPr txBox="1"/>
+          <p:nvPr/>
+        </p:nvSpPr>
+        <p:spPr>
+          <a:xfrm>
+            <a:off x="4551024" y="5567414"/>
+            <a:ext cx="3775393" cy="461665"/>
+          </a:xfrm>
+          <a:prstGeom prst="rect">
+            <a:avLst/>
+          </a:prstGeom>
+          <a:noFill/>
+        </p:spPr>
+        <p:txBody>
+          <a:bodyPr wrap="none" rtlCol="0">
+            <a:spAutoFit/>
+          </a:bodyPr>
+          <a:lstStyle/>
+          <a:p>
+            <a:r>
+              <a:rPr lang="en-US" altLang="zh-CN" sz="2400" dirty="0">
+                <a:latin typeface="Bradley Hand" pitchFamily="2" charset="77"/>
+              </a:rPr>
+              <a:t>Inclusion</a:t>
+            </a:r>
+            <a:r>
+              <a:rPr lang="zh-CN" altLang="en-US" sz="2400" dirty="0">
+                <a:latin typeface="Bradley Hand" pitchFamily="2" charset="77"/>
+              </a:rPr>
+              <a:t> </a:t>
+            </a:r>
+            <a:r>
+              <a:rPr lang="en-US" altLang="zh-CN" sz="2400" dirty="0">
+                <a:latin typeface="Bradley Hand" pitchFamily="2" charset="77"/>
+              </a:rPr>
+              <a:t>Checker, B ⊆ S </a:t>
+            </a:r>
+            <a:r>
+              <a:rPr lang="zh-CN" altLang="en-US" sz="2400" dirty="0">
+                <a:latin typeface="Bradley Hand" pitchFamily="2" charset="77"/>
+              </a:rPr>
+              <a:t> </a:t>
+            </a:r>
+            <a:endParaRPr lang="en-US" sz="2400" dirty="0">
+              <a:latin typeface="Bradley Hand" pitchFamily="2" charset="77"/>
+            </a:endParaRPr>
+          </a:p>
+        </p:txBody>
+      </p:sp>
+      <p:cxnSp>
+        <p:nvCxnSpPr>
+          <p:cNvPr id="21" name="Straight Arrow Connector 20">
+            <a:extLst>
+              <a:ext uri="{FF2B5EF4-FFF2-40B4-BE49-F238E27FC236}">
+                <a16:creationId xmlns:a16="http://schemas.microsoft.com/office/drawing/2014/main" id="{9A7100A3-79C1-B145-9688-60E4E261F7D8}"/>
+              </a:ext>
+            </a:extLst>
+          </p:cNvPr>
+          <p:cNvCxnSpPr>
+            <a:stCxn id="6" idx="2"/>
+            <a:endCxn id="10" idx="0"/>
+          </p:cNvCxnSpPr>
+          <p:nvPr/>
+        </p:nvCxnSpPr>
+        <p:spPr>
+          <a:xfrm>
+            <a:off x="2309800" y="3495994"/>
+            <a:ext cx="0" cy="1045592"/>
+          </a:xfrm>
+          <a:prstGeom prst="straightConnector1">
+            <a:avLst/>
+          </a:prstGeom>
+          <a:ln w="34925">
+            <a:solidFill>
+              <a:srgbClr val="C00000"/>
+            </a:solidFill>
+            <a:tailEnd type="triangle"/>
+          </a:ln>
+        </p:spPr>
+        <p:style>
+          <a:lnRef idx="1">
+            <a:schemeClr val="accent1"/>
+          </a:lnRef>
+          <a:fillRef idx="0">
+            <a:schemeClr val="accent1"/>
+          </a:fillRef>
+          <a:effectRef idx="0">
+            <a:schemeClr val="accent1"/>
+          </a:effectRef>
+          <a:fontRef idx="minor">
+            <a:schemeClr val="tx1"/>
+          </a:fontRef>
+        </p:style>
+      </p:cxnSp>
+      <p:cxnSp>
+        <p:nvCxnSpPr>
+          <p:cNvPr id="23" name="Straight Arrow Connector 22">
+            <a:extLst>
+              <a:ext uri="{FF2B5EF4-FFF2-40B4-BE49-F238E27FC236}">
+                <a16:creationId xmlns:a16="http://schemas.microsoft.com/office/drawing/2014/main" id="{7704046F-3BC2-E843-A81C-E074818F34C9}"/>
+              </a:ext>
+            </a:extLst>
+          </p:cNvPr>
+          <p:cNvCxnSpPr>
+            <a:cxnSpLocks/>
+            <a:stCxn id="10" idx="3"/>
+            <a:endCxn id="18" idx="1"/>
+          </p:cNvCxnSpPr>
+          <p:nvPr/>
+        </p:nvCxnSpPr>
+        <p:spPr>
+          <a:xfrm>
+            <a:off x="2767000" y="4998786"/>
+            <a:ext cx="3309438" cy="0"/>
+          </a:xfrm>
+          <a:prstGeom prst="straightConnector1">
+            <a:avLst/>
+          </a:prstGeom>
+          <a:ln w="34925">
+            <a:solidFill>
+              <a:srgbClr val="C00000"/>
+            </a:solidFill>
+            <a:prstDash val="sysDot"/>
+            <a:tailEnd type="triangle"/>
+          </a:ln>
+        </p:spPr>
+        <p:style>
+          <a:lnRef idx="1">
+            <a:schemeClr val="accent1"/>
+          </a:lnRef>
+          <a:fillRef idx="0">
+            <a:schemeClr val="accent1"/>
+          </a:fillRef>
+          <a:effectRef idx="0">
+            <a:schemeClr val="accent1"/>
+          </a:effectRef>
+          <a:fontRef idx="minor">
+            <a:schemeClr val="tx1"/>
+          </a:fontRef>
+        </p:style>
+      </p:cxnSp>
+      <p:cxnSp>
+        <p:nvCxnSpPr>
+          <p:cNvPr id="26" name="Straight Arrow Connector 25">
+            <a:extLst>
+              <a:ext uri="{FF2B5EF4-FFF2-40B4-BE49-F238E27FC236}">
+                <a16:creationId xmlns:a16="http://schemas.microsoft.com/office/drawing/2014/main" id="{7EF8EBCC-1829-1841-A6E0-C8634EDE7E2B}"/>
+              </a:ext>
+            </a:extLst>
+          </p:cNvPr>
+          <p:cNvCxnSpPr>
+            <a:cxnSpLocks/>
+            <a:stCxn id="13" idx="2"/>
+            <a:endCxn id="18" idx="0"/>
+          </p:cNvCxnSpPr>
+          <p:nvPr/>
+        </p:nvCxnSpPr>
+        <p:spPr>
+          <a:xfrm flipH="1">
+            <a:off x="6533638" y="3466326"/>
+            <a:ext cx="417" cy="1075260"/>
+          </a:xfrm>
+          <a:prstGeom prst="straightConnector1">
+            <a:avLst/>
+          </a:prstGeom>
+          <a:ln w="34925">
+            <a:solidFill>
+              <a:srgbClr val="C00000"/>
+            </a:solidFill>
+            <a:prstDash val="sysDot"/>
+            <a:tailEnd type="triangle"/>
+          </a:ln>
+        </p:spPr>
+        <p:style>
+          <a:lnRef idx="1">
+            <a:schemeClr val="accent1"/>
+          </a:lnRef>
+          <a:fillRef idx="0">
+            <a:schemeClr val="accent1"/>
+          </a:fillRef>
+          <a:effectRef idx="0">
+            <a:schemeClr val="accent1"/>
+          </a:effectRef>
+          <a:fontRef idx="minor">
+            <a:schemeClr val="tx1"/>
+          </a:fontRef>
+        </p:style>
+      </p:cxnSp>
+      <p:sp>
+        <p:nvSpPr>
+          <p:cNvPr id="33" name="TextBox 32">
+            <a:extLst>
+              <a:ext uri="{FF2B5EF4-FFF2-40B4-BE49-F238E27FC236}">
+                <a16:creationId xmlns:a16="http://schemas.microsoft.com/office/drawing/2014/main" id="{CE7D8421-0214-9E48-9454-2BE62EBA6E6F}"/>
+              </a:ext>
+            </a:extLst>
+          </p:cNvPr>
+          <p:cNvSpPr txBox="1"/>
+          <p:nvPr/>
+        </p:nvSpPr>
+        <p:spPr>
+          <a:xfrm>
+            <a:off x="2359606" y="3869023"/>
+            <a:ext cx="1645002" cy="830997"/>
+          </a:xfrm>
+          <a:prstGeom prst="rect">
+            <a:avLst/>
+          </a:prstGeom>
+          <a:noFill/>
+        </p:spPr>
+        <p:txBody>
+          <a:bodyPr wrap="none" rtlCol="0">
+            <a:spAutoFit/>
+          </a:bodyPr>
+          <a:lstStyle/>
+          <a:p>
+            <a:r>
+              <a:rPr lang="en-SG" sz="2400" b="1" dirty="0">
+                <a:solidFill>
+                  <a:srgbClr val="C00000"/>
+                </a:solidFill>
+                <a:latin typeface="Bradley Hand" pitchFamily="2" charset="77"/>
+              </a:rPr>
+              <a:t>axiomatic </a:t>
+            </a:r>
+          </a:p>
+          <a:p>
+            <a:r>
+              <a:rPr lang="en-SG" sz="2400" b="1" dirty="0">
+                <a:solidFill>
+                  <a:srgbClr val="C00000"/>
+                </a:solidFill>
+                <a:latin typeface="Bradley Hand" pitchFamily="2" charset="77"/>
+              </a:rPr>
+              <a:t>semantics</a:t>
+            </a:r>
+            <a:r>
+              <a:rPr lang="en-US" sz="2400" b="1" dirty="0">
+                <a:solidFill>
+                  <a:srgbClr val="C00000"/>
+                </a:solidFill>
+                <a:latin typeface="Bradley Hand" pitchFamily="2" charset="77"/>
+              </a:rPr>
+              <a:t> </a:t>
+            </a:r>
+          </a:p>
+        </p:txBody>
+      </p:sp>
+      <p:pic>
+        <p:nvPicPr>
+          <p:cNvPr id="35" name="Graphic 34" descr="Angel face outline with solid fill">
+            <a:extLst>
+              <a:ext uri="{FF2B5EF4-FFF2-40B4-BE49-F238E27FC236}">
+                <a16:creationId xmlns:a16="http://schemas.microsoft.com/office/drawing/2014/main" id="{63FF98C2-61A2-9A41-93A1-87E4D091EFC9}"/>
+              </a:ext>
+            </a:extLst>
+          </p:cNvPr>
+          <p:cNvPicPr>
+            <a:picLocks noChangeAspect="1"/>
+          </p:cNvPicPr>
+          <p:nvPr/>
+        </p:nvPicPr>
+        <p:blipFill>
+          <a:blip r:embed="rId10">
+            <a:extLst>
+              <a:ext uri="{96DAC541-7B7A-43D3-8B79-37D633B846F1}">
+                <asvg:svgBlip xmlns:asvg="http://schemas.microsoft.com/office/drawing/2016/SVG/main" r:embed="rId11"/>
+              </a:ext>
+            </a:extLst>
+          </a:blip>
+          <a:stretch>
+            <a:fillRect/>
+          </a:stretch>
+        </p:blipFill>
+        <p:spPr>
+          <a:xfrm>
+            <a:off x="9000613" y="3523476"/>
+            <a:ext cx="914400" cy="914400"/>
+          </a:xfrm>
+          <a:prstGeom prst="rect">
+            <a:avLst/>
+          </a:prstGeom>
+        </p:spPr>
+      </p:pic>
+      <p:pic>
+        <p:nvPicPr>
+          <p:cNvPr id="37" name="Graphic 36" descr="Confused face outline with solid fill">
+            <a:extLst>
+              <a:ext uri="{FF2B5EF4-FFF2-40B4-BE49-F238E27FC236}">
+                <a16:creationId xmlns:a16="http://schemas.microsoft.com/office/drawing/2014/main" id="{540A635E-9765-4949-A888-DB5FABE85B4B}"/>
+              </a:ext>
+            </a:extLst>
+          </p:cNvPr>
+          <p:cNvPicPr>
+            <a:picLocks noChangeAspect="1"/>
+          </p:cNvPicPr>
+          <p:nvPr/>
+        </p:nvPicPr>
+        <p:blipFill>
+          <a:blip r:embed="rId12">
+            <a:extLst>
+              <a:ext uri="{96DAC541-7B7A-43D3-8B79-37D633B846F1}">
+                <asvg:svgBlip xmlns:asvg="http://schemas.microsoft.com/office/drawing/2016/SVG/main" r:embed="rId13"/>
+              </a:ext>
+            </a:extLst>
+          </a:blip>
+          <a:stretch>
+            <a:fillRect/>
+          </a:stretch>
+        </p:blipFill>
+        <p:spPr>
+          <a:xfrm>
+            <a:off x="9000613" y="4541586"/>
+            <a:ext cx="914400" cy="914400"/>
+          </a:xfrm>
+          <a:prstGeom prst="rect">
+            <a:avLst/>
+          </a:prstGeom>
+        </p:spPr>
+      </p:pic>
+      <p:pic>
+        <p:nvPicPr>
+          <p:cNvPr id="39" name="Graphic 38" descr="Loudly crying face outline with solid fill">
+            <a:extLst>
+              <a:ext uri="{FF2B5EF4-FFF2-40B4-BE49-F238E27FC236}">
+                <a16:creationId xmlns:a16="http://schemas.microsoft.com/office/drawing/2014/main" id="{D2CB5BF4-145C-3945-9018-2DEC2B1F5825}"/>
+              </a:ext>
+            </a:extLst>
+          </p:cNvPr>
+          <p:cNvPicPr>
+            <a:picLocks noChangeAspect="1"/>
+          </p:cNvPicPr>
+          <p:nvPr/>
+        </p:nvPicPr>
+        <p:blipFill>
+          <a:blip r:embed="rId14">
+            <a:extLst>
+              <a:ext uri="{96DAC541-7B7A-43D3-8B79-37D633B846F1}">
+                <asvg:svgBlip xmlns:asvg="http://schemas.microsoft.com/office/drawing/2016/SVG/main" r:embed="rId15"/>
+              </a:ext>
+            </a:extLst>
+          </a:blip>
+          <a:stretch>
+            <a:fillRect/>
+          </a:stretch>
+        </p:blipFill>
+        <p:spPr>
+          <a:xfrm>
+            <a:off x="9000613" y="5559696"/>
+            <a:ext cx="914400" cy="914400"/>
+          </a:xfrm>
+          <a:prstGeom prst="rect">
+            <a:avLst/>
+          </a:prstGeom>
+        </p:spPr>
+      </p:pic>
+      <p:cxnSp>
+        <p:nvCxnSpPr>
+          <p:cNvPr id="40" name="Straight Arrow Connector 39">
+            <a:extLst>
+              <a:ext uri="{FF2B5EF4-FFF2-40B4-BE49-F238E27FC236}">
+                <a16:creationId xmlns:a16="http://schemas.microsoft.com/office/drawing/2014/main" id="{D1A52D9F-18FB-E245-81E7-567410F2E71B}"/>
+              </a:ext>
+            </a:extLst>
+          </p:cNvPr>
+          <p:cNvCxnSpPr>
+            <a:cxnSpLocks/>
+            <a:stCxn id="18" idx="3"/>
+            <a:endCxn id="35" idx="1"/>
+          </p:cNvCxnSpPr>
+          <p:nvPr/>
+        </p:nvCxnSpPr>
+        <p:spPr>
+          <a:xfrm flipV="1">
+            <a:off x="6990838" y="3980676"/>
+            <a:ext cx="2009775" cy="1018110"/>
+          </a:xfrm>
+          <a:prstGeom prst="straightConnector1">
+            <a:avLst/>
+          </a:prstGeom>
+          <a:ln w="34925">
+            <a:solidFill>
+              <a:schemeClr val="accent6">
+                <a:lumMod val="75000"/>
+              </a:schemeClr>
+            </a:solidFill>
+            <a:prstDash val="solid"/>
+            <a:tailEnd type="triangle"/>
+          </a:ln>
+        </p:spPr>
+        <p:style>
+          <a:lnRef idx="1">
+            <a:schemeClr val="accent1"/>
+          </a:lnRef>
+          <a:fillRef idx="0">
+            <a:schemeClr val="accent1"/>
+          </a:fillRef>
+          <a:effectRef idx="0">
+            <a:schemeClr val="accent1"/>
+          </a:effectRef>
+          <a:fontRef idx="minor">
+            <a:schemeClr val="tx1"/>
+          </a:fontRef>
+        </p:style>
+      </p:cxnSp>
+      <p:cxnSp>
+        <p:nvCxnSpPr>
+          <p:cNvPr id="43" name="Straight Arrow Connector 42">
+            <a:extLst>
+              <a:ext uri="{FF2B5EF4-FFF2-40B4-BE49-F238E27FC236}">
+                <a16:creationId xmlns:a16="http://schemas.microsoft.com/office/drawing/2014/main" id="{FC9E21E6-C3CB-004F-8CB7-2EF10E0419EA}"/>
+              </a:ext>
+            </a:extLst>
+          </p:cNvPr>
+          <p:cNvCxnSpPr>
+            <a:cxnSpLocks/>
+            <a:stCxn id="18" idx="3"/>
+            <a:endCxn id="37" idx="1"/>
+          </p:cNvCxnSpPr>
+          <p:nvPr/>
+        </p:nvCxnSpPr>
+        <p:spPr>
+          <a:xfrm>
+            <a:off x="6990838" y="4998786"/>
+            <a:ext cx="2009775" cy="0"/>
+          </a:xfrm>
+          <a:prstGeom prst="straightConnector1">
+            <a:avLst/>
+          </a:prstGeom>
+          <a:ln w="34925">
+            <a:solidFill>
+              <a:schemeClr val="accent6">
+                <a:lumMod val="75000"/>
+              </a:schemeClr>
+            </a:solidFill>
+            <a:prstDash val="solid"/>
+            <a:tailEnd type="triangle"/>
+          </a:ln>
+        </p:spPr>
+        <p:style>
+          <a:lnRef idx="1">
+            <a:schemeClr val="accent1"/>
+          </a:lnRef>
+          <a:fillRef idx="0">
+            <a:schemeClr val="accent1"/>
+          </a:fillRef>
+          <a:effectRef idx="0">
+            <a:schemeClr val="accent1"/>
+          </a:effectRef>
+          <a:fontRef idx="minor">
+            <a:schemeClr val="tx1"/>
+          </a:fontRef>
+        </p:style>
+      </p:cxnSp>
+      <p:cxnSp>
+        <p:nvCxnSpPr>
+          <p:cNvPr id="44" name="Straight Arrow Connector 43">
+            <a:extLst>
+              <a:ext uri="{FF2B5EF4-FFF2-40B4-BE49-F238E27FC236}">
+                <a16:creationId xmlns:a16="http://schemas.microsoft.com/office/drawing/2014/main" id="{E69854B0-6082-3B4A-8DF1-0768AFB0E64C}"/>
+              </a:ext>
+            </a:extLst>
+          </p:cNvPr>
+          <p:cNvCxnSpPr>
+            <a:cxnSpLocks/>
+            <a:stCxn id="18" idx="3"/>
+            <a:endCxn id="39" idx="1"/>
+          </p:cNvCxnSpPr>
+          <p:nvPr/>
+        </p:nvCxnSpPr>
+        <p:spPr>
+          <a:xfrm>
+            <a:off x="6990838" y="4998786"/>
+            <a:ext cx="2009775" cy="1018110"/>
+          </a:xfrm>
+          <a:prstGeom prst="straightConnector1">
+            <a:avLst/>
+          </a:prstGeom>
+          <a:ln w="34925">
+            <a:solidFill>
+              <a:schemeClr val="accent6">
+                <a:lumMod val="75000"/>
+              </a:schemeClr>
+            </a:solidFill>
+            <a:prstDash val="solid"/>
+            <a:tailEnd type="triangle"/>
+          </a:ln>
+        </p:spPr>
+        <p:style>
+          <a:lnRef idx="1">
+            <a:schemeClr val="accent1"/>
+          </a:lnRef>
+          <a:fillRef idx="0">
+            <a:schemeClr val="accent1"/>
+          </a:fillRef>
+          <a:effectRef idx="0">
+            <a:schemeClr val="accent1"/>
+          </a:effectRef>
+          <a:fontRef idx="minor">
+            <a:schemeClr val="tx1"/>
+          </a:fontRef>
+        </p:style>
+      </p:cxnSp>
+      <p:sp>
+        <p:nvSpPr>
+          <p:cNvPr id="49" name="TextBox 48">
+            <a:extLst>
+              <a:ext uri="{FF2B5EF4-FFF2-40B4-BE49-F238E27FC236}">
+                <a16:creationId xmlns:a16="http://schemas.microsoft.com/office/drawing/2014/main" id="{74C1711A-8D31-8849-BAF9-A7D63E2F9227}"/>
+              </a:ext>
+            </a:extLst>
+          </p:cNvPr>
+          <p:cNvSpPr txBox="1"/>
+          <p:nvPr/>
+        </p:nvSpPr>
+        <p:spPr>
+          <a:xfrm>
+            <a:off x="9997062" y="3813669"/>
+            <a:ext cx="800219" cy="461665"/>
+          </a:xfrm>
+          <a:prstGeom prst="rect">
+            <a:avLst/>
+          </a:prstGeom>
+          <a:noFill/>
+        </p:spPr>
+        <p:txBody>
+          <a:bodyPr wrap="none" rtlCol="0">
+            <a:spAutoFit/>
+          </a:bodyPr>
+          <a:lstStyle/>
+          <a:p>
+            <a:r>
+              <a:rPr lang="en-US" sz="2400" dirty="0">
+                <a:latin typeface="Bradley Hand" pitchFamily="2" charset="77"/>
+              </a:rPr>
+              <a:t>True</a:t>
+            </a:r>
+          </a:p>
+        </p:txBody>
+      </p:sp>
+      <p:sp>
+        <p:nvSpPr>
+          <p:cNvPr id="50" name="TextBox 49">
+            <a:extLst>
+              <a:ext uri="{FF2B5EF4-FFF2-40B4-BE49-F238E27FC236}">
+                <a16:creationId xmlns:a16="http://schemas.microsoft.com/office/drawing/2014/main" id="{8113DB40-F93B-8D49-AFE1-58709420B448}"/>
+              </a:ext>
+            </a:extLst>
+          </p:cNvPr>
+          <p:cNvSpPr txBox="1"/>
+          <p:nvPr/>
+        </p:nvSpPr>
+        <p:spPr>
+          <a:xfrm>
+            <a:off x="9997062" y="4767953"/>
+            <a:ext cx="1564852" cy="461665"/>
+          </a:xfrm>
+          <a:prstGeom prst="rect">
+            <a:avLst/>
+          </a:prstGeom>
+          <a:noFill/>
+        </p:spPr>
+        <p:txBody>
+          <a:bodyPr wrap="none" rtlCol="0">
+            <a:spAutoFit/>
+          </a:bodyPr>
+          <a:lstStyle/>
+          <a:p>
+            <a:r>
+              <a:rPr lang="en-US" sz="2400" dirty="0">
+                <a:latin typeface="Bradley Hand" pitchFamily="2" charset="77"/>
+              </a:rPr>
+              <a:t>Unknown</a:t>
+            </a:r>
+          </a:p>
+        </p:txBody>
+      </p:sp>
+      <p:sp>
+        <p:nvSpPr>
+          <p:cNvPr id="51" name="TextBox 50">
+            <a:extLst>
+              <a:ext uri="{FF2B5EF4-FFF2-40B4-BE49-F238E27FC236}">
+                <a16:creationId xmlns:a16="http://schemas.microsoft.com/office/drawing/2014/main" id="{A1B17205-E409-454E-90B1-1FEAC5AAAF6C}"/>
+              </a:ext>
+            </a:extLst>
+          </p:cNvPr>
+          <p:cNvSpPr txBox="1"/>
+          <p:nvPr/>
+        </p:nvSpPr>
+        <p:spPr>
+          <a:xfrm>
+            <a:off x="9997062" y="5862559"/>
+            <a:ext cx="872355" cy="461665"/>
+          </a:xfrm>
+          <a:prstGeom prst="rect">
+            <a:avLst/>
+          </a:prstGeom>
+          <a:noFill/>
+        </p:spPr>
+        <p:txBody>
+          <a:bodyPr wrap="none" rtlCol="0">
+            <a:spAutoFit/>
+          </a:bodyPr>
+          <a:lstStyle/>
+          <a:p>
+            <a:r>
+              <a:rPr lang="en-US" sz="2400" dirty="0">
+                <a:latin typeface="Bradley Hand" pitchFamily="2" charset="77"/>
+              </a:rPr>
+              <a:t>False</a:t>
+            </a:r>
+          </a:p>
+        </p:txBody>
+      </p:sp>
+      <p:sp>
+        <p:nvSpPr>
+          <p:cNvPr id="3" name="Rounded Rectangle 2">
+            <a:extLst>
+              <a:ext uri="{FF2B5EF4-FFF2-40B4-BE49-F238E27FC236}">
+                <a16:creationId xmlns:a16="http://schemas.microsoft.com/office/drawing/2014/main" id="{4E8FD440-270B-9843-8ECD-6D7046D59F4C}"/>
+              </a:ext>
+            </a:extLst>
+          </p:cNvPr>
+          <p:cNvSpPr/>
+          <p:nvPr/>
+        </p:nvSpPr>
+        <p:spPr>
+          <a:xfrm>
+            <a:off x="657225" y="1690688"/>
+            <a:ext cx="7621442" cy="2122981"/>
+          </a:xfrm>
+          <a:prstGeom prst="roundRect">
+            <a:avLst/>
+          </a:prstGeom>
+          <a:noFill/>
+          <a:ln w="25400">
+            <a:solidFill>
+              <a:schemeClr val="accent1"/>
+            </a:solidFill>
+          </a:ln>
+        </p:spPr>
+        <p:style>
+          <a:lnRef idx="2">
+            <a:schemeClr val="accent1">
+              <a:shade val="50000"/>
+            </a:schemeClr>
+          </a:lnRef>
+          <a:fillRef idx="1">
+            <a:schemeClr val="accent1"/>
+          </a:fillRef>
+          <a:effectRef idx="0">
+            <a:schemeClr val="accent1"/>
+          </a:effectRef>
+          <a:fontRef idx="minor">
+            <a:schemeClr val="lt1"/>
+          </a:fontRef>
+        </p:style>
+        <p:txBody>
+          <a:bodyPr rtlCol="0" anchor="ctr"/>
+          <a:lstStyle/>
+          <a:p>
+            <a:pPr algn="ctr"/>
+            <a:endParaRPr lang="en-US"/>
+          </a:p>
+        </p:txBody>
+      </p:sp>
+      <p:sp>
+        <p:nvSpPr>
+          <p:cNvPr id="4" name="TextBox 3">
+            <a:extLst>
+              <a:ext uri="{FF2B5EF4-FFF2-40B4-BE49-F238E27FC236}">
+                <a16:creationId xmlns:a16="http://schemas.microsoft.com/office/drawing/2014/main" id="{5F2261B5-B0B5-8845-976D-17420C715DD5}"/>
+              </a:ext>
+            </a:extLst>
+          </p:cNvPr>
+          <p:cNvSpPr txBox="1"/>
+          <p:nvPr/>
+        </p:nvSpPr>
+        <p:spPr>
+          <a:xfrm>
+            <a:off x="3954583" y="1741526"/>
+            <a:ext cx="922047" cy="461665"/>
+          </a:xfrm>
+          <a:prstGeom prst="rect">
+            <a:avLst/>
+          </a:prstGeom>
+          <a:noFill/>
+        </p:spPr>
+        <p:txBody>
+          <a:bodyPr wrap="none" rtlCol="0">
+            <a:spAutoFit/>
+          </a:bodyPr>
+          <a:lstStyle/>
+          <a:p>
+            <a:r>
+              <a:rPr lang="en-US" sz="2400" b="1" u="sng" dirty="0">
+                <a:solidFill>
+                  <a:schemeClr val="accent1"/>
+                </a:solidFill>
+                <a:latin typeface="Bradley Hand" pitchFamily="2" charset="77"/>
+              </a:rPr>
+              <a:t>Input</a:t>
+            </a:r>
+          </a:p>
+        </p:txBody>
+      </p:sp>
+      <p:sp>
+        <p:nvSpPr>
+          <p:cNvPr id="27" name="Rounded Rectangle 26">
+            <a:extLst>
+              <a:ext uri="{FF2B5EF4-FFF2-40B4-BE49-F238E27FC236}">
+                <a16:creationId xmlns:a16="http://schemas.microsoft.com/office/drawing/2014/main" id="{FCA8E1C9-FCC5-3446-AB0D-241DE10D1FC1}"/>
+              </a:ext>
+            </a:extLst>
+          </p:cNvPr>
+          <p:cNvSpPr/>
+          <p:nvPr/>
+        </p:nvSpPr>
+        <p:spPr>
+          <a:xfrm flipH="1" flipV="1">
+            <a:off x="8431064" y="2914649"/>
+            <a:ext cx="3384693" cy="3646177"/>
+          </a:xfrm>
+          <a:prstGeom prst="roundRect">
+            <a:avLst/>
+          </a:prstGeom>
+          <a:noFill/>
+          <a:ln w="25400">
+            <a:solidFill>
+              <a:schemeClr val="accent1"/>
+            </a:solidFill>
+          </a:ln>
+        </p:spPr>
+        <p:style>
+          <a:lnRef idx="2">
+            <a:schemeClr val="accent1">
+              <a:shade val="50000"/>
+            </a:schemeClr>
+          </a:lnRef>
+          <a:fillRef idx="1">
+            <a:schemeClr val="accent1"/>
+          </a:fillRef>
+          <a:effectRef idx="0">
+            <a:schemeClr val="accent1"/>
+          </a:effectRef>
+          <a:fontRef idx="minor">
+            <a:schemeClr val="lt1"/>
+          </a:fontRef>
+        </p:style>
+        <p:txBody>
+          <a:bodyPr rtlCol="0" anchor="ctr"/>
+          <a:lstStyle/>
+          <a:p>
+            <a:pPr algn="ctr"/>
+            <a:endParaRPr lang="en-US"/>
+          </a:p>
+        </p:txBody>
+      </p:sp>
+      <p:sp>
+        <p:nvSpPr>
+          <p:cNvPr id="28" name="TextBox 27">
+            <a:extLst>
+              <a:ext uri="{FF2B5EF4-FFF2-40B4-BE49-F238E27FC236}">
+                <a16:creationId xmlns:a16="http://schemas.microsoft.com/office/drawing/2014/main" id="{400F341F-4C7D-B549-81CE-8A4EF17EF46A}"/>
+              </a:ext>
+            </a:extLst>
+          </p:cNvPr>
+          <p:cNvSpPr txBox="1"/>
+          <p:nvPr/>
+        </p:nvSpPr>
+        <p:spPr>
+          <a:xfrm>
+            <a:off x="9548573" y="2933768"/>
+            <a:ext cx="1149674" cy="461665"/>
+          </a:xfrm>
+          <a:prstGeom prst="rect">
+            <a:avLst/>
+          </a:prstGeom>
+          <a:noFill/>
+        </p:spPr>
+        <p:txBody>
+          <a:bodyPr wrap="none" rtlCol="0">
+            <a:spAutoFit/>
+          </a:bodyPr>
+          <a:lstStyle/>
+          <a:p>
+            <a:r>
+              <a:rPr lang="en-US" sz="2400" b="1" u="sng" dirty="0">
+                <a:solidFill>
+                  <a:schemeClr val="accent1"/>
+                </a:solidFill>
+                <a:latin typeface="Bradley Hand" pitchFamily="2" charset="77"/>
+              </a:rPr>
+              <a:t>Output</a:t>
+            </a:r>
+          </a:p>
+        </p:txBody>
+      </p:sp>
+      <p:pic>
+        <p:nvPicPr>
+          <p:cNvPr id="31" name="Graphic 30" descr="Star with solid fill">
+            <a:extLst>
+              <a:ext uri="{FF2B5EF4-FFF2-40B4-BE49-F238E27FC236}">
+                <a16:creationId xmlns:a16="http://schemas.microsoft.com/office/drawing/2014/main" id="{CCBC67EC-656A-9B42-B82C-183C9BBE0F59}"/>
+              </a:ext>
+            </a:extLst>
+          </p:cNvPr>
+          <p:cNvPicPr>
+            <a:picLocks noChangeAspect="1"/>
+          </p:cNvPicPr>
+          <p:nvPr/>
+        </p:nvPicPr>
+        <p:blipFill>
+          <a:blip r:embed="rId16">
+            <a:extLst>
+              <a:ext uri="{96DAC541-7B7A-43D3-8B79-37D633B846F1}">
+                <asvg:svgBlip xmlns:asvg="http://schemas.microsoft.com/office/drawing/2016/SVG/main" r:embed="rId17"/>
+              </a:ext>
+            </a:extLst>
+          </a:blip>
+          <a:stretch>
+            <a:fillRect/>
+          </a:stretch>
+        </p:blipFill>
+        <p:spPr>
+          <a:xfrm>
+            <a:off x="4751888" y="2875805"/>
+            <a:ext cx="633399" cy="633399"/>
+          </a:xfrm>
+          <a:prstGeom prst="rect">
+            <a:avLst/>
+          </a:prstGeom>
+        </p:spPr>
+      </p:pic>
+      <p:pic>
+        <p:nvPicPr>
+          <p:cNvPr id="34" name="Graphic 33" descr="Star with solid fill">
+            <a:extLst>
+              <a:ext uri="{FF2B5EF4-FFF2-40B4-BE49-F238E27FC236}">
+                <a16:creationId xmlns:a16="http://schemas.microsoft.com/office/drawing/2014/main" id="{FEFF16BD-7C10-2F47-8644-2D77AE5AEB19}"/>
+              </a:ext>
+            </a:extLst>
+          </p:cNvPr>
+          <p:cNvPicPr>
+            <a:picLocks noChangeAspect="1"/>
+          </p:cNvPicPr>
+          <p:nvPr/>
+        </p:nvPicPr>
+        <p:blipFill>
+          <a:blip r:embed="rId16">
+            <a:extLst>
+              <a:ext uri="{96DAC541-7B7A-43D3-8B79-37D633B846F1}">
+                <asvg:svgBlip xmlns:asvg="http://schemas.microsoft.com/office/drawing/2016/SVG/main" r:embed="rId17"/>
+              </a:ext>
+            </a:extLst>
+          </a:blip>
+          <a:stretch>
+            <a:fillRect/>
+          </a:stretch>
+        </p:blipFill>
+        <p:spPr>
+          <a:xfrm>
+            <a:off x="1726207" y="3869023"/>
+            <a:ext cx="633399" cy="633399"/>
+          </a:xfrm>
+          <a:prstGeom prst="rect">
+            <a:avLst/>
+          </a:prstGeom>
+        </p:spPr>
+      </p:pic>
+      <p:pic>
+        <p:nvPicPr>
+          <p:cNvPr id="36" name="Graphic 35" descr="Star with solid fill">
+            <a:extLst>
+              <a:ext uri="{FF2B5EF4-FFF2-40B4-BE49-F238E27FC236}">
+                <a16:creationId xmlns:a16="http://schemas.microsoft.com/office/drawing/2014/main" id="{F168180D-48AD-2244-84D5-D5B1CF213C60}"/>
+              </a:ext>
+            </a:extLst>
+          </p:cNvPr>
+          <p:cNvPicPr>
+            <a:picLocks noChangeAspect="1"/>
+          </p:cNvPicPr>
+          <p:nvPr/>
+        </p:nvPicPr>
+        <p:blipFill>
+          <a:blip r:embed="rId16">
+            <a:extLst>
+              <a:ext uri="{96DAC541-7B7A-43D3-8B79-37D633B846F1}">
+                <asvg:svgBlip xmlns:asvg="http://schemas.microsoft.com/office/drawing/2016/SVG/main" r:embed="rId17"/>
+              </a:ext>
+            </a:extLst>
+          </a:blip>
+          <a:stretch>
+            <a:fillRect/>
+          </a:stretch>
+        </p:blipFill>
+        <p:spPr>
+          <a:xfrm>
+            <a:off x="5536490" y="5117368"/>
+            <a:ext cx="633399" cy="633399"/>
+          </a:xfrm>
+          <a:prstGeom prst="rect">
+            <a:avLst/>
+          </a:prstGeom>
+        </p:spPr>
+      </p:pic>
+      <p:cxnSp>
+        <p:nvCxnSpPr>
+          <p:cNvPr id="12" name="Straight Connector 11">
+            <a:extLst>
+              <a:ext uri="{FF2B5EF4-FFF2-40B4-BE49-F238E27FC236}">
+                <a16:creationId xmlns:a16="http://schemas.microsoft.com/office/drawing/2014/main" id="{1B7D0860-69DC-7945-B03A-8F11EDA868D9}"/>
+              </a:ext>
+            </a:extLst>
+          </p:cNvPr>
+          <p:cNvCxnSpPr/>
+          <p:nvPr/>
+        </p:nvCxnSpPr>
+        <p:spPr>
+          <a:xfrm>
+            <a:off x="8815388" y="4527188"/>
+            <a:ext cx="2746526" cy="892007"/>
+          </a:xfrm>
+          <a:prstGeom prst="line">
+            <a:avLst/>
+          </a:prstGeom>
+          <a:ln w="38100">
+            <a:solidFill>
+              <a:schemeClr val="accent2"/>
+            </a:solidFill>
+          </a:ln>
+        </p:spPr>
+        <p:style>
+          <a:lnRef idx="1">
+            <a:schemeClr val="accent1"/>
+          </a:lnRef>
+          <a:fillRef idx="0">
+            <a:schemeClr val="accent1"/>
+          </a:fillRef>
+          <a:effectRef idx="0">
+            <a:schemeClr val="accent1"/>
+          </a:effectRef>
+          <a:fontRef idx="minor">
+            <a:schemeClr val="tx1"/>
+          </a:fontRef>
+        </p:style>
+      </p:cxnSp>
+      <p:cxnSp>
+        <p:nvCxnSpPr>
+          <p:cNvPr id="38" name="Straight Connector 37">
+            <a:extLst>
+              <a:ext uri="{FF2B5EF4-FFF2-40B4-BE49-F238E27FC236}">
+                <a16:creationId xmlns:a16="http://schemas.microsoft.com/office/drawing/2014/main" id="{A05BD44C-1736-C34F-A28D-9DA245601E63}"/>
+              </a:ext>
+            </a:extLst>
+          </p:cNvPr>
+          <p:cNvCxnSpPr>
+            <a:cxnSpLocks/>
+          </p:cNvCxnSpPr>
+          <p:nvPr/>
+        </p:nvCxnSpPr>
+        <p:spPr>
+          <a:xfrm flipV="1">
+            <a:off x="8908001" y="4527187"/>
+            <a:ext cx="2547896" cy="878172"/>
+          </a:xfrm>
+          <a:prstGeom prst="line">
+            <a:avLst/>
+          </a:prstGeom>
+          <a:ln w="38100">
+            <a:solidFill>
+              <a:schemeClr val="accent2"/>
+            </a:solidFill>
+          </a:ln>
+        </p:spPr>
+        <p:style>
+          <a:lnRef idx="1">
+            <a:schemeClr val="accent1"/>
+          </a:lnRef>
+          <a:fillRef idx="0">
+            <a:schemeClr val="accent1"/>
+          </a:fillRef>
+          <a:effectRef idx="0">
+            <a:schemeClr val="accent1"/>
+          </a:effectRef>
+          <a:fontRef idx="minor">
+            <a:schemeClr val="tx1"/>
+          </a:fontRef>
+        </p:style>
+      </p:cxnSp>
+      <p:pic>
+        <p:nvPicPr>
+          <p:cNvPr id="42" name="Picture 41">
+            <a:extLst>
+              <a:ext uri="{FF2B5EF4-FFF2-40B4-BE49-F238E27FC236}">
+                <a16:creationId xmlns:a16="http://schemas.microsoft.com/office/drawing/2014/main" id="{737881D4-6808-3743-8500-381AD4E5BEA0}"/>
+              </a:ext>
+            </a:extLst>
+          </p:cNvPr>
+          <p:cNvPicPr>
+            <a:picLocks noChangeAspect="1"/>
+          </p:cNvPicPr>
+          <p:nvPr/>
+        </p:nvPicPr>
+        <p:blipFill>
+          <a:blip r:embed="rId18"/>
+          <a:srcRect/>
+          <a:stretch/>
+        </p:blipFill>
+        <p:spPr>
+          <a:xfrm>
+            <a:off x="10503787" y="184457"/>
+            <a:ext cx="1524000" cy="1524000"/>
+          </a:xfrm>
+          <a:prstGeom prst="rect">
+            <a:avLst/>
+          </a:prstGeom>
+        </p:spPr>
+      </p:pic>
+      <p:sp>
+        <p:nvSpPr>
+          <p:cNvPr id="7" name="TextBox 6">
+            <a:extLst>
+              <a:ext uri="{FF2B5EF4-FFF2-40B4-BE49-F238E27FC236}">
+                <a16:creationId xmlns:a16="http://schemas.microsoft.com/office/drawing/2014/main" id="{8B8F62F8-A6AE-B441-9138-96564972BB6A}"/>
+              </a:ext>
+            </a:extLst>
+          </p:cNvPr>
+          <p:cNvSpPr txBox="1"/>
+          <p:nvPr/>
+        </p:nvSpPr>
+        <p:spPr>
+          <a:xfrm>
+            <a:off x="4909506" y="2981623"/>
+            <a:ext cx="428322" cy="461665"/>
+          </a:xfrm>
+          <a:prstGeom prst="rect">
+            <a:avLst/>
+          </a:prstGeom>
+          <a:noFill/>
+        </p:spPr>
+        <p:txBody>
+          <a:bodyPr wrap="none" rtlCol="0">
+            <a:spAutoFit/>
+          </a:bodyPr>
+          <a:lstStyle/>
+          <a:p>
+            <a:r>
+              <a:rPr lang="en-US" sz="2400" dirty="0">
+                <a:latin typeface="Bradley Hand" pitchFamily="2" charset="77"/>
+              </a:rPr>
+              <a:t>1.</a:t>
+            </a:r>
+          </a:p>
+        </p:txBody>
+      </p:sp>
+      <p:sp>
+        <p:nvSpPr>
+          <p:cNvPr id="41" name="TextBox 40">
+            <a:extLst>
+              <a:ext uri="{FF2B5EF4-FFF2-40B4-BE49-F238E27FC236}">
+                <a16:creationId xmlns:a16="http://schemas.microsoft.com/office/drawing/2014/main" id="{6E9751D4-79F8-2F4B-BEBB-FA78175E9679}"/>
+              </a:ext>
+            </a:extLst>
+          </p:cNvPr>
+          <p:cNvSpPr txBox="1"/>
+          <p:nvPr/>
+        </p:nvSpPr>
+        <p:spPr>
+          <a:xfrm>
+            <a:off x="1063422" y="3034329"/>
+            <a:ext cx="457176" cy="461665"/>
+          </a:xfrm>
+          <a:prstGeom prst="rect">
+            <a:avLst/>
+          </a:prstGeom>
+          <a:noFill/>
+        </p:spPr>
+        <p:txBody>
+          <a:bodyPr wrap="none" rtlCol="0">
+            <a:spAutoFit/>
+          </a:bodyPr>
+          <a:lstStyle/>
+          <a:p>
+            <a:r>
+              <a:rPr lang="en-US" sz="2400" b="1" dirty="0">
+                <a:solidFill>
+                  <a:schemeClr val="accent2"/>
+                </a:solidFill>
+                <a:latin typeface="Bradley Hand" pitchFamily="2" charset="77"/>
+              </a:rPr>
+              <a:t>2.</a:t>
+            </a:r>
+          </a:p>
+        </p:txBody>
+      </p:sp>
+      <p:sp>
+        <p:nvSpPr>
+          <p:cNvPr id="45" name="TextBox 44">
+            <a:extLst>
+              <a:ext uri="{FF2B5EF4-FFF2-40B4-BE49-F238E27FC236}">
+                <a16:creationId xmlns:a16="http://schemas.microsoft.com/office/drawing/2014/main" id="{260E8E5A-FD7F-B845-8C7A-FBAB2C6B6E86}"/>
+              </a:ext>
+            </a:extLst>
+          </p:cNvPr>
+          <p:cNvSpPr txBox="1"/>
+          <p:nvPr/>
+        </p:nvSpPr>
+        <p:spPr>
+          <a:xfrm>
+            <a:off x="1870990" y="3974357"/>
+            <a:ext cx="452368" cy="461665"/>
+          </a:xfrm>
+          <a:prstGeom prst="rect">
+            <a:avLst/>
+          </a:prstGeom>
+          <a:noFill/>
+        </p:spPr>
+        <p:txBody>
+          <a:bodyPr wrap="none" rtlCol="0">
+            <a:spAutoFit/>
+          </a:bodyPr>
+          <a:lstStyle/>
+          <a:p>
+            <a:r>
+              <a:rPr lang="en-US" sz="2400" dirty="0">
+                <a:latin typeface="Bradley Hand" pitchFamily="2" charset="77"/>
+              </a:rPr>
+              <a:t>3.</a:t>
+            </a:r>
+          </a:p>
+        </p:txBody>
+      </p:sp>
+      <p:sp>
+        <p:nvSpPr>
+          <p:cNvPr id="46" name="TextBox 45">
+            <a:extLst>
+              <a:ext uri="{FF2B5EF4-FFF2-40B4-BE49-F238E27FC236}">
+                <a16:creationId xmlns:a16="http://schemas.microsoft.com/office/drawing/2014/main" id="{BDB552A2-192B-2C4A-B37F-9837669C6CF1}"/>
+              </a:ext>
+            </a:extLst>
+          </p:cNvPr>
+          <p:cNvSpPr txBox="1"/>
+          <p:nvPr/>
+        </p:nvSpPr>
+        <p:spPr>
+          <a:xfrm>
+            <a:off x="5663704" y="5203234"/>
+            <a:ext cx="460382" cy="461665"/>
+          </a:xfrm>
+          <a:prstGeom prst="rect">
+            <a:avLst/>
+          </a:prstGeom>
+          <a:noFill/>
+        </p:spPr>
+        <p:txBody>
+          <a:bodyPr wrap="none" rtlCol="0">
+            <a:spAutoFit/>
+          </a:bodyPr>
+          <a:lstStyle/>
+          <a:p>
+            <a:r>
+              <a:rPr lang="en-US" sz="2400" dirty="0">
+                <a:latin typeface="Bradley Hand" pitchFamily="2" charset="77"/>
+              </a:rPr>
+              <a:t>4.</a:t>
+            </a:r>
+          </a:p>
+        </p:txBody>
+      </p:sp>
+    </p:spTree>
+    <p:extLst>
+      <p:ext uri="{BB962C8B-B14F-4D97-AF65-F5344CB8AC3E}">
+        <p14:creationId xmlns:p14="http://schemas.microsoft.com/office/powerpoint/2010/main" val="1506184896"/>
+      </p:ext>
+    </p:extLst>
+  </p:cSld>
+  <p:clrMapOvr>
+    <a:masterClrMapping/>
+  </p:clrMapOvr>
+</p:sld>
+</file>
+
+<file path=ppt/slides/slide9.xml><?xml version="1.0" encoding="utf-8"?>
+<p:sld xmlns:a="http://schemas.openxmlformats.org/drawingml/2006/main" xmlns:r="http://schemas.openxmlformats.org/officeDocument/2006/relationships" xmlns:p="http://schemas.openxmlformats.org/presentationml/2006/main">
+  <p:cSld>
+    <p:spTree>
+      <p:nvGrpSpPr>
+        <p:cNvPr id="1" name=""/>
+        <p:cNvGrpSpPr/>
+        <p:nvPr/>
+      </p:nvGrpSpPr>
+      <p:grpSpPr>
+        <a:xfrm>
+          <a:off x="0" y="0"/>
+          <a:ext cx="0" cy="0"/>
+          <a:chOff x="0" y="0"/>
+          <a:chExt cx="0" cy="0"/>
+        </a:xfrm>
+      </p:grpSpPr>
+      <p:sp>
+        <p:nvSpPr>
+          <p:cNvPr id="2" name="Title 1">
+            <a:extLst>
+              <a:ext uri="{FF2B5EF4-FFF2-40B4-BE49-F238E27FC236}">
+                <a16:creationId xmlns:a16="http://schemas.microsoft.com/office/drawing/2014/main" id="{F82A58EF-C1BD-D443-8A86-2D66B3CC7DB7}"/>
+              </a:ext>
+            </a:extLst>
+          </p:cNvPr>
+          <p:cNvSpPr>
+            <a:spLocks noGrp="1"/>
+          </p:cNvSpPr>
+          <p:nvPr>
+            <p:ph type="title"/>
+          </p:nvPr>
+        </p:nvSpPr>
+        <p:spPr/>
+        <p:txBody>
+          <a:bodyPr/>
+          <a:lstStyle/>
+          <a:p>
+            <a:r>
+              <a:rPr lang="en-SG" b="1" dirty="0"/>
+              <a:t>1. Timed Synchronous Effects</a:t>
             </a:r>
             <a:endParaRPr lang="en-US" b="1" dirty="0"/>
           </a:p>
@@ -5433,7 +12859,7 @@
           <p:cNvPr id="3" name="Content Placeholder 2">
             <a:extLst>
               <a:ext uri="{FF2B5EF4-FFF2-40B4-BE49-F238E27FC236}">
-                <a16:creationId xmlns:a16="http://schemas.microsoft.com/office/drawing/2014/main" id="{CC766104-185D-E24B-AF06-62337B0097D7}"/>
+                <a16:creationId xmlns:a16="http://schemas.microsoft.com/office/drawing/2014/main" id="{8CAADE11-2D1A-124C-81D1-64AC3CB6D120}"/>
               </a:ext>
             </a:extLst>
           </p:cNvPr>
@@ -5449,6 +12875,203 @@
           <a:bodyPr/>
           <a:lstStyle/>
           <a:p>
+            <a:pPr>
+              <a:lnSpc>
+                <a:spcPct val="150000"/>
+              </a:lnSpc>
+            </a:pPr>
+            <a:r>
+              <a:rPr lang="en-SG" dirty="0"/>
+              <a:t>Extends</a:t>
+            </a:r>
+            <a:r>
+              <a:rPr lang="en-SG" i="1" dirty="0"/>
+              <a:t> </a:t>
+            </a:r>
+            <a:r>
+              <a:rPr lang="en-SG" dirty="0"/>
+              <a:t>Synchronous Kleene Algebra with the operator #. </a:t>
+            </a:r>
+            <a:endParaRPr lang="en-SG" i="1" dirty="0"/>
+          </a:p>
+          <a:p>
+            <a:pPr>
+              <a:lnSpc>
+                <a:spcPct val="150000"/>
+              </a:lnSpc>
+            </a:pPr>
+            <a:r>
+              <a:rPr lang="en-SG" dirty="0"/>
+              <a:t>Defines a set of exact timed transition systems.</a:t>
+            </a:r>
+          </a:p>
+          <a:p>
+            <a:pPr>
+              <a:lnSpc>
+                <a:spcPct val="150000"/>
+              </a:lnSpc>
+            </a:pPr>
+            <a:endParaRPr lang="en-SG" sz="800" i="1" dirty="0"/>
+          </a:p>
+          <a:p>
+            <a:pPr marL="0" indent="0">
+              <a:lnSpc>
+                <a:spcPct val="150000"/>
+              </a:lnSpc>
+              <a:buNone/>
+            </a:pPr>
+            <a:r>
+              <a:rPr lang="en-SG" i="1" dirty="0"/>
+              <a:t>E.g., "The event will be triggered no later than 1000/t milliseconds" </a:t>
+            </a:r>
+          </a:p>
+          <a:p>
+            <a:pPr>
+              <a:lnSpc>
+                <a:spcPct val="150000"/>
+              </a:lnSpc>
+            </a:pPr>
+            <a:endParaRPr lang="en-US" dirty="0"/>
+          </a:p>
+        </p:txBody>
+      </p:sp>
+      <p:pic>
+        <p:nvPicPr>
+          <p:cNvPr id="4" name="Picture 3">
+            <a:extLst>
+              <a:ext uri="{FF2B5EF4-FFF2-40B4-BE49-F238E27FC236}">
+                <a16:creationId xmlns:a16="http://schemas.microsoft.com/office/drawing/2014/main" id="{7F51A389-56DB-5F48-8CE9-0A9E1853AF17}"/>
+              </a:ext>
+            </a:extLst>
+          </p:cNvPr>
+          <p:cNvPicPr>
+            <a:picLocks noChangeAspect="1"/>
+          </p:cNvPicPr>
+          <p:nvPr/>
+        </p:nvPicPr>
+        <p:blipFill>
+          <a:blip r:embed="rId3"/>
+          <a:srcRect/>
+          <a:stretch/>
+        </p:blipFill>
+        <p:spPr>
+          <a:xfrm>
+            <a:off x="10503787" y="184457"/>
+            <a:ext cx="1524000" cy="1524000"/>
+          </a:xfrm>
+          <a:prstGeom prst="rect">
+            <a:avLst/>
+          </a:prstGeom>
+        </p:spPr>
+      </p:pic>
+      <p:pic>
+        <p:nvPicPr>
+          <p:cNvPr id="5" name="Picture 4">
+            <a:extLst>
+              <a:ext uri="{FF2B5EF4-FFF2-40B4-BE49-F238E27FC236}">
+                <a16:creationId xmlns:a16="http://schemas.microsoft.com/office/drawing/2014/main" id="{D1A6EAB0-18E7-1E4D-9E53-4B26A38CBE07}"/>
+              </a:ext>
+            </a:extLst>
+          </p:cNvPr>
+          <p:cNvPicPr>
+            <a:picLocks noChangeAspect="1"/>
+          </p:cNvPicPr>
+          <p:nvPr/>
+        </p:nvPicPr>
+        <p:blipFill>
+          <a:blip r:embed="rId4"/>
+          <a:stretch>
+            <a:fillRect/>
+          </a:stretch>
+        </p:blipFill>
+        <p:spPr>
+          <a:xfrm>
+            <a:off x="3289854" y="4528047"/>
+            <a:ext cx="5031261" cy="615107"/>
+          </a:xfrm>
+          <a:prstGeom prst="rect">
+            <a:avLst/>
+          </a:prstGeom>
+        </p:spPr>
+      </p:pic>
+      <p:pic>
+        <p:nvPicPr>
+          <p:cNvPr id="6" name="Picture 5">
+            <a:extLst>
+              <a:ext uri="{FF2B5EF4-FFF2-40B4-BE49-F238E27FC236}">
+                <a16:creationId xmlns:a16="http://schemas.microsoft.com/office/drawing/2014/main" id="{164995C2-1179-A848-9135-8C1E09449F94}"/>
+              </a:ext>
+            </a:extLst>
+          </p:cNvPr>
+          <p:cNvPicPr>
+            <a:picLocks noChangeAspect="1"/>
+          </p:cNvPicPr>
+          <p:nvPr/>
+        </p:nvPicPr>
+        <p:blipFill>
+          <a:blip r:embed="rId5"/>
+          <a:stretch>
+            <a:fillRect/>
+          </a:stretch>
+        </p:blipFill>
+        <p:spPr>
+          <a:xfrm>
+            <a:off x="2057442" y="5263466"/>
+            <a:ext cx="7496087" cy="611605"/>
+          </a:xfrm>
+          <a:prstGeom prst="rect">
+            <a:avLst/>
+          </a:prstGeom>
+        </p:spPr>
+      </p:pic>
+      <p:sp>
+        <p:nvSpPr>
+          <p:cNvPr id="7" name="Rounded Rectangle 6">
+            <a:extLst>
+              <a:ext uri="{FF2B5EF4-FFF2-40B4-BE49-F238E27FC236}">
+                <a16:creationId xmlns:a16="http://schemas.microsoft.com/office/drawing/2014/main" id="{4476B0D9-9690-FC46-8897-E79AE6638BD4}"/>
+              </a:ext>
+            </a:extLst>
+          </p:cNvPr>
+          <p:cNvSpPr/>
+          <p:nvPr/>
+        </p:nvSpPr>
+        <p:spPr>
+          <a:xfrm>
+            <a:off x="838199" y="3543304"/>
+            <a:ext cx="9934575" cy="2582789"/>
+          </a:xfrm>
+          <a:prstGeom prst="roundRect">
+            <a:avLst/>
+          </a:prstGeom>
+          <a:noFill/>
+          <a:ln w="25400">
+            <a:solidFill>
+              <a:schemeClr val="accent1"/>
+            </a:solidFill>
+          </a:ln>
+        </p:spPr>
+        <p:style>
+          <a:lnRef idx="2">
+            <a:schemeClr val="accent1">
+              <a:shade val="50000"/>
+            </a:schemeClr>
+          </a:lnRef>
+          <a:fillRef idx="1">
+            <a:schemeClr val="accent1"/>
+          </a:fillRef>
+          <a:effectRef idx="0">
+            <a:schemeClr val="accent1"/>
+          </a:effectRef>
+          <a:fontRef idx="minor">
+            <a:schemeClr val="lt1"/>
+          </a:fontRef>
+        </p:style>
+        <p:txBody>
+          <a:bodyPr rtlCol="0" anchor="ctr"/>
+          <a:lstStyle/>
+          <a:p>
+            <a:pPr algn="ctr"/>
             <a:endParaRPr lang="en-US"/>
           </a:p>
         </p:txBody>
@@ -5456,7 +13079,7 @@
     </p:spTree>
     <p:extLst>
       <p:ext uri="{BB962C8B-B14F-4D97-AF65-F5344CB8AC3E}">
-        <p14:creationId xmlns:p14="http://schemas.microsoft.com/office/powerpoint/2010/main" val="952891412"/>
+        <p14:creationId xmlns:p14="http://schemas.microsoft.com/office/powerpoint/2010/main" val="3635226425"/>
       </p:ext>
     </p:extLst>
   </p:cSld>
